--- a/展示报告.pptx
+++ b/展示报告.pptx
@@ -5,7 +5,7 @@
     <p:sldMasterId id="2147483660" r:id="rId1"/>
   </p:sldMasterIdLst>
   <p:notesMasterIdLst>
-    <p:notesMasterId r:id="rId26"/>
+    <p:notesMasterId r:id="rId27"/>
   </p:notesMasterIdLst>
   <p:sldIdLst>
     <p:sldId id="256" r:id="rId2"/>
@@ -25,13 +25,14 @@
     <p:sldId id="275" r:id="rId16"/>
     <p:sldId id="276" r:id="rId17"/>
     <p:sldId id="278" r:id="rId18"/>
-    <p:sldId id="279" r:id="rId19"/>
-    <p:sldId id="282" r:id="rId20"/>
-    <p:sldId id="280" r:id="rId21"/>
-    <p:sldId id="283" r:id="rId22"/>
-    <p:sldId id="281" r:id="rId23"/>
-    <p:sldId id="284" r:id="rId24"/>
-    <p:sldId id="285" r:id="rId25"/>
+    <p:sldId id="287" r:id="rId19"/>
+    <p:sldId id="279" r:id="rId20"/>
+    <p:sldId id="282" r:id="rId21"/>
+    <p:sldId id="280" r:id="rId22"/>
+    <p:sldId id="283" r:id="rId23"/>
+    <p:sldId id="281" r:id="rId24"/>
+    <p:sldId id="284" r:id="rId25"/>
+    <p:sldId id="285" r:id="rId26"/>
   </p:sldIdLst>
   <p:sldSz cx="12192000" cy="6858000"/>
   <p:notesSz cx="6858000" cy="9144000"/>
@@ -1088,6 +1089,13 @@
         </dgm:presLayoutVars>
       </dgm:prSet>
       <dgm:spPr/>
+      <dgm:t>
+        <a:bodyPr/>
+        <a:lstStyle/>
+        <a:p>
+          <a:endParaRPr lang="zh-CN" altLang="en-US"/>
+        </a:p>
+      </dgm:t>
     </dgm:pt>
     <dgm:pt modelId="{EF7CD30B-DC18-47E8-951E-70FA164CC046}" type="pres">
       <dgm:prSet presAssocID="{87C4270C-A1E3-466A-B320-23E871EC9508}" presName="Name1" presStyleCnt="0"/>
@@ -1104,6 +1112,13 @@
     <dgm:pt modelId="{D9F52F1F-7C9D-4E7E-8FCE-54B431727AC2}" type="pres">
       <dgm:prSet presAssocID="{87C4270C-A1E3-466A-B320-23E871EC9508}" presName="conn" presStyleLbl="parChTrans1D2" presStyleIdx="0" presStyleCnt="1"/>
       <dgm:spPr/>
+      <dgm:t>
+        <a:bodyPr/>
+        <a:lstStyle/>
+        <a:p>
+          <a:endParaRPr lang="zh-CN" altLang="en-US"/>
+        </a:p>
+      </dgm:t>
     </dgm:pt>
     <dgm:pt modelId="{453A8205-847A-479C-911F-CD15BB912B72}" type="pres">
       <dgm:prSet presAssocID="{87C4270C-A1E3-466A-B320-23E871EC9508}" presName="extraNode" presStyleLbl="node1" presStyleIdx="0" presStyleCnt="4"/>
@@ -1143,6 +1158,13 @@
         </dgm:presLayoutVars>
       </dgm:prSet>
       <dgm:spPr/>
+      <dgm:t>
+        <a:bodyPr/>
+        <a:lstStyle/>
+        <a:p>
+          <a:endParaRPr lang="zh-CN" altLang="en-US"/>
+        </a:p>
+      </dgm:t>
     </dgm:pt>
     <dgm:pt modelId="{5260F53C-FD37-406F-AC7D-38744300EEB8}" type="pres">
       <dgm:prSet presAssocID="{EBCD8D9B-C11A-44C7-B70F-8D9EDAF34D7A}" presName="accent_2" presStyleCnt="0"/>
@@ -1182,6 +1204,13 @@
         </dgm:presLayoutVars>
       </dgm:prSet>
       <dgm:spPr/>
+      <dgm:t>
+        <a:bodyPr/>
+        <a:lstStyle/>
+        <a:p>
+          <a:endParaRPr lang="zh-CN" altLang="en-US"/>
+        </a:p>
+      </dgm:t>
     </dgm:pt>
     <dgm:pt modelId="{673B4669-B443-40AB-A217-F0186129D7C1}" type="pres">
       <dgm:prSet presAssocID="{B8F4B8A8-D381-4142-B21E-2A1F285CC404}" presName="accent_4" presStyleCnt="0"/>
@@ -5332,7 +5361,7 @@
           <a:p>
             <a:fld id="{AA939DFE-D595-40AF-886F-1BF791D9B48B}" type="slidenum">
               <a:rPr lang="zh-CN" altLang="en-US" smtClean="0"/>
-              <a:t>24</a:t>
+              <a:t>25</a:t>
             </a:fld>
             <a:endParaRPr lang="zh-CN" altLang="en-US"/>
           </a:p>
@@ -11250,11 +11279,7 @@
           <a:p>
             <a:r>
               <a:rPr lang="zh-CN" altLang="en-US" dirty="0" smtClean="0"/>
-              <a:t>均匀量化</a:t>
-            </a:r>
-            <a:r>
-              <a:rPr lang="zh-CN" altLang="en-US" dirty="0" smtClean="0"/>
-              <a:t>器</a:t>
+              <a:t>均匀量化器</a:t>
             </a:r>
             <a:r>
               <a:rPr lang="en-US" altLang="zh-CN" dirty="0" smtClean="0"/>
@@ -11748,8 +11773,8 @@
           </a:p>
         </p:txBody>
       </p:sp>
-      <mc:AlternateContent xmlns:mc="http://schemas.openxmlformats.org/markup-compatibility/2006">
-        <mc:Choice xmlns:a14="http://schemas.microsoft.com/office/drawing/2010/main" Requires="a14">
+      <mc:AlternateContent xmlns:mc="http://schemas.openxmlformats.org/markup-compatibility/2006" xmlns:a14="http://schemas.microsoft.com/office/drawing/2010/main">
+        <mc:Choice Requires="a14">
           <p:sp>
             <p:nvSpPr>
               <p:cNvPr id="3" name="内容占位符 2"/>
@@ -11995,7 +12020,7 @@
             </p:txBody>
           </p:sp>
         </mc:Choice>
-        <mc:Fallback>
+        <mc:Fallback xmlns="">
           <p:sp>
             <p:nvSpPr>
               <p:cNvPr id="3" name="内容占位符 2"/>
@@ -12033,8 +12058,8 @@
           </p:sp>
         </mc:Fallback>
       </mc:AlternateContent>
-      <mc:AlternateContent xmlns:mc="http://schemas.openxmlformats.org/markup-compatibility/2006">
-        <mc:Choice xmlns:a14="http://schemas.microsoft.com/office/drawing/2010/main" Requires="a14">
+      <mc:AlternateContent xmlns:mc="http://schemas.openxmlformats.org/markup-compatibility/2006" xmlns:a14="http://schemas.microsoft.com/office/drawing/2010/main">
+        <mc:Choice Requires="a14">
           <p:sp>
             <p:nvSpPr>
               <p:cNvPr id="4" name="文本框 3"/>
@@ -12057,6 +12082,7 @@
               </a:bodyPr>
               <a:lstStyle/>
               <a:p>
+                <a:pPr/>
                 <a14:m>
                   <m:oMathPara xmlns:m="http://schemas.openxmlformats.org/officeDocument/2006/math">
                     <m:oMathParaPr>
@@ -12201,7 +12227,7 @@
             </p:txBody>
           </p:sp>
         </mc:Choice>
-        <mc:Fallback>
+        <mc:Fallback xmlns="">
           <p:sp>
             <p:nvSpPr>
               <p:cNvPr id="4" name="文本框 3"/>
@@ -12240,8 +12266,8 @@
           </p:sp>
         </mc:Fallback>
       </mc:AlternateContent>
-      <mc:AlternateContent xmlns:mc="http://schemas.openxmlformats.org/markup-compatibility/2006">
-        <mc:Choice xmlns:a14="http://schemas.microsoft.com/office/drawing/2010/main" Requires="a14">
+      <mc:AlternateContent xmlns:mc="http://schemas.openxmlformats.org/markup-compatibility/2006" xmlns:a14="http://schemas.microsoft.com/office/drawing/2010/main">
+        <mc:Choice Requires="a14">
           <p:sp>
             <p:nvSpPr>
               <p:cNvPr id="6" name="文本框 5"/>
@@ -12264,6 +12290,7 @@
               </a:bodyPr>
               <a:lstStyle/>
               <a:p>
+                <a:pPr/>
                 <a14:m>
                   <m:oMathPara xmlns:m="http://schemas.openxmlformats.org/officeDocument/2006/math">
                     <m:oMathParaPr>
@@ -12515,7 +12542,7 @@
             </p:txBody>
           </p:sp>
         </mc:Choice>
-        <mc:Fallback>
+        <mc:Fallback xmlns="">
           <p:sp>
             <p:nvSpPr>
               <p:cNvPr id="6" name="文本框 5"/>
@@ -14528,7 +14555,7 @@
       </p:grpSpPr>
       <p:sp>
         <p:nvSpPr>
-          <p:cNvPr id="8" name="标题 7"/>
+          <p:cNvPr id="2" name="标题 1"/>
           <p:cNvSpPr>
             <a:spLocks noGrp="1"/>
           </p:cNvSpPr>
@@ -14536,58 +14563,698 @@
             <p:ph type="title"/>
           </p:nvPr>
         </p:nvSpPr>
-        <p:spPr>
-          <a:xfrm>
-            <a:off x="677335" y="2030307"/>
-            <a:ext cx="8596668" cy="1826581"/>
-          </a:xfrm>
-        </p:spPr>
-        <p:txBody>
-          <a:bodyPr>
-            <a:normAutofit/>
-          </a:bodyPr>
-          <a:lstStyle/>
-          <a:p>
-            <a:pPr algn="ctr"/>
-            <a:r>
-              <a:rPr lang="zh-CN" altLang="en-US" sz="6600" dirty="0"/>
-              <a:t>二</a:t>
-            </a:r>
-            <a:r>
-              <a:rPr lang="zh-CN" altLang="en-US" sz="6600" dirty="0" smtClean="0"/>
-              <a:t>、熵编码</a:t>
-            </a:r>
-            <a:endParaRPr lang="zh-CN" altLang="en-US" sz="6600" dirty="0"/>
-          </a:p>
-        </p:txBody>
-      </p:sp>
-      <p:sp>
-        <p:nvSpPr>
-          <p:cNvPr id="9" name="文本占位符 8"/>
-          <p:cNvSpPr>
-            <a:spLocks noGrp="1"/>
-          </p:cNvSpPr>
-          <p:nvPr>
-            <p:ph type="body" idx="1"/>
-          </p:nvPr>
-        </p:nvSpPr>
-        <p:spPr>
-          <a:xfrm>
-            <a:off x="677335" y="4307992"/>
-            <a:ext cx="8596668" cy="860400"/>
-          </a:xfrm>
-        </p:spPr>
+        <p:spPr/>
         <p:txBody>
           <a:bodyPr/>
           <a:lstStyle/>
           <a:p>
+            <a:r>
+              <a:rPr lang="zh-CN" altLang="en-US" dirty="0" smtClean="0"/>
+              <a:t>基于</a:t>
+            </a:r>
+            <a:r>
+              <a:rPr lang="en-US" altLang="zh-CN" dirty="0" smtClean="0"/>
+              <a:t>K-means</a:t>
+            </a:r>
+            <a:r>
+              <a:rPr lang="zh-CN" altLang="en-US" dirty="0" smtClean="0"/>
+              <a:t>思想设计量化器</a:t>
+            </a:r>
             <a:endParaRPr lang="zh-CN" altLang="en-US" dirty="0"/>
           </a:p>
         </p:txBody>
       </p:sp>
-      <p:sp>
-        <p:nvSpPr>
-          <p:cNvPr id="2" name="灯片编号占位符 1"/>
+      <mc:AlternateContent xmlns:mc="http://schemas.openxmlformats.org/markup-compatibility/2006">
+        <mc:Choice xmlns:a14="http://schemas.microsoft.com/office/drawing/2010/main" Requires="a14">
+          <p:sp>
+            <p:nvSpPr>
+              <p:cNvPr id="3" name="内容占位符 2"/>
+              <p:cNvSpPr>
+                <a:spLocks noGrp="1"/>
+              </p:cNvSpPr>
+              <p:nvPr>
+                <p:ph idx="1"/>
+              </p:nvPr>
+            </p:nvSpPr>
+            <p:spPr/>
+            <p:txBody>
+              <a:bodyPr/>
+              <a:lstStyle/>
+              <a:p>
+                <a:r>
+                  <a:rPr lang="zh-CN" altLang="en-US" dirty="0" smtClean="0"/>
+                  <a:t>除了以上三种量化器外，我们还考虑了一种基于</a:t>
+                </a:r>
+                <a:r>
+                  <a:rPr lang="en-US" altLang="zh-CN" dirty="0" smtClean="0"/>
+                  <a:t>k-means</a:t>
+                </a:r>
+                <a:r>
+                  <a:rPr lang="zh-CN" altLang="en-US" dirty="0" smtClean="0"/>
+                  <a:t>聚类算法的量化器。</a:t>
+                </a:r>
+                <a:endParaRPr lang="en-US" altLang="zh-CN" dirty="0" smtClean="0"/>
+              </a:p>
+              <a:p>
+                <a:r>
+                  <a:rPr lang="zh-CN" altLang="en-US" dirty="0" smtClean="0"/>
+                  <a:t>给定区间数目</a:t>
+                </a:r>
+                <a:r>
+                  <a:rPr lang="en-US" altLang="zh-CN" dirty="0" smtClean="0"/>
+                  <a:t>L</a:t>
+                </a:r>
+                <a:r>
+                  <a:rPr lang="zh-CN" altLang="en-US" dirty="0" smtClean="0"/>
+                  <a:t>，然后通过算法得到</a:t>
+                </a:r>
+                <a:r>
+                  <a:rPr lang="en-US" altLang="zh-CN" dirty="0" smtClean="0"/>
+                  <a:t>L</a:t>
+                </a:r>
+                <a:r>
+                  <a:rPr lang="zh-CN" altLang="en-US" dirty="0" smtClean="0"/>
+                  <a:t>个中心，然后把每个像素值量化到与它最近的中心的像素值。算法如下</a:t>
+                </a:r>
+                <a:r>
+                  <a:rPr lang="en-US" altLang="zh-CN" dirty="0" smtClean="0"/>
+                  <a:t>:</a:t>
+                </a:r>
+              </a:p>
+              <a:p>
+                <a:r>
+                  <a:rPr lang="en-US" altLang="zh-CN" dirty="0" smtClean="0"/>
+                  <a:t>1.</a:t>
+                </a:r>
+                <a:r>
+                  <a:rPr lang="zh-CN" altLang="en-US" dirty="0" smtClean="0"/>
+                  <a:t>初始化集合</a:t>
+                </a:r>
+                <a:r>
+                  <a:rPr lang="en-US" altLang="zh-CN" dirty="0" smtClean="0"/>
+                  <a:t>C={</a:t>
+                </a:r>
+                <a14:m>
+                  <m:oMath xmlns:m="http://schemas.openxmlformats.org/officeDocument/2006/math">
+                    <m:sSub>
+                      <m:sSubPr>
+                        <m:ctrlPr>
+                          <a:rPr lang="en-US" altLang="zh-CN" i="1">
+                            <a:latin typeface="Cambria Math" panose="02040503050406030204" pitchFamily="18" charset="0"/>
+                          </a:rPr>
+                        </m:ctrlPr>
+                      </m:sSubPr>
+                      <m:e>
+                        <m:r>
+                          <a:rPr lang="en-US" altLang="zh-CN" b="0" i="1" smtClean="0">
+                            <a:latin typeface="Cambria Math" panose="02040503050406030204" pitchFamily="18" charset="0"/>
+                          </a:rPr>
+                          <m:t>𝐶</m:t>
+                        </m:r>
+                      </m:e>
+                      <m:sub>
+                        <m:r>
+                          <a:rPr lang="en-US" altLang="zh-CN" i="1">
+                            <a:latin typeface="Cambria Math" panose="02040503050406030204" pitchFamily="18" charset="0"/>
+                          </a:rPr>
+                          <m:t>𝑖</m:t>
+                        </m:r>
+                      </m:sub>
+                    </m:sSub>
+                  </m:oMath>
+                </a14:m>
+                <a:r>
+                  <a:rPr lang="en-US" altLang="zh-CN" dirty="0" smtClean="0"/>
+                  <a:t>}</a:t>
+                </a:r>
+              </a:p>
+              <a:p>
+                <a:r>
+                  <a:rPr lang="en-US" altLang="zh-CN" dirty="0" smtClean="0"/>
+                  <a:t>2.</a:t>
+                </a:r>
+                <a:r>
+                  <a:rPr lang="zh-CN" altLang="en-US" dirty="0" smtClean="0"/>
+                  <a:t>将所有像素点</a:t>
+                </a:r>
+                <a:r>
+                  <a:rPr lang="en-US" altLang="zh-CN" dirty="0" smtClean="0"/>
+                  <a:t>x</a:t>
+                </a:r>
+                <a:r>
+                  <a:rPr lang="zh-CN" altLang="en-US" dirty="0" smtClean="0"/>
+                  <a:t>中满足</a:t>
+                </a:r>
+                <a14:m>
+                  <m:oMath xmlns:m="http://schemas.openxmlformats.org/officeDocument/2006/math">
+                    <m:sSub>
+                      <m:sSubPr>
+                        <m:ctrlPr>
+                          <a:rPr lang="en-US" altLang="zh-CN" i="1" smtClean="0">
+                            <a:latin typeface="Cambria Math" panose="02040503050406030204" pitchFamily="18" charset="0"/>
+                          </a:rPr>
+                        </m:ctrlPr>
+                      </m:sSubPr>
+                      <m:e>
+                        <m:r>
+                          <a:rPr lang="en-US" altLang="zh-CN" b="0" i="1" smtClean="0">
+                            <a:latin typeface="Cambria Math" panose="02040503050406030204" pitchFamily="18" charset="0"/>
+                          </a:rPr>
+                          <m:t>𝑅</m:t>
+                        </m:r>
+                      </m:e>
+                      <m:sub>
+                        <m:r>
+                          <a:rPr lang="en-US" altLang="zh-CN" b="0" i="1" smtClean="0">
+                            <a:latin typeface="Cambria Math" panose="02040503050406030204" pitchFamily="18" charset="0"/>
+                          </a:rPr>
+                          <m:t>𝑖</m:t>
+                        </m:r>
+                      </m:sub>
+                    </m:sSub>
+                    <m:r>
+                      <a:rPr lang="en-US" altLang="zh-CN" b="0" i="0" smtClean="0">
+                        <a:latin typeface="Cambria Math" panose="02040503050406030204" pitchFamily="18" charset="0"/>
+                      </a:rPr>
+                      <m:t>=</m:t>
+                    </m:r>
+                    <m:d>
+                      <m:dPr>
+                        <m:begChr m:val="{"/>
+                        <m:endChr m:val="}"/>
+                        <m:ctrlPr>
+                          <a:rPr lang="en-US" altLang="zh-CN" b="0" i="0" smtClean="0">
+                            <a:latin typeface="Cambria Math" panose="02040503050406030204" pitchFamily="18" charset="0"/>
+                          </a:rPr>
+                        </m:ctrlPr>
+                      </m:dPr>
+                      <m:e>
+                        <m:r>
+                          <m:rPr>
+                            <m:sty m:val="p"/>
+                          </m:rPr>
+                          <a:rPr lang="en-US" altLang="zh-CN" b="0" i="0" smtClean="0">
+                            <a:latin typeface="Cambria Math" panose="02040503050406030204" pitchFamily="18" charset="0"/>
+                          </a:rPr>
+                          <m:t>x</m:t>
+                        </m:r>
+                        <m:r>
+                          <a:rPr lang="en-US" altLang="zh-CN" b="0" i="0" smtClean="0">
+                            <a:latin typeface="Cambria Math" panose="02040503050406030204" pitchFamily="18" charset="0"/>
+                          </a:rPr>
+                          <m:t>:</m:t>
+                        </m:r>
+                        <m:r>
+                          <m:rPr>
+                            <m:sty m:val="p"/>
+                          </m:rPr>
+                          <a:rPr lang="en-US" altLang="zh-CN" b="0" i="0" smtClean="0">
+                            <a:latin typeface="Cambria Math" panose="02040503050406030204" pitchFamily="18" charset="0"/>
+                          </a:rPr>
+                          <m:t>d</m:t>
+                        </m:r>
+                        <m:d>
+                          <m:dPr>
+                            <m:ctrlPr>
+                              <a:rPr lang="en-US" altLang="zh-CN" b="0" i="0" smtClean="0">
+                                <a:latin typeface="Cambria Math" panose="02040503050406030204" pitchFamily="18" charset="0"/>
+                              </a:rPr>
+                            </m:ctrlPr>
+                          </m:dPr>
+                          <m:e>
+                            <m:r>
+                              <m:rPr>
+                                <m:sty m:val="p"/>
+                              </m:rPr>
+                              <a:rPr lang="en-US" altLang="zh-CN" b="0" i="0" smtClean="0">
+                                <a:latin typeface="Cambria Math" panose="02040503050406030204" pitchFamily="18" charset="0"/>
+                              </a:rPr>
+                              <m:t>x</m:t>
+                            </m:r>
+                            <m:r>
+                              <a:rPr lang="en-US" altLang="zh-CN" b="0" i="0" smtClean="0">
+                                <a:latin typeface="Cambria Math" panose="02040503050406030204" pitchFamily="18" charset="0"/>
+                              </a:rPr>
+                              <m:t>,</m:t>
+                            </m:r>
+                            <m:sSub>
+                              <m:sSubPr>
+                                <m:ctrlPr>
+                                  <a:rPr lang="en-US" altLang="zh-CN" b="0" i="1" smtClean="0">
+                                    <a:latin typeface="Cambria Math" panose="02040503050406030204" pitchFamily="18" charset="0"/>
+                                  </a:rPr>
+                                </m:ctrlPr>
+                              </m:sSubPr>
+                              <m:e>
+                                <m:r>
+                                  <a:rPr lang="en-US" altLang="zh-CN" b="0" i="1" smtClean="0">
+                                    <a:latin typeface="Cambria Math" panose="02040503050406030204" pitchFamily="18" charset="0"/>
+                                  </a:rPr>
+                                  <m:t>𝑐</m:t>
+                                </m:r>
+                              </m:e>
+                              <m:sub>
+                                <m:r>
+                                  <a:rPr lang="en-US" altLang="zh-CN" b="0" i="1" smtClean="0">
+                                    <a:latin typeface="Cambria Math" panose="02040503050406030204" pitchFamily="18" charset="0"/>
+                                  </a:rPr>
+                                  <m:t>𝑖</m:t>
+                                </m:r>
+                              </m:sub>
+                            </m:sSub>
+                          </m:e>
+                        </m:d>
+                        <m:r>
+                          <a:rPr lang="en-US" altLang="zh-CN" b="0" i="0" smtClean="0">
+                            <a:latin typeface="Cambria Math" panose="02040503050406030204" pitchFamily="18" charset="0"/>
+                          </a:rPr>
+                          <m:t>≤</m:t>
+                        </m:r>
+                        <m:r>
+                          <m:rPr>
+                            <m:sty m:val="p"/>
+                          </m:rPr>
+                          <a:rPr lang="en-US" altLang="zh-CN" b="0" i="0" smtClean="0">
+                            <a:latin typeface="Cambria Math" panose="02040503050406030204" pitchFamily="18" charset="0"/>
+                          </a:rPr>
+                          <m:t>d</m:t>
+                        </m:r>
+                        <m:d>
+                          <m:dPr>
+                            <m:ctrlPr>
+                              <a:rPr lang="en-US" altLang="zh-CN" b="0" i="0" smtClean="0">
+                                <a:latin typeface="Cambria Math" panose="02040503050406030204" pitchFamily="18" charset="0"/>
+                              </a:rPr>
+                            </m:ctrlPr>
+                          </m:dPr>
+                          <m:e>
+                            <m:r>
+                              <m:rPr>
+                                <m:sty m:val="p"/>
+                              </m:rPr>
+                              <a:rPr lang="en-US" altLang="zh-CN" b="0" i="0" smtClean="0">
+                                <a:latin typeface="Cambria Math" panose="02040503050406030204" pitchFamily="18" charset="0"/>
+                              </a:rPr>
+                              <m:t>x</m:t>
+                            </m:r>
+                            <m:r>
+                              <a:rPr lang="en-US" altLang="zh-CN" b="0" i="0" smtClean="0">
+                                <a:latin typeface="Cambria Math" panose="02040503050406030204" pitchFamily="18" charset="0"/>
+                              </a:rPr>
+                              <m:t>,</m:t>
+                            </m:r>
+                            <m:sSub>
+                              <m:sSubPr>
+                                <m:ctrlPr>
+                                  <a:rPr lang="en-US" altLang="zh-CN" i="1">
+                                    <a:latin typeface="Cambria Math" panose="02040503050406030204" pitchFamily="18" charset="0"/>
+                                  </a:rPr>
+                                </m:ctrlPr>
+                              </m:sSubPr>
+                              <m:e>
+                                <m:r>
+                                  <a:rPr lang="en-US" altLang="zh-CN" i="1">
+                                    <a:latin typeface="Cambria Math" panose="02040503050406030204" pitchFamily="18" charset="0"/>
+                                  </a:rPr>
+                                  <m:t>𝑐</m:t>
+                                </m:r>
+                              </m:e>
+                              <m:sub>
+                                <m:r>
+                                  <a:rPr lang="en-US" altLang="zh-CN" b="0" i="1" smtClean="0">
+                                    <a:latin typeface="Cambria Math" panose="02040503050406030204" pitchFamily="18" charset="0"/>
+                                  </a:rPr>
+                                  <m:t>𝑗</m:t>
+                                </m:r>
+                              </m:sub>
+                            </m:sSub>
+                          </m:e>
+                        </m:d>
+                        <m:r>
+                          <a:rPr lang="en-US" altLang="zh-CN" b="0" i="0" smtClean="0">
+                            <a:latin typeface="Cambria Math" panose="02040503050406030204" pitchFamily="18" charset="0"/>
+                          </a:rPr>
+                          <m:t>;</m:t>
+                        </m:r>
+                        <m:r>
+                          <m:rPr>
+                            <m:sty m:val="p"/>
+                          </m:rPr>
+                          <a:rPr lang="en-US" altLang="zh-CN" b="0" i="0" smtClean="0">
+                            <a:latin typeface="Cambria Math" panose="02040503050406030204" pitchFamily="18" charset="0"/>
+                          </a:rPr>
+                          <m:t>for</m:t>
+                        </m:r>
+                        <m:r>
+                          <a:rPr lang="en-US" altLang="zh-CN" b="0" i="0" smtClean="0">
+                            <a:latin typeface="Cambria Math" panose="02040503050406030204" pitchFamily="18" charset="0"/>
+                          </a:rPr>
+                          <m:t> </m:t>
+                        </m:r>
+                        <m:r>
+                          <m:rPr>
+                            <m:sty m:val="p"/>
+                          </m:rPr>
+                          <a:rPr lang="en-US" altLang="zh-CN" b="0" i="0" smtClean="0">
+                            <a:latin typeface="Cambria Math" panose="02040503050406030204" pitchFamily="18" charset="0"/>
+                          </a:rPr>
+                          <m:t>all</m:t>
+                        </m:r>
+                        <m:r>
+                          <a:rPr lang="en-US" altLang="zh-CN" b="0" i="0" smtClean="0">
+                            <a:latin typeface="Cambria Math" panose="02040503050406030204" pitchFamily="18" charset="0"/>
+                          </a:rPr>
+                          <m:t> </m:t>
+                        </m:r>
+                        <m:r>
+                          <m:rPr>
+                            <m:sty m:val="p"/>
+                          </m:rPr>
+                          <a:rPr lang="en-US" altLang="zh-CN" b="0" i="0" smtClean="0">
+                            <a:latin typeface="Cambria Math" panose="02040503050406030204" pitchFamily="18" charset="0"/>
+                          </a:rPr>
+                          <m:t>j</m:t>
+                        </m:r>
+                      </m:e>
+                    </m:d>
+                  </m:oMath>
+                </a14:m>
+                <a:r>
+                  <a:rPr lang="zh-CN" altLang="en-US" dirty="0"/>
+                  <a:t>归为第</a:t>
+                </a:r>
+                <a14:m>
+                  <m:oMath xmlns:m="http://schemas.openxmlformats.org/officeDocument/2006/math">
+                    <m:sSub>
+                      <m:sSubPr>
+                        <m:ctrlPr>
+                          <a:rPr lang="en-US" altLang="zh-CN" i="1">
+                            <a:latin typeface="Cambria Math" panose="02040503050406030204" pitchFamily="18" charset="0"/>
+                          </a:rPr>
+                        </m:ctrlPr>
+                      </m:sSubPr>
+                      <m:e>
+                        <m:r>
+                          <a:rPr lang="en-US" altLang="zh-CN" i="1">
+                            <a:latin typeface="Cambria Math" panose="02040503050406030204" pitchFamily="18" charset="0"/>
+                          </a:rPr>
+                          <m:t>𝑅</m:t>
+                        </m:r>
+                      </m:e>
+                      <m:sub>
+                        <m:r>
+                          <a:rPr lang="en-US" altLang="zh-CN" i="1">
+                            <a:latin typeface="Cambria Math" panose="02040503050406030204" pitchFamily="18" charset="0"/>
+                          </a:rPr>
+                          <m:t>𝑖</m:t>
+                        </m:r>
+                      </m:sub>
+                    </m:sSub>
+                  </m:oMath>
+                </a14:m>
+                <a:r>
+                  <a:rPr lang="zh-CN" altLang="en-US" dirty="0" smtClean="0"/>
+                  <a:t>类。然后以所有类的中心作为新的</a:t>
+                </a:r>
+                <a:r>
+                  <a:rPr lang="en-US" altLang="zh-CN" dirty="0" smtClean="0"/>
+                  <a:t>C’={</a:t>
+                </a:r>
+                <a14:m>
+                  <m:oMath xmlns:m="http://schemas.openxmlformats.org/officeDocument/2006/math">
+                    <m:sSub>
+                      <m:sSubPr>
+                        <m:ctrlPr>
+                          <a:rPr lang="en-US" altLang="zh-CN" i="1">
+                            <a:latin typeface="Cambria Math" panose="02040503050406030204" pitchFamily="18" charset="0"/>
+                          </a:rPr>
+                        </m:ctrlPr>
+                      </m:sSubPr>
+                      <m:e>
+                        <m:r>
+                          <a:rPr lang="en-US" altLang="zh-CN" i="1">
+                            <a:latin typeface="Cambria Math" panose="02040503050406030204" pitchFamily="18" charset="0"/>
+                          </a:rPr>
+                          <m:t>𝑐</m:t>
+                        </m:r>
+                      </m:e>
+                      <m:sub>
+                        <m:r>
+                          <a:rPr lang="en-US" altLang="zh-CN" i="1">
+                            <a:latin typeface="Cambria Math" panose="02040503050406030204" pitchFamily="18" charset="0"/>
+                          </a:rPr>
+                          <m:t>𝑖</m:t>
+                        </m:r>
+                      </m:sub>
+                    </m:sSub>
+                    <m:r>
+                      <a:rPr lang="en-US" altLang="zh-CN" b="0" i="1" smtClean="0">
+                        <a:latin typeface="Cambria Math" panose="02040503050406030204" pitchFamily="18" charset="0"/>
+                      </a:rPr>
+                      <m:t>′}</m:t>
+                    </m:r>
+                  </m:oMath>
+                </a14:m>
+                <a:r>
+                  <a:rPr lang="zh-CN" altLang="en-US" dirty="0" smtClean="0"/>
+                  <a:t>，满足</a:t>
+                </a:r>
+                <a14:m>
+                  <m:oMath xmlns:m="http://schemas.openxmlformats.org/officeDocument/2006/math">
+                    <m:sSubSup>
+                      <m:sSubSupPr>
+                        <m:ctrlPr>
+                          <a:rPr lang="en-US" altLang="zh-CN" i="1">
+                            <a:latin typeface="Cambria Math" panose="02040503050406030204" pitchFamily="18" charset="0"/>
+                          </a:rPr>
+                        </m:ctrlPr>
+                      </m:sSubSupPr>
+                      <m:e>
+                        <m:r>
+                          <a:rPr lang="en-US" altLang="zh-CN" i="1">
+                            <a:latin typeface="Cambria Math" panose="02040503050406030204" pitchFamily="18" charset="0"/>
+                          </a:rPr>
+                          <m:t>𝑐</m:t>
+                        </m:r>
+                      </m:e>
+                      <m:sub>
+                        <m:r>
+                          <a:rPr lang="en-US" altLang="zh-CN" i="1">
+                            <a:latin typeface="Cambria Math" panose="02040503050406030204" pitchFamily="18" charset="0"/>
+                          </a:rPr>
+                          <m:t>𝑖</m:t>
+                        </m:r>
+                      </m:sub>
+                      <m:sup>
+                        <m:r>
+                          <a:rPr lang="en-US" altLang="zh-CN" i="1">
+                            <a:latin typeface="Cambria Math" panose="02040503050406030204" pitchFamily="18" charset="0"/>
+                          </a:rPr>
+                          <m:t>′</m:t>
+                        </m:r>
+                      </m:sup>
+                    </m:sSubSup>
+                    <m:r>
+                      <a:rPr lang="en-US" altLang="zh-CN" b="0" i="1" smtClean="0">
+                        <a:latin typeface="Cambria Math" panose="02040503050406030204" pitchFamily="18" charset="0"/>
+                      </a:rPr>
+                      <m:t>=</m:t>
+                    </m:r>
+                    <m:f>
+                      <m:fPr>
+                        <m:ctrlPr>
+                          <a:rPr lang="en-US" altLang="zh-CN" b="0" i="1" smtClean="0">
+                            <a:latin typeface="Cambria Math" panose="02040503050406030204" pitchFamily="18" charset="0"/>
+                          </a:rPr>
+                        </m:ctrlPr>
+                      </m:fPr>
+                      <m:num>
+                        <m:r>
+                          <a:rPr lang="en-US" altLang="zh-CN" b="0" i="1" smtClean="0">
+                            <a:latin typeface="Cambria Math" panose="02040503050406030204" pitchFamily="18" charset="0"/>
+                          </a:rPr>
+                          <m:t>1</m:t>
+                        </m:r>
+                      </m:num>
+                      <m:den>
+                        <m:d>
+                          <m:dPr>
+                            <m:begChr m:val="|"/>
+                            <m:endChr m:val="|"/>
+                            <m:ctrlPr>
+                              <a:rPr lang="en-US" altLang="zh-CN" b="0" i="1" smtClean="0">
+                                <a:latin typeface="Cambria Math" panose="02040503050406030204" pitchFamily="18" charset="0"/>
+                              </a:rPr>
+                            </m:ctrlPr>
+                          </m:dPr>
+                          <m:e>
+                            <m:r>
+                              <a:rPr lang="en-US" altLang="zh-CN" b="0" i="1" smtClean="0">
+                                <a:latin typeface="Cambria Math" panose="02040503050406030204" pitchFamily="18" charset="0"/>
+                              </a:rPr>
+                              <m:t>𝑅𝑖</m:t>
+                            </m:r>
+                          </m:e>
+                        </m:d>
+                      </m:den>
+                    </m:f>
+                    <m:r>
+                      <a:rPr lang="zh-CN" altLang="en-US" i="1">
+                        <a:latin typeface="Cambria Math" panose="02040503050406030204" pitchFamily="18" charset="0"/>
+                      </a:rPr>
+                      <m:t>∑</m:t>
+                    </m:r>
+                  </m:oMath>
+                </a14:m>
+                <a:r>
+                  <a:rPr lang="en-US" altLang="zh-CN" dirty="0" smtClean="0"/>
+                  <a:t>x</a:t>
+                </a:r>
+                <a:r>
+                  <a:rPr lang="zh-CN" altLang="en-US" dirty="0" smtClean="0"/>
+                  <a:t>，其中</a:t>
+                </a:r>
+                <a14:m>
+                  <m:oMath xmlns:m="http://schemas.openxmlformats.org/officeDocument/2006/math">
+                    <m:d>
+                      <m:dPr>
+                        <m:begChr m:val="|"/>
+                        <m:endChr m:val="|"/>
+                        <m:ctrlPr>
+                          <a:rPr lang="en-US" altLang="zh-CN" i="1">
+                            <a:latin typeface="Cambria Math" panose="02040503050406030204" pitchFamily="18" charset="0"/>
+                          </a:rPr>
+                        </m:ctrlPr>
+                      </m:dPr>
+                      <m:e>
+                        <m:r>
+                          <a:rPr lang="en-US" altLang="zh-CN" i="1">
+                            <a:latin typeface="Cambria Math" panose="02040503050406030204" pitchFamily="18" charset="0"/>
+                          </a:rPr>
+                          <m:t>𝑅𝑖</m:t>
+                        </m:r>
+                      </m:e>
+                    </m:d>
+                    <m:r>
+                      <a:rPr lang="zh-CN" altLang="en-US" i="1" smtClean="0">
+                        <a:latin typeface="Cambria Math" panose="02040503050406030204" pitchFamily="18" charset="0"/>
+                      </a:rPr>
+                      <m:t>是</m:t>
+                    </m:r>
+                  </m:oMath>
+                </a14:m>
+                <a:r>
+                  <a:rPr lang="zh-CN" altLang="en-US" dirty="0" smtClean="0"/>
+                  <a:t>第</a:t>
+                </a:r>
+                <a14:m>
+                  <m:oMath xmlns:m="http://schemas.openxmlformats.org/officeDocument/2006/math">
+                    <m:sSub>
+                      <m:sSubPr>
+                        <m:ctrlPr>
+                          <a:rPr lang="en-US" altLang="zh-CN" i="1">
+                            <a:latin typeface="Cambria Math" panose="02040503050406030204" pitchFamily="18" charset="0"/>
+                          </a:rPr>
+                        </m:ctrlPr>
+                      </m:sSubPr>
+                      <m:e>
+                        <m:r>
+                          <a:rPr lang="en-US" altLang="zh-CN" i="1">
+                            <a:latin typeface="Cambria Math" panose="02040503050406030204" pitchFamily="18" charset="0"/>
+                          </a:rPr>
+                          <m:t>𝑅</m:t>
+                        </m:r>
+                      </m:e>
+                      <m:sub>
+                        <m:r>
+                          <a:rPr lang="en-US" altLang="zh-CN" i="1">
+                            <a:latin typeface="Cambria Math" panose="02040503050406030204" pitchFamily="18" charset="0"/>
+                          </a:rPr>
+                          <m:t>𝑖</m:t>
+                        </m:r>
+                      </m:sub>
+                    </m:sSub>
+                  </m:oMath>
+                </a14:m>
+                <a:r>
+                  <a:rPr lang="zh-CN" altLang="en-US" dirty="0" smtClean="0"/>
+                  <a:t>类的数目。</a:t>
+                </a:r>
+                <a:endParaRPr lang="en-US" altLang="zh-CN" dirty="0" smtClean="0"/>
+              </a:p>
+              <a:p>
+                <a:r>
+                  <a:rPr lang="en-US" altLang="zh-CN" dirty="0" smtClean="0"/>
+                  <a:t>3.</a:t>
+                </a:r>
+                <a:r>
+                  <a:rPr lang="zh-CN" altLang="en-US" dirty="0" smtClean="0"/>
+                  <a:t>对新中心取整数。比较迭代前后集合是否有更新，若无更新，则说明收敛，结束迭代。</a:t>
+                </a:r>
+                <a:endParaRPr lang="en-US" altLang="zh-CN" dirty="0" smtClean="0"/>
+              </a:p>
+              <a:p>
+                <a:endParaRPr lang="en-US" altLang="zh-CN" dirty="0" smtClean="0"/>
+              </a:p>
+              <a:p>
+                <a:r>
+                  <a:rPr lang="zh-CN" altLang="en-US" dirty="0" smtClean="0"/>
+                  <a:t>当</a:t>
+                </a:r>
+                <a:r>
+                  <a:rPr lang="en-US" altLang="zh-CN" dirty="0" smtClean="0"/>
+                  <a:t>L=8</a:t>
+                </a:r>
+                <a:r>
+                  <a:rPr lang="zh-CN" altLang="en-US" dirty="0" smtClean="0"/>
+                  <a:t>时，我们得到一个可能的集合</a:t>
+                </a:r>
+                <a:r>
+                  <a:rPr lang="en-US" altLang="zh-CN" dirty="0"/>
+                  <a:t>:129    49   204     0   175    77   152   102</a:t>
+                </a:r>
+                <a:endParaRPr lang="en-US" altLang="zh-CN" dirty="0" smtClean="0"/>
+              </a:p>
+            </p:txBody>
+          </p:sp>
+        </mc:Choice>
+        <mc:Fallback>
+          <p:sp>
+            <p:nvSpPr>
+              <p:cNvPr id="3" name="内容占位符 2"/>
+              <p:cNvSpPr>
+                <a:spLocks noGrp="1" noRot="1" noChangeAspect="1" noMove="1" noResize="1" noEditPoints="1" noAdjustHandles="1" noChangeArrowheads="1" noChangeShapeType="1" noTextEdit="1"/>
+              </p:cNvSpPr>
+              <p:nvPr>
+                <p:ph idx="1"/>
+              </p:nvPr>
+            </p:nvSpPr>
+            <p:spPr>
+              <a:blipFill>
+                <a:blip r:embed="rId2"/>
+                <a:stretch>
+                  <a:fillRect l="-142" t="-1099" r="-142"/>
+                </a:stretch>
+              </a:blipFill>
+            </p:spPr>
+            <p:txBody>
+              <a:bodyPr/>
+              <a:lstStyle/>
+              <a:p>
+                <a:r>
+                  <a:rPr lang="zh-CN" altLang="en-US">
+                    <a:noFill/>
+                  </a:rPr>
+                  <a:t> </a:t>
+                </a:r>
+              </a:p>
+            </p:txBody>
+          </p:sp>
+        </mc:Fallback>
+      </mc:AlternateContent>
+      <p:sp>
+        <p:nvSpPr>
+          <p:cNvPr id="4" name="灯片编号占位符 3"/>
           <p:cNvSpPr>
             <a:spLocks noGrp="1"/>
           </p:cNvSpPr>
@@ -14611,20 +15278,13 @@
     </p:spTree>
     <p:extLst>
       <p:ext uri="{BB962C8B-B14F-4D97-AF65-F5344CB8AC3E}">
-        <p14:creationId xmlns:p14="http://schemas.microsoft.com/office/powerpoint/2010/main" val="1473342038"/>
+        <p14:creationId xmlns:p14="http://schemas.microsoft.com/office/powerpoint/2010/main" val="2238578824"/>
       </p:ext>
     </p:extLst>
   </p:cSld>
   <p:clrMapOvr>
     <a:masterClrMapping/>
   </p:clrMapOvr>
-  <p:timing>
-    <p:tnLst>
-      <p:par>
-        <p:cTn id="1" dur="indefinite" restart="never" nodeType="tmRoot"/>
-      </p:par>
-    </p:tnLst>
-  </p:timing>
 </p:sld>
 </file>
 
@@ -14647,7 +15307,7 @@
       </p:grpSpPr>
       <p:sp>
         <p:nvSpPr>
-          <p:cNvPr id="4" name="标题 3"/>
+          <p:cNvPr id="8" name="标题 7"/>
           <p:cNvSpPr>
             <a:spLocks noGrp="1"/>
           </p:cNvSpPr>
@@ -14655,37 +15315,58 @@
             <p:ph type="title"/>
           </p:nvPr>
         </p:nvSpPr>
-        <p:spPr/>
-        <p:txBody>
-          <a:bodyPr/>
+        <p:spPr>
+          <a:xfrm>
+            <a:off x="677335" y="2030307"/>
+            <a:ext cx="8596668" cy="1826581"/>
+          </a:xfrm>
+        </p:spPr>
+        <p:txBody>
+          <a:bodyPr>
+            <a:normAutofit/>
+          </a:bodyPr>
           <a:lstStyle/>
           <a:p>
-            <a:endParaRPr lang="zh-CN" altLang="en-US"/>
-          </a:p>
-        </p:txBody>
-      </p:sp>
-      <p:sp>
-        <p:nvSpPr>
-          <p:cNvPr id="5" name="内容占位符 4"/>
+            <a:pPr algn="ctr"/>
+            <a:r>
+              <a:rPr lang="zh-CN" altLang="en-US" sz="6600" dirty="0"/>
+              <a:t>二</a:t>
+            </a:r>
+            <a:r>
+              <a:rPr lang="zh-CN" altLang="en-US" sz="6600" dirty="0" smtClean="0"/>
+              <a:t>、熵编码</a:t>
+            </a:r>
+            <a:endParaRPr lang="zh-CN" altLang="en-US" sz="6600" dirty="0"/>
+          </a:p>
+        </p:txBody>
+      </p:sp>
+      <p:sp>
+        <p:nvSpPr>
+          <p:cNvPr id="9" name="文本占位符 8"/>
           <p:cNvSpPr>
             <a:spLocks noGrp="1"/>
           </p:cNvSpPr>
           <p:nvPr>
-            <p:ph idx="1"/>
-          </p:nvPr>
-        </p:nvSpPr>
-        <p:spPr/>
+            <p:ph type="body" idx="1"/>
+          </p:nvPr>
+        </p:nvSpPr>
+        <p:spPr>
+          <a:xfrm>
+            <a:off x="677335" y="4307992"/>
+            <a:ext cx="8596668" cy="860400"/>
+          </a:xfrm>
+        </p:spPr>
         <p:txBody>
           <a:bodyPr/>
           <a:lstStyle/>
           <a:p>
-            <a:endParaRPr lang="zh-CN" altLang="en-US"/>
-          </a:p>
-        </p:txBody>
-      </p:sp>
-      <p:sp>
-        <p:nvSpPr>
-          <p:cNvPr id="6" name="灯片编号占位符 5"/>
+            <a:endParaRPr lang="zh-CN" altLang="en-US" dirty="0"/>
+          </a:p>
+        </p:txBody>
+      </p:sp>
+      <p:sp>
+        <p:nvSpPr>
+          <p:cNvPr id="2" name="灯片编号占位符 1"/>
           <p:cNvSpPr>
             <a:spLocks noGrp="1"/>
           </p:cNvSpPr>
@@ -14709,7 +15390,7 @@
     </p:spTree>
     <p:extLst>
       <p:ext uri="{BB962C8B-B14F-4D97-AF65-F5344CB8AC3E}">
-        <p14:creationId xmlns:p14="http://schemas.microsoft.com/office/powerpoint/2010/main" val="3705577710"/>
+        <p14:creationId xmlns:p14="http://schemas.microsoft.com/office/powerpoint/2010/main" val="1473342038"/>
       </p:ext>
     </p:extLst>
   </p:cSld>
@@ -14948,7 +15629,7 @@
       </p:grpSpPr>
       <p:sp>
         <p:nvSpPr>
-          <p:cNvPr id="8" name="标题 7"/>
+          <p:cNvPr id="4" name="标题 3"/>
           <p:cNvSpPr>
             <a:spLocks noGrp="1"/>
           </p:cNvSpPr>
@@ -14956,53 +15637,37 @@
             <p:ph type="title"/>
           </p:nvPr>
         </p:nvSpPr>
-        <p:spPr>
-          <a:xfrm>
-            <a:off x="677335" y="2030307"/>
-            <a:ext cx="8596668" cy="1826581"/>
-          </a:xfrm>
-        </p:spPr>
-        <p:txBody>
-          <a:bodyPr>
-            <a:normAutofit fontScale="90000"/>
-          </a:bodyPr>
+        <p:spPr/>
+        <p:txBody>
+          <a:bodyPr/>
           <a:lstStyle/>
           <a:p>
-            <a:pPr algn="ctr"/>
-            <a:r>
-              <a:rPr lang="zh-CN" altLang="en-US" sz="6600" dirty="0"/>
-              <a:t>三、信源和信道编码联合调试</a:t>
-            </a:r>
-          </a:p>
-        </p:txBody>
-      </p:sp>
-      <p:sp>
-        <p:nvSpPr>
-          <p:cNvPr id="9" name="文本占位符 8"/>
+            <a:endParaRPr lang="zh-CN" altLang="en-US"/>
+          </a:p>
+        </p:txBody>
+      </p:sp>
+      <p:sp>
+        <p:nvSpPr>
+          <p:cNvPr id="5" name="内容占位符 4"/>
           <p:cNvSpPr>
             <a:spLocks noGrp="1"/>
           </p:cNvSpPr>
           <p:nvPr>
-            <p:ph type="body" idx="1"/>
-          </p:nvPr>
-        </p:nvSpPr>
-        <p:spPr>
-          <a:xfrm>
-            <a:off x="677335" y="4307992"/>
-            <a:ext cx="8596668" cy="860400"/>
-          </a:xfrm>
-        </p:spPr>
+            <p:ph idx="1"/>
+          </p:nvPr>
+        </p:nvSpPr>
+        <p:spPr/>
         <p:txBody>
           <a:bodyPr/>
           <a:lstStyle/>
           <a:p>
-            <a:endParaRPr lang="zh-CN" altLang="en-US" dirty="0"/>
-          </a:p>
-        </p:txBody>
-      </p:sp>
-      <p:sp>
-        <p:nvSpPr>
-          <p:cNvPr id="2" name="灯片编号占位符 1"/>
+            <a:endParaRPr lang="zh-CN" altLang="en-US"/>
+          </a:p>
+        </p:txBody>
+      </p:sp>
+      <p:sp>
+        <p:nvSpPr>
+          <p:cNvPr id="6" name="灯片编号占位符 5"/>
           <p:cNvSpPr>
             <a:spLocks noGrp="1"/>
           </p:cNvSpPr>
@@ -15026,7 +15691,7 @@
     </p:spTree>
     <p:extLst>
       <p:ext uri="{BB962C8B-B14F-4D97-AF65-F5344CB8AC3E}">
-        <p14:creationId xmlns:p14="http://schemas.microsoft.com/office/powerpoint/2010/main" val="3676168633"/>
+        <p14:creationId xmlns:p14="http://schemas.microsoft.com/office/powerpoint/2010/main" val="3705577710"/>
       </p:ext>
     </p:extLst>
   </p:cSld>
@@ -15062,7 +15727,7 @@
       </p:grpSpPr>
       <p:sp>
         <p:nvSpPr>
-          <p:cNvPr id="4" name="标题 3"/>
+          <p:cNvPr id="8" name="标题 7"/>
           <p:cNvSpPr>
             <a:spLocks noGrp="1"/>
           </p:cNvSpPr>
@@ -15070,31 +15735,47 @@
             <p:ph type="title"/>
           </p:nvPr>
         </p:nvSpPr>
-        <p:spPr/>
-        <p:txBody>
-          <a:bodyPr/>
+        <p:spPr>
+          <a:xfrm>
+            <a:off x="677335" y="2030307"/>
+            <a:ext cx="8596668" cy="1826581"/>
+          </a:xfrm>
+        </p:spPr>
+        <p:txBody>
+          <a:bodyPr>
+            <a:normAutofit fontScale="90000"/>
+          </a:bodyPr>
           <a:lstStyle/>
           <a:p>
-            <a:endParaRPr lang="zh-CN" altLang="en-US"/>
-          </a:p>
-        </p:txBody>
-      </p:sp>
-      <p:sp>
-        <p:nvSpPr>
-          <p:cNvPr id="5" name="内容占位符 4"/>
+            <a:pPr algn="ctr"/>
+            <a:r>
+              <a:rPr lang="zh-CN" altLang="en-US" sz="6600" dirty="0"/>
+              <a:t>三、信源和信道编码联合调试</a:t>
+            </a:r>
+          </a:p>
+        </p:txBody>
+      </p:sp>
+      <p:sp>
+        <p:nvSpPr>
+          <p:cNvPr id="9" name="文本占位符 8"/>
           <p:cNvSpPr>
             <a:spLocks noGrp="1"/>
           </p:cNvSpPr>
           <p:nvPr>
-            <p:ph idx="1"/>
-          </p:nvPr>
-        </p:nvSpPr>
-        <p:spPr/>
+            <p:ph type="body" idx="1"/>
+          </p:nvPr>
+        </p:nvSpPr>
+        <p:spPr>
+          <a:xfrm>
+            <a:off x="677335" y="4307992"/>
+            <a:ext cx="8596668" cy="860400"/>
+          </a:xfrm>
+        </p:spPr>
         <p:txBody>
           <a:bodyPr/>
           <a:lstStyle/>
           <a:p>
-            <a:endParaRPr lang="zh-CN" altLang="en-US"/>
+            <a:endParaRPr lang="zh-CN" altLang="en-US" dirty="0"/>
           </a:p>
         </p:txBody>
       </p:sp>
@@ -15124,7 +15805,7 @@
     </p:spTree>
     <p:extLst>
       <p:ext uri="{BB962C8B-B14F-4D97-AF65-F5344CB8AC3E}">
-        <p14:creationId xmlns:p14="http://schemas.microsoft.com/office/powerpoint/2010/main" val="4033480467"/>
+        <p14:creationId xmlns:p14="http://schemas.microsoft.com/office/powerpoint/2010/main" val="3676168633"/>
       </p:ext>
     </p:extLst>
   </p:cSld>
@@ -15160,7 +15841,7 @@
       </p:grpSpPr>
       <p:sp>
         <p:nvSpPr>
-          <p:cNvPr id="8" name="标题 7"/>
+          <p:cNvPr id="4" name="标题 3"/>
           <p:cNvSpPr>
             <a:spLocks noGrp="1"/>
           </p:cNvSpPr>
@@ -15168,48 +15849,31 @@
             <p:ph type="title"/>
           </p:nvPr>
         </p:nvSpPr>
-        <p:spPr>
-          <a:xfrm>
-            <a:off x="677335" y="2030307"/>
-            <a:ext cx="8596668" cy="1826581"/>
-          </a:xfrm>
-        </p:spPr>
-        <p:txBody>
-          <a:bodyPr>
-            <a:normAutofit/>
-          </a:bodyPr>
+        <p:spPr/>
+        <p:txBody>
+          <a:bodyPr/>
           <a:lstStyle/>
           <a:p>
-            <a:pPr algn="ctr"/>
-            <a:r>
-              <a:rPr lang="zh-CN" altLang="en-US" sz="6600" dirty="0" smtClean="0"/>
-              <a:t>四、选做题</a:t>
-            </a:r>
-            <a:endParaRPr lang="zh-CN" altLang="en-US" sz="6600" dirty="0"/>
-          </a:p>
-        </p:txBody>
-      </p:sp>
-      <p:sp>
-        <p:nvSpPr>
-          <p:cNvPr id="9" name="文本占位符 8"/>
+            <a:endParaRPr lang="zh-CN" altLang="en-US"/>
+          </a:p>
+        </p:txBody>
+      </p:sp>
+      <p:sp>
+        <p:nvSpPr>
+          <p:cNvPr id="5" name="内容占位符 4"/>
           <p:cNvSpPr>
             <a:spLocks noGrp="1"/>
           </p:cNvSpPr>
           <p:nvPr>
-            <p:ph type="body" idx="1"/>
-          </p:nvPr>
-        </p:nvSpPr>
-        <p:spPr>
-          <a:xfrm>
-            <a:off x="677335" y="4307992"/>
-            <a:ext cx="8596668" cy="860400"/>
-          </a:xfrm>
-        </p:spPr>
+            <p:ph idx="1"/>
+          </p:nvPr>
+        </p:nvSpPr>
+        <p:spPr/>
         <p:txBody>
           <a:bodyPr/>
           <a:lstStyle/>
           <a:p>
-            <a:endParaRPr lang="zh-CN" altLang="en-US" dirty="0"/>
+            <a:endParaRPr lang="zh-CN" altLang="en-US"/>
           </a:p>
         </p:txBody>
       </p:sp>
@@ -15239,7 +15903,7 @@
     </p:spTree>
     <p:extLst>
       <p:ext uri="{BB962C8B-B14F-4D97-AF65-F5344CB8AC3E}">
-        <p14:creationId xmlns:p14="http://schemas.microsoft.com/office/powerpoint/2010/main" val="1675817713"/>
+        <p14:creationId xmlns:p14="http://schemas.microsoft.com/office/powerpoint/2010/main" val="4033480467"/>
       </p:ext>
     </p:extLst>
   </p:cSld>
@@ -15275,7 +15939,7 @@
       </p:grpSpPr>
       <p:sp>
         <p:nvSpPr>
-          <p:cNvPr id="4" name="标题 3"/>
+          <p:cNvPr id="8" name="标题 7"/>
           <p:cNvSpPr>
             <a:spLocks noGrp="1"/>
           </p:cNvSpPr>
@@ -15283,31 +15947,48 @@
             <p:ph type="title"/>
           </p:nvPr>
         </p:nvSpPr>
-        <p:spPr/>
-        <p:txBody>
-          <a:bodyPr/>
+        <p:spPr>
+          <a:xfrm>
+            <a:off x="677335" y="2030307"/>
+            <a:ext cx="8596668" cy="1826581"/>
+          </a:xfrm>
+        </p:spPr>
+        <p:txBody>
+          <a:bodyPr>
+            <a:normAutofit/>
+          </a:bodyPr>
           <a:lstStyle/>
           <a:p>
-            <a:endParaRPr lang="zh-CN" altLang="en-US"/>
-          </a:p>
-        </p:txBody>
-      </p:sp>
-      <p:sp>
-        <p:nvSpPr>
-          <p:cNvPr id="5" name="内容占位符 4"/>
+            <a:pPr algn="ctr"/>
+            <a:r>
+              <a:rPr lang="zh-CN" altLang="en-US" sz="6600" dirty="0" smtClean="0"/>
+              <a:t>四、选做题</a:t>
+            </a:r>
+            <a:endParaRPr lang="zh-CN" altLang="en-US" sz="6600" dirty="0"/>
+          </a:p>
+        </p:txBody>
+      </p:sp>
+      <p:sp>
+        <p:nvSpPr>
+          <p:cNvPr id="9" name="文本占位符 8"/>
           <p:cNvSpPr>
             <a:spLocks noGrp="1"/>
           </p:cNvSpPr>
           <p:nvPr>
-            <p:ph idx="1"/>
-          </p:nvPr>
-        </p:nvSpPr>
-        <p:spPr/>
+            <p:ph type="body" idx="1"/>
+          </p:nvPr>
+        </p:nvSpPr>
+        <p:spPr>
+          <a:xfrm>
+            <a:off x="677335" y="4307992"/>
+            <a:ext cx="8596668" cy="860400"/>
+          </a:xfrm>
+        </p:spPr>
         <p:txBody>
           <a:bodyPr/>
           <a:lstStyle/>
           <a:p>
-            <a:endParaRPr lang="zh-CN" altLang="en-US"/>
+            <a:endParaRPr lang="zh-CN" altLang="en-US" dirty="0"/>
           </a:p>
         </p:txBody>
       </p:sp>
@@ -15337,7 +16018,7 @@
     </p:spTree>
     <p:extLst>
       <p:ext uri="{BB962C8B-B14F-4D97-AF65-F5344CB8AC3E}">
-        <p14:creationId xmlns:p14="http://schemas.microsoft.com/office/powerpoint/2010/main" val="4086110525"/>
+        <p14:creationId xmlns:p14="http://schemas.microsoft.com/office/powerpoint/2010/main" val="1675817713"/>
       </p:ext>
     </p:extLst>
   </p:cSld>
@@ -15381,6 +16062,104 @@
             <p:ph type="title"/>
           </p:nvPr>
         </p:nvSpPr>
+        <p:spPr/>
+        <p:txBody>
+          <a:bodyPr/>
+          <a:lstStyle/>
+          <a:p>
+            <a:endParaRPr lang="zh-CN" altLang="en-US"/>
+          </a:p>
+        </p:txBody>
+      </p:sp>
+      <p:sp>
+        <p:nvSpPr>
+          <p:cNvPr id="5" name="内容占位符 4"/>
+          <p:cNvSpPr>
+            <a:spLocks noGrp="1"/>
+          </p:cNvSpPr>
+          <p:nvPr>
+            <p:ph idx="1"/>
+          </p:nvPr>
+        </p:nvSpPr>
+        <p:spPr/>
+        <p:txBody>
+          <a:bodyPr/>
+          <a:lstStyle/>
+          <a:p>
+            <a:endParaRPr lang="zh-CN" altLang="en-US"/>
+          </a:p>
+        </p:txBody>
+      </p:sp>
+      <p:sp>
+        <p:nvSpPr>
+          <p:cNvPr id="2" name="灯片编号占位符 1"/>
+          <p:cNvSpPr>
+            <a:spLocks noGrp="1"/>
+          </p:cNvSpPr>
+          <p:nvPr>
+            <p:ph type="sldNum" sz="quarter" idx="12"/>
+          </p:nvPr>
+        </p:nvSpPr>
+        <p:spPr/>
+        <p:txBody>
+          <a:bodyPr/>
+          <a:lstStyle/>
+          <a:p>
+            <a:fld id="{AFD96F87-9EEA-4173-B560-4ADE20BAA8CF}" type="slidenum">
+              <a:rPr lang="zh-CN" altLang="en-US" smtClean="0"/>
+              <a:t>24</a:t>
+            </a:fld>
+            <a:endParaRPr lang="zh-CN" altLang="en-US"/>
+          </a:p>
+        </p:txBody>
+      </p:sp>
+    </p:spTree>
+    <p:extLst>
+      <p:ext uri="{BB962C8B-B14F-4D97-AF65-F5344CB8AC3E}">
+        <p14:creationId xmlns:p14="http://schemas.microsoft.com/office/powerpoint/2010/main" val="4086110525"/>
+      </p:ext>
+    </p:extLst>
+  </p:cSld>
+  <p:clrMapOvr>
+    <a:masterClrMapping/>
+  </p:clrMapOvr>
+  <p:timing>
+    <p:tnLst>
+      <p:par>
+        <p:cTn id="1" dur="indefinite" restart="never" nodeType="tmRoot"/>
+      </p:par>
+    </p:tnLst>
+  </p:timing>
+</p:sld>
+</file>
+
+<file path=ppt/slides/slide25.xml><?xml version="1.0" encoding="utf-8"?>
+<p:sld xmlns:a="http://schemas.openxmlformats.org/drawingml/2006/main" xmlns:r="http://schemas.openxmlformats.org/officeDocument/2006/relationships" xmlns:p="http://schemas.openxmlformats.org/presentationml/2006/main">
+  <p:cSld>
+    <p:spTree>
+      <p:nvGrpSpPr>
+        <p:cNvPr id="1" name=""/>
+        <p:cNvGrpSpPr/>
+        <p:nvPr/>
+      </p:nvGrpSpPr>
+      <p:grpSpPr>
+        <a:xfrm>
+          <a:off x="0" y="0"/>
+          <a:ext cx="0" cy="0"/>
+          <a:chOff x="0" y="0"/>
+          <a:chExt cx="0" cy="0"/>
+        </a:xfrm>
+      </p:grpSpPr>
+      <p:sp>
+        <p:nvSpPr>
+          <p:cNvPr id="4" name="标题 3"/>
+          <p:cNvSpPr>
+            <a:spLocks noGrp="1"/>
+          </p:cNvSpPr>
+          <p:nvPr>
+            <p:ph type="title"/>
+          </p:nvPr>
+        </p:nvSpPr>
         <p:spPr>
           <a:xfrm>
             <a:off x="762679" y="2225379"/>
@@ -15438,7 +16217,7 @@
           <a:p>
             <a:fld id="{AFD96F87-9EEA-4173-B560-4ADE20BAA8CF}" type="slidenum">
               <a:rPr lang="zh-CN" altLang="en-US" smtClean="0"/>
-              <a:t>24</a:t>
+              <a:t>25</a:t>
             </a:fld>
             <a:endParaRPr lang="zh-CN" altLang="en-US"/>
           </a:p>
@@ -15657,43 +16436,31 @@
             </a:r>
             <a:r>
               <a:rPr lang="zh-CN" altLang="en-US" dirty="0" smtClean="0"/>
-              <a:t>图</a:t>
+              <a:t>图，</a:t>
+            </a:r>
+            <a:r>
+              <a:rPr lang="en-US" altLang="zh-CN" dirty="0" smtClean="0"/>
+              <a:t>Full Size</a:t>
             </a:r>
             <a:r>
               <a:rPr lang="zh-CN" altLang="en-US" dirty="0" smtClean="0"/>
               <a:t>，</a:t>
             </a:r>
             <a:r>
+              <a:rPr lang="en-US" altLang="zh-CN" dirty="0"/>
+              <a:t> </a:t>
+            </a:r>
+            <a:r>
               <a:rPr lang="en-US" altLang="zh-CN" dirty="0" smtClean="0"/>
-              <a:t>Full Size</a:t>
+              <a:t>step=8,16,32,64</a:t>
             </a:r>
             <a:r>
               <a:rPr lang="zh-CN" altLang="en-US" dirty="0" smtClean="0"/>
               <a:t>，</a:t>
             </a:r>
             <a:r>
-              <a:rPr lang="en-US" altLang="zh-CN" dirty="0"/>
-              <a:t> </a:t>
-            </a:r>
-            <a:r>
               <a:rPr lang="en-US" altLang="zh-CN" dirty="0" smtClean="0"/>
-              <a:t>step=8,16,32,64</a:t>
-            </a:r>
-            <a:r>
-              <a:rPr lang="zh-CN" altLang="en-US" dirty="0" smtClean="0"/>
-              <a:t>，</a:t>
-            </a:r>
-            <a:r>
-              <a:rPr lang="en-US" altLang="zh-CN" dirty="0" smtClean="0"/>
-              <a:t>input </a:t>
-            </a:r>
-            <a:r>
-              <a:rPr lang="en-US" altLang="zh-CN" dirty="0" smtClean="0"/>
-              <a:t>image bit </a:t>
-            </a:r>
-            <a:r>
-              <a:rPr lang="en-US" altLang="zh-CN" dirty="0" smtClean="0"/>
-              <a:t>131072</a:t>
+              <a:t>input image bit 131072</a:t>
             </a:r>
             <a:endParaRPr lang="zh-CN" altLang="en-US" dirty="0"/>
           </a:p>

--- a/展示报告.pptx
+++ b/展示报告.pptx
@@ -4240,7 +4240,7 @@
           <a:p>
             <a:fld id="{AC7511CB-7838-4DA9-8D0A-8063DCD6F0E4}" type="datetimeFigureOut">
               <a:rPr lang="zh-CN" altLang="en-US" smtClean="0"/>
-              <a:t>2019/12/10</a:t>
+              <a:t>2019/12/11</a:t>
             </a:fld>
             <a:endParaRPr lang="zh-CN" altLang="en-US"/>
           </a:p>
@@ -6102,7 +6102,7 @@
           <a:p>
             <a:fld id="{4824F541-18F5-4701-89AE-6B256C55A962}" type="datetime1">
               <a:rPr lang="zh-CN" altLang="en-US" smtClean="0"/>
-              <a:t>2019/12/10</a:t>
+              <a:t>2019/12/11</a:t>
             </a:fld>
             <a:endParaRPr lang="zh-CN" altLang="en-US"/>
           </a:p>
@@ -6360,7 +6360,7 @@
           <a:p>
             <a:fld id="{8F2F461D-E948-413D-BE19-47E55A14B4F4}" type="datetime1">
               <a:rPr lang="zh-CN" altLang="en-US" smtClean="0"/>
-              <a:t>2019/12/10</a:t>
+              <a:t>2019/12/11</a:t>
             </a:fld>
             <a:endParaRPr lang="zh-CN" altLang="en-US"/>
           </a:p>
@@ -6674,7 +6674,7 @@
           <a:p>
             <a:fld id="{6B5C60FD-CC31-4737-AB08-13C4BC91C074}" type="datetime1">
               <a:rPr lang="zh-CN" altLang="en-US" smtClean="0"/>
-              <a:t>2019/12/10</a:t>
+              <a:t>2019/12/11</a:t>
             </a:fld>
             <a:endParaRPr lang="zh-CN" altLang="en-US"/>
           </a:p>
@@ -7015,7 +7015,7 @@
           <a:p>
             <a:fld id="{4FDE90A2-4407-4108-B6B4-57FDFE192315}" type="datetime1">
               <a:rPr lang="zh-CN" altLang="en-US" smtClean="0"/>
-              <a:t>2019/12/10</a:t>
+              <a:t>2019/12/11</a:t>
             </a:fld>
             <a:endParaRPr lang="zh-CN" altLang="en-US"/>
           </a:p>
@@ -7329,7 +7329,7 @@
           <a:p>
             <a:fld id="{62A00C36-9794-4826-AC96-336D98EAC623}" type="datetime1">
               <a:rPr lang="zh-CN" altLang="en-US" smtClean="0"/>
-              <a:t>2019/12/10</a:t>
+              <a:t>2019/12/11</a:t>
             </a:fld>
             <a:endParaRPr lang="zh-CN" altLang="en-US"/>
           </a:p>
@@ -7722,7 +7722,7 @@
           <a:p>
             <a:fld id="{1BCD8EB6-6260-4A3D-BEA0-A9FE54947318}" type="datetime1">
               <a:rPr lang="zh-CN" altLang="en-US" smtClean="0"/>
-              <a:t>2019/12/10</a:t>
+              <a:t>2019/12/11</a:t>
             </a:fld>
             <a:endParaRPr lang="zh-CN" altLang="en-US"/>
           </a:p>
@@ -7892,7 +7892,7 @@
           <a:p>
             <a:fld id="{E4C896E0-A95A-4B08-9A10-8275D39E031F}" type="datetime1">
               <a:rPr lang="zh-CN" altLang="en-US" smtClean="0"/>
-              <a:t>2019/12/10</a:t>
+              <a:t>2019/12/11</a:t>
             </a:fld>
             <a:endParaRPr lang="zh-CN" altLang="en-US"/>
           </a:p>
@@ -8072,7 +8072,7 @@
           <a:p>
             <a:fld id="{A2A3E8A0-2094-44A9-AD37-DA03F0D733DB}" type="datetime1">
               <a:rPr lang="zh-CN" altLang="en-US" smtClean="0"/>
-              <a:t>2019/12/10</a:t>
+              <a:t>2019/12/11</a:t>
             </a:fld>
             <a:endParaRPr lang="zh-CN" altLang="en-US"/>
           </a:p>
@@ -8248,7 +8248,7 @@
           <a:p>
             <a:fld id="{7CF17A34-ADBF-4A54-8939-8528E3CA1D92}" type="datetime1">
               <a:rPr lang="zh-CN" altLang="en-US" smtClean="0"/>
-              <a:t>2019/12/10</a:t>
+              <a:t>2019/12/11</a:t>
             </a:fld>
             <a:endParaRPr lang="zh-CN" altLang="en-US"/>
           </a:p>
@@ -8495,7 +8495,7 @@
           <a:p>
             <a:fld id="{E03D4BDE-3574-4A7D-9032-5CCC8CC109D9}" type="datetime1">
               <a:rPr lang="zh-CN" altLang="en-US" smtClean="0"/>
-              <a:t>2019/12/10</a:t>
+              <a:t>2019/12/11</a:t>
             </a:fld>
             <a:endParaRPr lang="zh-CN" altLang="en-US"/>
           </a:p>
@@ -8727,7 +8727,7 @@
           <a:p>
             <a:fld id="{E1FADEA2-8BD2-45D2-947F-DBD8AE4AEC4C}" type="datetime1">
               <a:rPr lang="zh-CN" altLang="en-US" smtClean="0"/>
-              <a:t>2019/12/10</a:t>
+              <a:t>2019/12/11</a:t>
             </a:fld>
             <a:endParaRPr lang="zh-CN" altLang="en-US"/>
           </a:p>
@@ -9101,7 +9101,7 @@
           <a:p>
             <a:fld id="{89EE281B-B563-4E50-A19E-E386F55E3ADE}" type="datetime1">
               <a:rPr lang="zh-CN" altLang="en-US" smtClean="0"/>
-              <a:t>2019/12/10</a:t>
+              <a:t>2019/12/11</a:t>
             </a:fld>
             <a:endParaRPr lang="zh-CN" altLang="en-US"/>
           </a:p>
@@ -9224,7 +9224,7 @@
           <a:p>
             <a:fld id="{9A202A17-04A7-4989-9B97-FB467D164329}" type="datetime1">
               <a:rPr lang="zh-CN" altLang="en-US" smtClean="0"/>
-              <a:t>2019/12/10</a:t>
+              <a:t>2019/12/11</a:t>
             </a:fld>
             <a:endParaRPr lang="zh-CN" altLang="en-US"/>
           </a:p>
@@ -9319,7 +9319,7 @@
           <a:p>
             <a:fld id="{A1089A26-2FFC-4EE6-B6B9-C28BAC9610FA}" type="datetime1">
               <a:rPr lang="zh-CN" altLang="en-US" smtClean="0"/>
-              <a:t>2019/12/10</a:t>
+              <a:t>2019/12/11</a:t>
             </a:fld>
             <a:endParaRPr lang="zh-CN" altLang="en-US"/>
           </a:p>
@@ -9574,7 +9574,7 @@
           <a:p>
             <a:fld id="{448AA64E-BC60-49AC-8818-38834AD8A737}" type="datetime1">
               <a:rPr lang="zh-CN" altLang="en-US" smtClean="0"/>
-              <a:t>2019/12/10</a:t>
+              <a:t>2019/12/11</a:t>
             </a:fld>
             <a:endParaRPr lang="zh-CN" altLang="en-US"/>
           </a:p>
@@ -9837,7 +9837,7 @@
           <a:p>
             <a:fld id="{64B4BE6D-082A-4178-8141-4EF24795ED7C}" type="datetime1">
               <a:rPr lang="zh-CN" altLang="en-US" smtClean="0"/>
-              <a:t>2019/12/10</a:t>
+              <a:t>2019/12/11</a:t>
             </a:fld>
             <a:endParaRPr lang="zh-CN" altLang="en-US"/>
           </a:p>
@@ -10580,7 +10580,7 @@
           <a:p>
             <a:fld id="{3AA9FF94-EACC-41AE-8B1F-E4CE9DC41648}" type="datetime1">
               <a:rPr lang="zh-CN" altLang="en-US" smtClean="0"/>
-              <a:t>2019/12/10</a:t>
+              <a:t>2019/12/11</a:t>
             </a:fld>
             <a:endParaRPr lang="zh-CN" altLang="en-US"/>
           </a:p>
@@ -14596,9 +14596,16 @@
                 <p:ph idx="1"/>
               </p:nvPr>
             </p:nvSpPr>
-            <p:spPr/>
+            <p:spPr>
+              <a:xfrm>
+                <a:off x="677334" y="2160589"/>
+                <a:ext cx="8596668" cy="4403984"/>
+              </a:xfrm>
+            </p:spPr>
             <p:txBody>
-              <a:bodyPr/>
+              <a:bodyPr>
+                <a:normAutofit lnSpcReduction="10000"/>
+              </a:bodyPr>
               <a:lstStyle/>
               <a:p>
                 <a:r>
@@ -14743,7 +14750,7 @@
                         <m:begChr m:val="{"/>
                         <m:endChr m:val="}"/>
                         <m:ctrlPr>
-                          <a:rPr lang="en-US" altLang="zh-CN" b="0" i="0" smtClean="0">
+                          <a:rPr lang="en-US" altLang="zh-CN" b="0" i="1" smtClean="0">
                             <a:latin typeface="Cambria Math" panose="02040503050406030204" pitchFamily="18" charset="0"/>
                           </a:rPr>
                         </m:ctrlPr>
@@ -14776,7 +14783,7 @@
                         <m:d>
                           <m:dPr>
                             <m:ctrlPr>
-                              <a:rPr lang="en-US" altLang="zh-CN" b="0" i="0" smtClean="0">
+                              <a:rPr lang="en-US" altLang="zh-CN" b="0" i="1" smtClean="0">
                                 <a:latin typeface="Cambria Math" panose="02040503050406030204" pitchFamily="18" charset="0"/>
                               </a:rPr>
                             </m:ctrlPr>
@@ -14842,7 +14849,7 @@
                         <m:d>
                           <m:dPr>
                             <m:ctrlPr>
-                              <a:rPr lang="en-US" altLang="zh-CN" b="0" i="0" smtClean="0">
+                              <a:rPr lang="en-US" altLang="zh-CN" b="0" i="1" smtClean="0">
                                 <a:latin typeface="Cambria Math" panose="02040503050406030204" pitchFamily="18" charset="0"/>
                               </a:rPr>
                             </m:ctrlPr>
@@ -15194,6 +15201,379 @@
                 <a:endParaRPr lang="en-US" altLang="zh-CN" dirty="0" smtClean="0"/>
               </a:p>
               <a:p>
+                <a14:m>
+                  <m:oMath xmlns:m="http://schemas.openxmlformats.org/officeDocument/2006/math">
+                    <m:r>
+                      <a:rPr lang="en-US" altLang="zh-CN" i="1">
+                        <a:latin typeface="Cambria Math" panose="02040503050406030204" pitchFamily="18" charset="0"/>
+                      </a:rPr>
+                      <m:t>𝑃𝑆𝑁𝑅</m:t>
+                    </m:r>
+                    <m:r>
+                      <a:rPr lang="en-US" altLang="zh-CN" i="1">
+                        <a:latin typeface="Cambria Math" panose="02040503050406030204" pitchFamily="18" charset="0"/>
+                      </a:rPr>
+                      <m:t>=10</m:t>
+                    </m:r>
+                    <m:sSub>
+                      <m:sSubPr>
+                        <m:ctrlPr>
+                          <a:rPr lang="en-US" altLang="zh-CN" i="1">
+                            <a:latin typeface="Cambria Math" panose="02040503050406030204" pitchFamily="18" charset="0"/>
+                          </a:rPr>
+                        </m:ctrlPr>
+                      </m:sSubPr>
+                      <m:e>
+                        <m:r>
+                          <a:rPr lang="en-US" altLang="zh-CN" i="1">
+                            <a:latin typeface="Cambria Math" panose="02040503050406030204" pitchFamily="18" charset="0"/>
+                          </a:rPr>
+                          <m:t>𝑙𝑜𝑔</m:t>
+                        </m:r>
+                      </m:e>
+                      <m:sub>
+                        <m:r>
+                          <a:rPr lang="en-US" altLang="zh-CN" i="1">
+                            <a:latin typeface="Cambria Math" panose="02040503050406030204" pitchFamily="18" charset="0"/>
+                          </a:rPr>
+                          <m:t>10</m:t>
+                        </m:r>
+                      </m:sub>
+                    </m:sSub>
+                    <m:r>
+                      <a:rPr lang="en-US" altLang="zh-CN" i="1">
+                        <a:latin typeface="Cambria Math" panose="02040503050406030204" pitchFamily="18" charset="0"/>
+                      </a:rPr>
+                      <m:t>(</m:t>
+                    </m:r>
+                    <m:f>
+                      <m:fPr>
+                        <m:ctrlPr>
+                          <a:rPr lang="en-US" altLang="zh-CN" i="1">
+                            <a:latin typeface="Cambria Math" panose="02040503050406030204" pitchFamily="18" charset="0"/>
+                          </a:rPr>
+                        </m:ctrlPr>
+                      </m:fPr>
+                      <m:num>
+                        <m:sSubSup>
+                          <m:sSubSupPr>
+                            <m:ctrlPr>
+                              <a:rPr lang="en-US" altLang="zh-CN" i="1">
+                                <a:latin typeface="Cambria Math" panose="02040503050406030204" pitchFamily="18" charset="0"/>
+                              </a:rPr>
+                            </m:ctrlPr>
+                          </m:sSubSupPr>
+                          <m:e>
+                            <m:r>
+                              <m:rPr>
+                                <m:sty m:val="p"/>
+                              </m:rPr>
+                              <a:rPr lang="en-US" altLang="zh-CN">
+                                <a:latin typeface="Cambria Math" panose="02040503050406030204" pitchFamily="18" charset="0"/>
+                              </a:rPr>
+                              <m:t>Σ</m:t>
+                            </m:r>
+                          </m:e>
+                          <m:sub>
+                            <m:r>
+                              <a:rPr lang="en-US" altLang="zh-CN" i="1">
+                                <a:latin typeface="Cambria Math" panose="02040503050406030204" pitchFamily="18" charset="0"/>
+                              </a:rPr>
+                              <m:t>𝑖</m:t>
+                            </m:r>
+                            <m:r>
+                              <a:rPr lang="en-US" altLang="zh-CN" i="1">
+                                <a:latin typeface="Cambria Math" panose="02040503050406030204" pitchFamily="18" charset="0"/>
+                              </a:rPr>
+                              <m:t>=1</m:t>
+                            </m:r>
+                          </m:sub>
+                          <m:sup>
+                            <m:r>
+                              <a:rPr lang="en-US" altLang="zh-CN" i="1">
+                                <a:latin typeface="Cambria Math" panose="02040503050406030204" pitchFamily="18" charset="0"/>
+                              </a:rPr>
+                              <m:t>𝑛</m:t>
+                            </m:r>
+                          </m:sup>
+                        </m:sSubSup>
+                        <m:sSubSup>
+                          <m:sSubSupPr>
+                            <m:ctrlPr>
+                              <a:rPr lang="en-US" altLang="zh-CN" i="1">
+                                <a:latin typeface="Cambria Math" panose="02040503050406030204" pitchFamily="18" charset="0"/>
+                              </a:rPr>
+                            </m:ctrlPr>
+                          </m:sSubSupPr>
+                          <m:e>
+                            <m:r>
+                              <m:rPr>
+                                <m:sty m:val="p"/>
+                              </m:rPr>
+                              <a:rPr lang="en-US" altLang="zh-CN">
+                                <a:latin typeface="Cambria Math" panose="02040503050406030204" pitchFamily="18" charset="0"/>
+                              </a:rPr>
+                              <m:t>Σ</m:t>
+                            </m:r>
+                          </m:e>
+                          <m:sub>
+                            <m:r>
+                              <a:rPr lang="en-US" altLang="zh-CN" i="1">
+                                <a:latin typeface="Cambria Math" panose="02040503050406030204" pitchFamily="18" charset="0"/>
+                              </a:rPr>
+                              <m:t>𝑗</m:t>
+                            </m:r>
+                            <m:r>
+                              <a:rPr lang="en-US" altLang="zh-CN" i="1">
+                                <a:latin typeface="Cambria Math" panose="02040503050406030204" pitchFamily="18" charset="0"/>
+                              </a:rPr>
+                              <m:t>=1</m:t>
+                            </m:r>
+                          </m:sub>
+                          <m:sup>
+                            <m:r>
+                              <a:rPr lang="en-US" altLang="zh-CN" i="1">
+                                <a:latin typeface="Cambria Math" panose="02040503050406030204" pitchFamily="18" charset="0"/>
+                              </a:rPr>
+                              <m:t>𝑚</m:t>
+                            </m:r>
+                          </m:sup>
+                        </m:sSubSup>
+                        <m:sSup>
+                          <m:sSupPr>
+                            <m:ctrlPr>
+                              <a:rPr lang="en-US" altLang="zh-CN" i="1">
+                                <a:latin typeface="Cambria Math" panose="02040503050406030204" pitchFamily="18" charset="0"/>
+                              </a:rPr>
+                            </m:ctrlPr>
+                          </m:sSupPr>
+                          <m:e>
+                            <m:d>
+                              <m:dPr>
+                                <m:ctrlPr>
+                                  <a:rPr lang="en-US" altLang="zh-CN" i="1">
+                                    <a:latin typeface="Cambria Math" panose="02040503050406030204" pitchFamily="18" charset="0"/>
+                                  </a:rPr>
+                                </m:ctrlPr>
+                              </m:dPr>
+                              <m:e>
+                                <m:r>
+                                  <a:rPr lang="en-US" altLang="zh-CN" i="1">
+                                    <a:latin typeface="Cambria Math" panose="02040503050406030204" pitchFamily="18" charset="0"/>
+                                  </a:rPr>
+                                  <m:t>255</m:t>
+                                </m:r>
+                              </m:e>
+                            </m:d>
+                          </m:e>
+                          <m:sup>
+                            <m:r>
+                              <a:rPr lang="en-US" altLang="zh-CN" i="1">
+                                <a:latin typeface="Cambria Math" panose="02040503050406030204" pitchFamily="18" charset="0"/>
+                              </a:rPr>
+                              <m:t>2</m:t>
+                            </m:r>
+                          </m:sup>
+                        </m:sSup>
+                      </m:num>
+                      <m:den>
+                        <m:nary>
+                          <m:naryPr>
+                            <m:chr m:val="∑"/>
+                            <m:ctrlPr>
+                              <a:rPr lang="zh-CN" altLang="en-US" i="1">
+                                <a:latin typeface="Cambria Math" panose="02040503050406030204" pitchFamily="18" charset="0"/>
+                              </a:rPr>
+                            </m:ctrlPr>
+                          </m:naryPr>
+                          <m:sub>
+                            <m:r>
+                              <a:rPr lang="en-US" altLang="zh-CN" i="1">
+                                <a:latin typeface="Cambria Math" panose="02040503050406030204" pitchFamily="18" charset="0"/>
+                              </a:rPr>
+                              <m:t>𝑖</m:t>
+                            </m:r>
+                            <m:r>
+                              <a:rPr lang="en-US" altLang="zh-CN" i="1">
+                                <a:latin typeface="Cambria Math" panose="02040503050406030204" pitchFamily="18" charset="0"/>
+                              </a:rPr>
+                              <m:t>=1</m:t>
+                            </m:r>
+                          </m:sub>
+                          <m:sup>
+                            <m:r>
+                              <a:rPr lang="en-US" altLang="zh-CN" i="1">
+                                <a:latin typeface="Cambria Math" panose="02040503050406030204" pitchFamily="18" charset="0"/>
+                              </a:rPr>
+                              <m:t>𝑛</m:t>
+                            </m:r>
+                          </m:sup>
+                          <m:e>
+                            <m:nary>
+                              <m:naryPr>
+                                <m:chr m:val="∑"/>
+                                <m:ctrlPr>
+                                  <a:rPr lang="zh-CN" altLang="en-US" i="1">
+                                    <a:latin typeface="Cambria Math" panose="02040503050406030204" pitchFamily="18" charset="0"/>
+                                  </a:rPr>
+                                </m:ctrlPr>
+                              </m:naryPr>
+                              <m:sub>
+                                <m:r>
+                                  <a:rPr lang="en-US" altLang="zh-CN" i="1">
+                                    <a:latin typeface="Cambria Math" panose="02040503050406030204" pitchFamily="18" charset="0"/>
+                                  </a:rPr>
+                                  <m:t>𝑗</m:t>
+                                </m:r>
+                                <m:r>
+                                  <a:rPr lang="en-US" altLang="zh-CN" i="1">
+                                    <a:latin typeface="Cambria Math" panose="02040503050406030204" pitchFamily="18" charset="0"/>
+                                  </a:rPr>
+                                  <m:t>=1</m:t>
+                                </m:r>
+                              </m:sub>
+                              <m:sup>
+                                <m:r>
+                                  <a:rPr lang="en-US" altLang="zh-CN" i="1">
+                                    <a:latin typeface="Cambria Math" panose="02040503050406030204" pitchFamily="18" charset="0"/>
+                                  </a:rPr>
+                                  <m:t>𝑚</m:t>
+                                </m:r>
+                              </m:sup>
+                              <m:e>
+                                <m:r>
+                                  <a:rPr lang="en-US" altLang="zh-CN" i="1">
+                                    <a:latin typeface="Cambria Math" panose="02040503050406030204" pitchFamily="18" charset="0"/>
+                                  </a:rPr>
+                                  <m:t>(</m:t>
+                                </m:r>
+                                <m:r>
+                                  <a:rPr lang="en-US" altLang="zh-CN" i="1">
+                                    <a:latin typeface="Cambria Math" panose="02040503050406030204" pitchFamily="18" charset="0"/>
+                                  </a:rPr>
+                                  <m:t>𝑓</m:t>
+                                </m:r>
+                                <m:d>
+                                  <m:dPr>
+                                    <m:ctrlPr>
+                                      <a:rPr lang="en-US" altLang="zh-CN" i="1">
+                                        <a:latin typeface="Cambria Math" panose="02040503050406030204" pitchFamily="18" charset="0"/>
+                                      </a:rPr>
+                                    </m:ctrlPr>
+                                  </m:dPr>
+                                  <m:e>
+                                    <m:r>
+                                      <a:rPr lang="en-US" altLang="zh-CN" i="1">
+                                        <a:latin typeface="Cambria Math" panose="02040503050406030204" pitchFamily="18" charset="0"/>
+                                      </a:rPr>
+                                      <m:t>𝑥</m:t>
+                                    </m:r>
+                                    <m:r>
+                                      <a:rPr lang="en-US" altLang="zh-CN" i="1">
+                                        <a:latin typeface="Cambria Math" panose="02040503050406030204" pitchFamily="18" charset="0"/>
+                                      </a:rPr>
+                                      <m:t>,</m:t>
+                                    </m:r>
+                                    <m:r>
+                                      <a:rPr lang="en-US" altLang="zh-CN" i="1">
+                                        <a:latin typeface="Cambria Math" panose="02040503050406030204" pitchFamily="18" charset="0"/>
+                                      </a:rPr>
+                                      <m:t>𝑦</m:t>
+                                    </m:r>
+                                  </m:e>
+                                </m:d>
+                                <m:r>
+                                  <a:rPr lang="en-US" altLang="zh-CN" i="1">
+                                    <a:latin typeface="Cambria Math" panose="02040503050406030204" pitchFamily="18" charset="0"/>
+                                  </a:rPr>
+                                  <m:t>−</m:t>
+                                </m:r>
+                                <m:acc>
+                                  <m:accPr>
+                                    <m:chr m:val="̂"/>
+                                    <m:ctrlPr>
+                                      <a:rPr lang="en-US" altLang="zh-CN" i="1">
+                                        <a:latin typeface="Cambria Math" panose="02040503050406030204" pitchFamily="18" charset="0"/>
+                                      </a:rPr>
+                                    </m:ctrlPr>
+                                  </m:accPr>
+                                  <m:e>
+                                    <m:r>
+                                      <a:rPr lang="en-US" altLang="zh-CN" i="1">
+                                        <a:latin typeface="Cambria Math" panose="02040503050406030204" pitchFamily="18" charset="0"/>
+                                      </a:rPr>
+                                      <m:t>𝑓</m:t>
+                                    </m:r>
+                                  </m:e>
+                                </m:acc>
+                                <m:sSup>
+                                  <m:sSupPr>
+                                    <m:ctrlPr>
+                                      <a:rPr lang="en-US" altLang="zh-CN" i="1">
+                                        <a:latin typeface="Cambria Math" panose="02040503050406030204" pitchFamily="18" charset="0"/>
+                                      </a:rPr>
+                                    </m:ctrlPr>
+                                  </m:sSupPr>
+                                  <m:e>
+                                    <m:d>
+                                      <m:dPr>
+                                        <m:ctrlPr>
+                                          <a:rPr lang="en-US" altLang="zh-CN" i="1">
+                                            <a:latin typeface="Cambria Math" panose="02040503050406030204" pitchFamily="18" charset="0"/>
+                                          </a:rPr>
+                                        </m:ctrlPr>
+                                      </m:dPr>
+                                      <m:e>
+                                        <m:r>
+                                          <a:rPr lang="en-US" altLang="zh-CN" i="1">
+                                            <a:latin typeface="Cambria Math" panose="02040503050406030204" pitchFamily="18" charset="0"/>
+                                          </a:rPr>
+                                          <m:t>𝑥</m:t>
+                                        </m:r>
+                                        <m:r>
+                                          <a:rPr lang="en-US" altLang="zh-CN" i="1">
+                                            <a:latin typeface="Cambria Math" panose="02040503050406030204" pitchFamily="18" charset="0"/>
+                                          </a:rPr>
+                                          <m:t>,</m:t>
+                                        </m:r>
+                                        <m:r>
+                                          <a:rPr lang="en-US" altLang="zh-CN" i="1">
+                                            <a:latin typeface="Cambria Math" panose="02040503050406030204" pitchFamily="18" charset="0"/>
+                                          </a:rPr>
+                                          <m:t>𝑦</m:t>
+                                        </m:r>
+                                      </m:e>
+                                    </m:d>
+                                  </m:e>
+                                  <m:sup>
+                                    <m:r>
+                                      <a:rPr lang="en-US" altLang="zh-CN" i="1">
+                                        <a:latin typeface="Cambria Math" panose="02040503050406030204" pitchFamily="18" charset="0"/>
+                                      </a:rPr>
+                                      <m:t>2</m:t>
+                                    </m:r>
+                                  </m:sup>
+                                </m:sSup>
+                              </m:e>
+                            </m:nary>
+                          </m:e>
+                        </m:nary>
+                        <m:r>
+                          <a:rPr lang="en-US" altLang="zh-CN" i="1">
+                            <a:latin typeface="Cambria Math" panose="02040503050406030204" pitchFamily="18" charset="0"/>
+                          </a:rPr>
+                          <m:t>)</m:t>
+                        </m:r>
+                      </m:den>
+                    </m:f>
+                    <m:r>
+                      <a:rPr lang="en-US" altLang="zh-CN" i="1">
+                        <a:latin typeface="Cambria Math" panose="02040503050406030204" pitchFamily="18" charset="0"/>
+                      </a:rPr>
+                      <m:t>)</m:t>
+                    </m:r>
+                  </m:oMath>
+                </a14:m>
                 <a:endParaRPr lang="en-US" altLang="zh-CN" dirty="0" smtClean="0"/>
               </a:p>
               <a:p>
@@ -15211,7 +15591,42 @@
                 </a:r>
                 <a:r>
                   <a:rPr lang="en-US" altLang="zh-CN" dirty="0"/>
-                  <a:t>:129    49   204     0   175    77   152   102</a:t>
+                  <a:t>:101    76   180   206    49   140   123   157</a:t>
+                </a:r>
+                <a:endParaRPr lang="en-US" altLang="zh-CN" dirty="0" smtClean="0"/>
+              </a:p>
+              <a:p>
+                <a:r>
+                  <a:rPr lang="zh-CN" altLang="en-US" dirty="0"/>
+                  <a:t>对应</a:t>
+                </a:r>
+                <a:r>
+                  <a:rPr lang="zh-CN" altLang="en-US" dirty="0" smtClean="0"/>
+                  <a:t>的</a:t>
+                </a:r>
+                <a:r>
+                  <a:rPr lang="en-US" altLang="zh-CN" dirty="0" smtClean="0"/>
+                  <a:t>PSNR=35.2610</a:t>
+                </a:r>
+                <a:r>
+                  <a:rPr lang="zh-CN" altLang="en-US" dirty="0" smtClean="0"/>
+                  <a:t>。（均匀量化器</a:t>
+                </a:r>
+                <a:r>
+                  <a:rPr lang="en-US" altLang="zh-CN" dirty="0" smtClean="0"/>
+                  <a:t>28.8881</a:t>
+                </a:r>
+                <a:r>
+                  <a:rPr lang="zh-CN" altLang="en-US" dirty="0" smtClean="0"/>
+                  <a:t>，非均匀量化器</a:t>
+                </a:r>
+                <a:r>
+                  <a:rPr lang="en-US" altLang="zh-CN" smtClean="0"/>
+                  <a:t>31.7578</a:t>
+                </a:r>
+                <a:r>
+                  <a:rPr lang="zh-CN" altLang="en-US" smtClean="0"/>
+                  <a:t>）</a:t>
                 </a:r>
                 <a:endParaRPr lang="en-US" altLang="zh-CN" dirty="0" smtClean="0"/>
               </a:p>
@@ -15230,10 +15645,14 @@
               </p:nvPr>
             </p:nvSpPr>
             <p:spPr>
+              <a:xfrm>
+                <a:off x="677334" y="2160589"/>
+                <a:ext cx="8596668" cy="4403984"/>
+              </a:xfrm>
               <a:blipFill>
                 <a:blip r:embed="rId2"/>
                 <a:stretch>
-                  <a:fillRect l="-142" t="-1099" r="-142"/>
+                  <a:fillRect l="-142" t="-1660" r="-142"/>
                 </a:stretch>
               </a:blipFill>
             </p:spPr>
@@ -15285,6 +15704,13 @@
   <p:clrMapOvr>
     <a:masterClrMapping/>
   </p:clrMapOvr>
+  <p:timing>
+    <p:tnLst>
+      <p:par>
+        <p:cTn id="1" dur="indefinite" restart="never" nodeType="tmRoot"/>
+      </p:par>
+    </p:tnLst>
+  </p:timing>
 </p:sld>
 </file>
 
@@ -18441,8 +18867,12 @@
           <a:lstStyle/>
           <a:p>
             <a:r>
+              <a:rPr lang="en-US" altLang="zh-CN" dirty="0" smtClean="0"/>
+              <a:t>JPEG/H.261 </a:t>
+            </a:r>
+            <a:r>
               <a:rPr lang="zh-CN" altLang="en-US" dirty="0" smtClean="0"/>
-              <a:t>均匀量化器</a:t>
+              <a:t>量化器</a:t>
             </a:r>
             <a:endParaRPr lang="zh-CN" altLang="en-US" dirty="0"/>
           </a:p>

--- a/展示报告.pptx
+++ b/展示报告.pptx
@@ -5,7 +5,7 @@
     <p:sldMasterId id="2147483660" r:id="rId1"/>
   </p:sldMasterIdLst>
   <p:notesMasterIdLst>
-    <p:notesMasterId r:id="rId27"/>
+    <p:notesMasterId r:id="rId29"/>
   </p:notesMasterIdLst>
   <p:sldIdLst>
     <p:sldId id="256" r:id="rId2"/>
@@ -26,13 +26,15 @@
     <p:sldId id="276" r:id="rId17"/>
     <p:sldId id="278" r:id="rId18"/>
     <p:sldId id="287" r:id="rId19"/>
-    <p:sldId id="279" r:id="rId20"/>
-    <p:sldId id="282" r:id="rId21"/>
-    <p:sldId id="280" r:id="rId22"/>
-    <p:sldId id="283" r:id="rId23"/>
-    <p:sldId id="281" r:id="rId24"/>
-    <p:sldId id="284" r:id="rId25"/>
-    <p:sldId id="285" r:id="rId26"/>
+    <p:sldId id="288" r:id="rId20"/>
+    <p:sldId id="289" r:id="rId21"/>
+    <p:sldId id="279" r:id="rId22"/>
+    <p:sldId id="282" r:id="rId23"/>
+    <p:sldId id="280" r:id="rId24"/>
+    <p:sldId id="283" r:id="rId25"/>
+    <p:sldId id="281" r:id="rId26"/>
+    <p:sldId id="284" r:id="rId27"/>
+    <p:sldId id="285" r:id="rId28"/>
   </p:sldIdLst>
   <p:sldSz cx="12192000" cy="6858000"/>
   <p:notesSz cx="6858000" cy="9144000"/>
@@ -4650,6 +4652,90 @@
 </p:notes>
 </file>
 
+<file path=ppt/notesSlides/notesSlide10.xml><?xml version="1.0" encoding="utf-8"?>
+<p:notes xmlns:a="http://schemas.openxmlformats.org/drawingml/2006/main" xmlns:r="http://schemas.openxmlformats.org/officeDocument/2006/relationships" xmlns:p="http://schemas.openxmlformats.org/presentationml/2006/main">
+  <p:cSld>
+    <p:spTree>
+      <p:nvGrpSpPr>
+        <p:cNvPr id="1" name=""/>
+        <p:cNvGrpSpPr/>
+        <p:nvPr/>
+      </p:nvGrpSpPr>
+      <p:grpSpPr>
+        <a:xfrm>
+          <a:off x="0" y="0"/>
+          <a:ext cx="0" cy="0"/>
+          <a:chOff x="0" y="0"/>
+          <a:chExt cx="0" cy="0"/>
+        </a:xfrm>
+      </p:grpSpPr>
+      <p:sp>
+        <p:nvSpPr>
+          <p:cNvPr id="2" name="幻灯片图像占位符 1"/>
+          <p:cNvSpPr>
+            <a:spLocks noGrp="1" noRot="1" noChangeAspect="1"/>
+          </p:cNvSpPr>
+          <p:nvPr>
+            <p:ph type="sldImg"/>
+          </p:nvPr>
+        </p:nvSpPr>
+        <p:spPr/>
+      </p:sp>
+      <p:sp>
+        <p:nvSpPr>
+          <p:cNvPr id="3" name="备注占位符 2"/>
+          <p:cNvSpPr>
+            <a:spLocks noGrp="1"/>
+          </p:cNvSpPr>
+          <p:nvPr>
+            <p:ph type="body" idx="1"/>
+          </p:nvPr>
+        </p:nvSpPr>
+        <p:spPr/>
+        <p:txBody>
+          <a:bodyPr/>
+          <a:lstStyle/>
+          <a:p>
+            <a:endParaRPr lang="zh-CN" altLang="en-US" dirty="0"/>
+          </a:p>
+        </p:txBody>
+      </p:sp>
+      <p:sp>
+        <p:nvSpPr>
+          <p:cNvPr id="4" name="灯片编号占位符 3"/>
+          <p:cNvSpPr>
+            <a:spLocks noGrp="1"/>
+          </p:cNvSpPr>
+          <p:nvPr>
+            <p:ph type="sldNum" sz="quarter" idx="10"/>
+          </p:nvPr>
+        </p:nvSpPr>
+        <p:spPr/>
+        <p:txBody>
+          <a:bodyPr/>
+          <a:lstStyle/>
+          <a:p>
+            <a:fld id="{AA939DFE-D595-40AF-886F-1BF791D9B48B}" type="slidenum">
+              <a:rPr lang="zh-CN" altLang="en-US" smtClean="0"/>
+              <a:t>27</a:t>
+            </a:fld>
+            <a:endParaRPr lang="zh-CN" altLang="en-US"/>
+          </a:p>
+        </p:txBody>
+      </p:sp>
+    </p:spTree>
+    <p:extLst>
+      <p:ext uri="{BB962C8B-B14F-4D97-AF65-F5344CB8AC3E}">
+        <p14:creationId xmlns:p14="http://schemas.microsoft.com/office/powerpoint/2010/main" val="222278286"/>
+      </p:ext>
+    </p:extLst>
+  </p:cSld>
+  <p:clrMapOvr>
+    <a:masterClrMapping/>
+  </p:clrMapOvr>
+</p:notes>
+</file>
+
 <file path=ppt/notesSlides/notesSlide2.xml><?xml version="1.0" encoding="utf-8"?>
 <p:notes xmlns:a="http://schemas.openxmlformats.org/drawingml/2006/main" xmlns:r="http://schemas.openxmlformats.org/officeDocument/2006/relationships" xmlns:p="http://schemas.openxmlformats.org/presentationml/2006/main">
   <p:cSld>
@@ -5361,7 +5447,7 @@
           <a:p>
             <a:fld id="{AA939DFE-D595-40AF-886F-1BF791D9B48B}" type="slidenum">
               <a:rPr lang="zh-CN" altLang="en-US" smtClean="0"/>
-              <a:t>25</a:t>
+              <a:t>19</a:t>
             </a:fld>
             <a:endParaRPr lang="zh-CN" altLang="en-US"/>
           </a:p>
@@ -5370,7 +5456,7 @@
     </p:spTree>
     <p:extLst>
       <p:ext uri="{BB962C8B-B14F-4D97-AF65-F5344CB8AC3E}">
-        <p14:creationId xmlns:p14="http://schemas.microsoft.com/office/powerpoint/2010/main" val="222278286"/>
+        <p14:creationId xmlns:p14="http://schemas.microsoft.com/office/powerpoint/2010/main" val="3897062050"/>
       </p:ext>
     </p:extLst>
   </p:cSld>
@@ -14604,7 +14690,7 @@
             </p:spPr>
             <p:txBody>
               <a:bodyPr>
-                <a:normAutofit lnSpcReduction="10000"/>
+                <a:normAutofit/>
               </a:bodyPr>
               <a:lstStyle/>
               <a:p>
@@ -15576,60 +15662,6 @@
                 </a14:m>
                 <a:endParaRPr lang="en-US" altLang="zh-CN" dirty="0" smtClean="0"/>
               </a:p>
-              <a:p>
-                <a:r>
-                  <a:rPr lang="zh-CN" altLang="en-US" dirty="0" smtClean="0"/>
-                  <a:t>当</a:t>
-                </a:r>
-                <a:r>
-                  <a:rPr lang="en-US" altLang="zh-CN" dirty="0" smtClean="0"/>
-                  <a:t>L=8</a:t>
-                </a:r>
-                <a:r>
-                  <a:rPr lang="zh-CN" altLang="en-US" dirty="0" smtClean="0"/>
-                  <a:t>时，我们得到一个可能的集合</a:t>
-                </a:r>
-                <a:r>
-                  <a:rPr lang="en-US" altLang="zh-CN" dirty="0"/>
-                  <a:t>:101    76   180   206    49   140   123   157</a:t>
-                </a:r>
-                <a:endParaRPr lang="en-US" altLang="zh-CN" dirty="0" smtClean="0"/>
-              </a:p>
-              <a:p>
-                <a:r>
-                  <a:rPr lang="zh-CN" altLang="en-US" dirty="0"/>
-                  <a:t>对应</a:t>
-                </a:r>
-                <a:r>
-                  <a:rPr lang="zh-CN" altLang="en-US" dirty="0" smtClean="0"/>
-                  <a:t>的</a:t>
-                </a:r>
-                <a:r>
-                  <a:rPr lang="en-US" altLang="zh-CN" dirty="0" smtClean="0"/>
-                  <a:t>PSNR=35.2610</a:t>
-                </a:r>
-                <a:r>
-                  <a:rPr lang="zh-CN" altLang="en-US" dirty="0" smtClean="0"/>
-                  <a:t>。（均匀量化器</a:t>
-                </a:r>
-                <a:r>
-                  <a:rPr lang="en-US" altLang="zh-CN" dirty="0" smtClean="0"/>
-                  <a:t>28.8881</a:t>
-                </a:r>
-                <a:r>
-                  <a:rPr lang="zh-CN" altLang="en-US" dirty="0" smtClean="0"/>
-                  <a:t>，非均匀量化器</a:t>
-                </a:r>
-                <a:r>
-                  <a:rPr lang="en-US" altLang="zh-CN" smtClean="0"/>
-                  <a:t>31.7578</a:t>
-                </a:r>
-                <a:r>
-                  <a:rPr lang="zh-CN" altLang="en-US" smtClean="0"/>
-                  <a:t>）</a:t>
-                </a:r>
-                <a:endParaRPr lang="en-US" altLang="zh-CN" dirty="0" smtClean="0"/>
-              </a:p>
             </p:txBody>
           </p:sp>
         </mc:Choice>
@@ -15652,7 +15684,7 @@
               <a:blipFill>
                 <a:blip r:embed="rId2"/>
                 <a:stretch>
-                  <a:fillRect l="-142" t="-1660" r="-142"/>
+                  <a:fillRect l="-142" t="-968" r="-213"/>
                 </a:stretch>
               </a:blipFill>
             </p:spPr>
@@ -15733,7 +15765,7 @@
       </p:grpSpPr>
       <p:sp>
         <p:nvSpPr>
-          <p:cNvPr id="8" name="标题 7"/>
+          <p:cNvPr id="2" name="标题 1"/>
           <p:cNvSpPr>
             <a:spLocks noGrp="1"/>
           </p:cNvSpPr>
@@ -15741,58 +15773,275 @@
             <p:ph type="title"/>
           </p:nvPr>
         </p:nvSpPr>
-        <p:spPr>
-          <a:xfrm>
-            <a:off x="677335" y="2030307"/>
-            <a:ext cx="8596668" cy="1826581"/>
-          </a:xfrm>
-        </p:spPr>
-        <p:txBody>
-          <a:bodyPr>
-            <a:normAutofit/>
-          </a:bodyPr>
+        <p:spPr/>
+        <p:txBody>
+          <a:bodyPr/>
           <a:lstStyle/>
           <a:p>
-            <a:pPr algn="ctr"/>
-            <a:r>
-              <a:rPr lang="zh-CN" altLang="en-US" sz="6600" dirty="0"/>
-              <a:t>二</a:t>
-            </a:r>
-            <a:r>
-              <a:rPr lang="zh-CN" altLang="en-US" sz="6600" dirty="0" smtClean="0"/>
-              <a:t>、熵编码</a:t>
-            </a:r>
-            <a:endParaRPr lang="zh-CN" altLang="en-US" sz="6600" dirty="0"/>
-          </a:p>
-        </p:txBody>
-      </p:sp>
-      <p:sp>
-        <p:nvSpPr>
-          <p:cNvPr id="9" name="文本占位符 8"/>
+            <a:r>
+              <a:rPr lang="zh-CN" altLang="en-US" dirty="0"/>
+              <a:t>基于</a:t>
+            </a:r>
+            <a:r>
+              <a:rPr lang="en-US" altLang="zh-CN" dirty="0"/>
+              <a:t>K-means</a:t>
+            </a:r>
+            <a:r>
+              <a:rPr lang="zh-CN" altLang="en-US" dirty="0"/>
+              <a:t>思想设计量化器</a:t>
+            </a:r>
+          </a:p>
+        </p:txBody>
+      </p:sp>
+      <p:sp>
+        <p:nvSpPr>
+          <p:cNvPr id="3" name="内容占位符 2"/>
           <p:cNvSpPr>
             <a:spLocks noGrp="1"/>
           </p:cNvSpPr>
           <p:nvPr>
-            <p:ph type="body" idx="1"/>
+            <p:ph idx="1"/>
           </p:nvPr>
         </p:nvSpPr>
         <p:spPr>
           <a:xfrm>
-            <a:off x="677335" y="4307992"/>
-            <a:ext cx="8596668" cy="860400"/>
+            <a:off x="677334" y="1696278"/>
+            <a:ext cx="8596668" cy="4956313"/>
           </a:xfrm>
         </p:spPr>
         <p:txBody>
-          <a:bodyPr/>
+          <a:bodyPr>
+            <a:normAutofit fontScale="92500" lnSpcReduction="10000"/>
+          </a:bodyPr>
           <a:lstStyle/>
           <a:p>
+            <a:r>
+              <a:rPr lang="zh-CN" altLang="en-US" dirty="0" smtClean="0"/>
+              <a:t>当</a:t>
+            </a:r>
+            <a:r>
+              <a:rPr lang="en-US" altLang="zh-CN" dirty="0" smtClean="0"/>
+              <a:t>L=32</a:t>
+            </a:r>
+            <a:r>
+              <a:rPr lang="zh-CN" altLang="en-US" dirty="0" smtClean="0"/>
+              <a:t>时，我们得到一个可能的集合</a:t>
+            </a:r>
+            <a:r>
+              <a:rPr lang="en-US" altLang="zh-CN" dirty="0" smtClean="0"/>
+              <a:t>:</a:t>
+            </a:r>
+            <a:r>
+              <a:rPr lang="en-US" altLang="zh-CN" dirty="0"/>
+              <a:t>0    84   138   164    99   208   189     0   145    91    39   153   198   107     0    63    47    71   114   132   121 216   127   224   159     0    54   174    77   170   181     0</a:t>
+            </a:r>
+          </a:p>
+          <a:p>
+            <a:r>
+              <a:rPr lang="zh-CN" altLang="en-US" dirty="0" smtClean="0"/>
+              <a:t>对应的</a:t>
+            </a:r>
+            <a:r>
+              <a:rPr lang="en-US" altLang="zh-CN" dirty="0" smtClean="0"/>
+              <a:t>PSNR=44.7596</a:t>
+            </a:r>
+            <a:r>
+              <a:rPr lang="zh-CN" altLang="en-US" dirty="0" smtClean="0"/>
+              <a:t>，编码后</a:t>
+            </a:r>
+            <a:r>
+              <a:rPr lang="en-US" altLang="zh-CN" dirty="0" smtClean="0"/>
+              <a:t>bit</a:t>
+            </a:r>
+            <a:r>
+              <a:rPr lang="zh-CN" altLang="en-US" dirty="0" smtClean="0"/>
+              <a:t>数</a:t>
+            </a:r>
+            <a:r>
+              <a:rPr lang="en-US" altLang="zh-CN" dirty="0" smtClean="0"/>
+              <a:t>75800</a:t>
+            </a:r>
+            <a:r>
+              <a:rPr lang="zh-CN" altLang="en-US" dirty="0" smtClean="0"/>
+              <a:t>。</a:t>
+            </a:r>
+            <a:endParaRPr lang="en-US" altLang="zh-CN" dirty="0" smtClean="0"/>
+          </a:p>
+          <a:p>
+            <a:endParaRPr lang="en-US" altLang="zh-CN" dirty="0" smtClean="0"/>
+          </a:p>
+          <a:p>
+            <a:r>
+              <a:rPr lang="zh-CN" altLang="en-US" dirty="0" smtClean="0"/>
+              <a:t>当</a:t>
+            </a:r>
+            <a:r>
+              <a:rPr lang="en-US" altLang="zh-CN" dirty="0" smtClean="0"/>
+              <a:t>L=16</a:t>
+            </a:r>
+            <a:r>
+              <a:rPr lang="zh-CN" altLang="en-US" dirty="0" smtClean="0"/>
+              <a:t>时，我们得到一个可能的集合</a:t>
+            </a:r>
+            <a:r>
+              <a:rPr lang="en-US" altLang="zh-CN" dirty="0" smtClean="0"/>
+              <a:t>:</a:t>
+            </a:r>
+            <a:r>
+              <a:rPr lang="en-US" altLang="zh-CN" dirty="0"/>
+              <a:t>175   102   191   130    88   220   211   142   161   151    52    74   117    62   202    43</a:t>
+            </a:r>
+          </a:p>
+          <a:p>
+            <a:r>
+              <a:rPr lang="zh-CN" altLang="en-US" dirty="0"/>
+              <a:t>对应</a:t>
+            </a:r>
+            <a:r>
+              <a:rPr lang="zh-CN" altLang="en-US" dirty="0" smtClean="0"/>
+              <a:t>的</a:t>
+            </a:r>
+            <a:r>
+              <a:rPr lang="en-US" altLang="zh-CN" dirty="0" smtClean="0"/>
+              <a:t>PSNR=39.8321</a:t>
+            </a:r>
+            <a:r>
+              <a:rPr lang="zh-CN" altLang="en-US" dirty="0" smtClean="0"/>
+              <a:t>，编码后</a:t>
+            </a:r>
+            <a:r>
+              <a:rPr lang="en-US" altLang="zh-CN" dirty="0" smtClean="0"/>
+              <a:t>bit</a:t>
+            </a:r>
+            <a:r>
+              <a:rPr lang="zh-CN" altLang="en-US" dirty="0" smtClean="0"/>
+              <a:t>数</a:t>
+            </a:r>
+            <a:r>
+              <a:rPr lang="en-US" altLang="zh-CN" dirty="0" smtClean="0"/>
+              <a:t>63812</a:t>
+            </a:r>
+          </a:p>
+          <a:p>
+            <a:endParaRPr lang="en-US" altLang="zh-CN" dirty="0"/>
+          </a:p>
+          <a:p>
+            <a:r>
+              <a:rPr lang="zh-CN" altLang="en-US" dirty="0" smtClean="0"/>
+              <a:t>当</a:t>
+            </a:r>
+            <a:r>
+              <a:rPr lang="en-US" altLang="zh-CN" dirty="0"/>
+              <a:t>L=8</a:t>
+            </a:r>
+            <a:r>
+              <a:rPr lang="zh-CN" altLang="en-US" dirty="0"/>
+              <a:t>时，我们得到一个可能的集合</a:t>
+            </a:r>
+            <a:r>
+              <a:rPr lang="en-US" altLang="zh-CN" dirty="0"/>
+              <a:t>:101    76   180   206    49   140   123   157</a:t>
+            </a:r>
+          </a:p>
+          <a:p>
+            <a:r>
+              <a:rPr lang="zh-CN" altLang="en-US" dirty="0"/>
+              <a:t>对应的</a:t>
+            </a:r>
+            <a:r>
+              <a:rPr lang="en-US" altLang="zh-CN" dirty="0"/>
+              <a:t>PSNR=35.2610</a:t>
+            </a:r>
+            <a:r>
+              <a:rPr lang="zh-CN" altLang="en-US" dirty="0"/>
+              <a:t>，编码后</a:t>
+            </a:r>
+            <a:r>
+              <a:rPr lang="en-US" altLang="zh-CN" dirty="0"/>
+              <a:t>bit</a:t>
+            </a:r>
+            <a:r>
+              <a:rPr lang="zh-CN" altLang="en-US" dirty="0"/>
+              <a:t>数</a:t>
+            </a:r>
+            <a:r>
+              <a:rPr lang="en-US" altLang="zh-CN" dirty="0"/>
+              <a:t>50498</a:t>
+            </a:r>
+            <a:r>
+              <a:rPr lang="zh-CN" altLang="en-US" dirty="0" smtClean="0"/>
+              <a:t>。</a:t>
+            </a:r>
+            <a:endParaRPr lang="en-US" altLang="zh-CN" dirty="0" smtClean="0"/>
+          </a:p>
+          <a:p>
+            <a:endParaRPr lang="en-US" altLang="zh-CN" dirty="0"/>
+          </a:p>
+          <a:p>
+            <a:r>
+              <a:rPr lang="zh-CN" altLang="en-US" dirty="0" smtClean="0"/>
+              <a:t>当</a:t>
+            </a:r>
+            <a:r>
+              <a:rPr lang="en-US" altLang="zh-CN" dirty="0" smtClean="0"/>
+              <a:t>L=4</a:t>
+            </a:r>
+            <a:r>
+              <a:rPr lang="zh-CN" altLang="en-US" dirty="0" smtClean="0"/>
+              <a:t>时，我们得到一个可能的集合</a:t>
+            </a:r>
+            <a:r>
+              <a:rPr lang="en-US" altLang="zh-CN" dirty="0"/>
+              <a:t>:102   145   192    </a:t>
+            </a:r>
+            <a:r>
+              <a:rPr lang="en-US" altLang="zh-CN" dirty="0" smtClean="0"/>
+              <a:t>54</a:t>
+            </a:r>
+          </a:p>
+          <a:p>
+            <a:r>
+              <a:rPr lang="zh-CN" altLang="en-US" dirty="0"/>
+              <a:t>对应</a:t>
+            </a:r>
+            <a:r>
+              <a:rPr lang="zh-CN" altLang="en-US" dirty="0" smtClean="0"/>
+              <a:t>的</a:t>
+            </a:r>
+            <a:r>
+              <a:rPr lang="en-US" altLang="zh-CN" dirty="0" smtClean="0"/>
+              <a:t>PSNR=30.2561,</a:t>
+            </a:r>
+            <a:r>
+              <a:rPr lang="zh-CN" altLang="en-US" dirty="0" smtClean="0"/>
+              <a:t>编码后</a:t>
+            </a:r>
+            <a:r>
+              <a:rPr lang="en-US" altLang="zh-CN" dirty="0" smtClean="0"/>
+              <a:t>bit</a:t>
+            </a:r>
+            <a:r>
+              <a:rPr lang="zh-CN" altLang="en-US" dirty="0" smtClean="0"/>
+              <a:t>数</a:t>
+            </a:r>
+            <a:r>
+              <a:rPr lang="en-US" altLang="zh-CN" dirty="0" smtClean="0"/>
+              <a:t>35590</a:t>
+            </a:r>
+            <a:r>
+              <a:rPr lang="zh-CN" altLang="en-US" dirty="0" smtClean="0"/>
+              <a:t>。</a:t>
+            </a:r>
+            <a:endParaRPr lang="en-US" altLang="zh-CN" dirty="0" smtClean="0"/>
+          </a:p>
+          <a:p>
             <a:endParaRPr lang="zh-CN" altLang="en-US" dirty="0"/>
           </a:p>
         </p:txBody>
       </p:sp>
       <p:sp>
         <p:nvSpPr>
-          <p:cNvPr id="2" name="灯片编号占位符 1"/>
+          <p:cNvPr id="4" name="灯片编号占位符 3"/>
           <p:cNvSpPr>
             <a:spLocks noGrp="1"/>
           </p:cNvSpPr>
@@ -15816,20 +16065,13 @@
     </p:spTree>
     <p:extLst>
       <p:ext uri="{BB962C8B-B14F-4D97-AF65-F5344CB8AC3E}">
-        <p14:creationId xmlns:p14="http://schemas.microsoft.com/office/powerpoint/2010/main" val="1473342038"/>
+        <p14:creationId xmlns:p14="http://schemas.microsoft.com/office/powerpoint/2010/main" val="151429639"/>
       </p:ext>
     </p:extLst>
   </p:cSld>
   <p:clrMapOvr>
     <a:masterClrMapping/>
   </p:clrMapOvr>
-  <p:timing>
-    <p:tnLst>
-      <p:par>
-        <p:cTn id="1" dur="indefinite" restart="never" nodeType="tmRoot"/>
-      </p:par>
-    </p:tnLst>
-  </p:timing>
 </p:sld>
 </file>
 
@@ -16055,7 +16297,7 @@
       </p:grpSpPr>
       <p:sp>
         <p:nvSpPr>
-          <p:cNvPr id="4" name="标题 3"/>
+          <p:cNvPr id="2" name="标题 1"/>
           <p:cNvSpPr>
             <a:spLocks noGrp="1"/>
           </p:cNvSpPr>
@@ -16068,13 +16310,24 @@
           <a:bodyPr/>
           <a:lstStyle/>
           <a:p>
-            <a:endParaRPr lang="zh-CN" altLang="en-US"/>
-          </a:p>
-        </p:txBody>
-      </p:sp>
-      <p:sp>
-        <p:nvSpPr>
-          <p:cNvPr id="5" name="内容占位符 4"/>
+            <a:r>
+              <a:rPr lang="zh-CN" altLang="en-US" dirty="0"/>
+              <a:t>基于</a:t>
+            </a:r>
+            <a:r>
+              <a:rPr lang="en-US" altLang="zh-CN" dirty="0"/>
+              <a:t>K-means</a:t>
+            </a:r>
+            <a:r>
+              <a:rPr lang="zh-CN" altLang="en-US" dirty="0"/>
+              <a:t>思想设计量化器</a:t>
+            </a:r>
+          </a:p>
+        </p:txBody>
+      </p:sp>
+      <p:sp>
+        <p:nvSpPr>
+          <p:cNvPr id="3" name="内容占位符 2"/>
           <p:cNvSpPr>
             <a:spLocks noGrp="1"/>
           </p:cNvSpPr>
@@ -16082,18 +16335,66 @@
             <p:ph idx="1"/>
           </p:nvPr>
         </p:nvSpPr>
-        <p:spPr/>
-        <p:txBody>
-          <a:bodyPr/>
+        <p:spPr>
+          <a:xfrm>
+            <a:off x="6145533" y="2160589"/>
+            <a:ext cx="3128469" cy="3880773"/>
+          </a:xfrm>
+        </p:spPr>
+        <p:txBody>
+          <a:bodyPr>
+            <a:normAutofit/>
+          </a:bodyPr>
           <a:lstStyle/>
           <a:p>
-            <a:endParaRPr lang="zh-CN" altLang="en-US"/>
-          </a:p>
-        </p:txBody>
-      </p:sp>
-      <p:sp>
-        <p:nvSpPr>
-          <p:cNvPr id="6" name="灯片编号占位符 5"/>
+            <a:r>
+              <a:rPr lang="zh-CN" altLang="en-US" dirty="0" smtClean="0"/>
+              <a:t>表中上方是均匀量化器与基于</a:t>
+            </a:r>
+            <a:r>
+              <a:rPr lang="en-US" altLang="zh-CN" dirty="0" smtClean="0"/>
+              <a:t>Lloyd-Max</a:t>
+            </a:r>
+            <a:r>
+              <a:rPr lang="zh-CN" altLang="en-US" dirty="0" smtClean="0"/>
+              <a:t>思想设计的非均匀量化器的比较，下方是均匀量化器与基于</a:t>
+            </a:r>
+            <a:r>
+              <a:rPr lang="en-US" altLang="zh-CN" dirty="0" smtClean="0"/>
+              <a:t>K-means</a:t>
+            </a:r>
+            <a:r>
+              <a:rPr lang="zh-CN" altLang="en-US" dirty="0" smtClean="0"/>
+              <a:t>思想设计的非均匀量化器的比较</a:t>
+            </a:r>
+            <a:endParaRPr lang="en-US" altLang="zh-CN" dirty="0" smtClean="0"/>
+          </a:p>
+          <a:p>
+            <a:pPr marL="0" indent="0">
+              <a:buNone/>
+            </a:pPr>
+            <a:endParaRPr lang="en-US" altLang="zh-CN" dirty="0"/>
+          </a:p>
+          <a:p>
+            <a:r>
+              <a:rPr lang="zh-CN" altLang="en-US" dirty="0" smtClean="0"/>
+              <a:t>图中红线是基于</a:t>
+            </a:r>
+            <a:r>
+              <a:rPr lang="en-US" altLang="zh-CN" dirty="0" smtClean="0"/>
+              <a:t>K-means</a:t>
+            </a:r>
+            <a:r>
+              <a:rPr lang="zh-CN" altLang="en-US" dirty="0" smtClean="0"/>
+              <a:t>思想设计的非均匀量化器，黑线是均匀量化器</a:t>
+            </a:r>
+            <a:endParaRPr lang="zh-CN" altLang="en-US" dirty="0"/>
+          </a:p>
+        </p:txBody>
+      </p:sp>
+      <p:sp>
+        <p:nvSpPr>
+          <p:cNvPr id="4" name="灯片编号占位符 3"/>
           <p:cNvSpPr>
             <a:spLocks noGrp="1"/>
           </p:cNvSpPr>
@@ -16114,23 +16415,1347 @@
           </a:p>
         </p:txBody>
       </p:sp>
+      <p:graphicFrame>
+        <p:nvGraphicFramePr>
+          <p:cNvPr id="5" name="表格 4"/>
+          <p:cNvGraphicFramePr>
+            <a:graphicFrameLocks noGrp="1"/>
+          </p:cNvGraphicFramePr>
+          <p:nvPr>
+            <p:extLst>
+              <p:ext uri="{D42A27DB-BD31-4B8C-83A1-F6EECF244321}">
+                <p14:modId xmlns:p14="http://schemas.microsoft.com/office/powerpoint/2010/main" val="2684060874"/>
+              </p:ext>
+            </p:extLst>
+          </p:nvPr>
+        </p:nvGraphicFramePr>
+        <p:xfrm>
+          <a:off x="677334" y="1431722"/>
+          <a:ext cx="5324933" cy="1802190"/>
+        </p:xfrm>
+        <a:graphic>
+          <a:graphicData uri="http://schemas.openxmlformats.org/drawingml/2006/table">
+            <a:tbl>
+              <a:tblPr>
+                <a:tableStyleId>{5C22544A-7EE6-4342-B048-85BDC9FD1C3A}</a:tableStyleId>
+              </a:tblPr>
+              <a:tblGrid>
+                <a:gridCol w="946915">
+                  <a:extLst>
+                    <a:ext uri="{9D8B030D-6E8A-4147-A177-3AD203B41FA5}">
+                      <a16:colId xmlns:a16="http://schemas.microsoft.com/office/drawing/2014/main" val="2311970963"/>
+                    </a:ext>
+                  </a:extLst>
+                </a:gridCol>
+                <a:gridCol w="1005366">
+                  <a:extLst>
+                    <a:ext uri="{9D8B030D-6E8A-4147-A177-3AD203B41FA5}">
+                      <a16:colId xmlns:a16="http://schemas.microsoft.com/office/drawing/2014/main" val="2117410393"/>
+                    </a:ext>
+                  </a:extLst>
+                </a:gridCol>
+                <a:gridCol w="1005366">
+                  <a:extLst>
+                    <a:ext uri="{9D8B030D-6E8A-4147-A177-3AD203B41FA5}">
+                      <a16:colId xmlns:a16="http://schemas.microsoft.com/office/drawing/2014/main" val="3674951930"/>
+                    </a:ext>
+                  </a:extLst>
+                </a:gridCol>
+                <a:gridCol w="1078430">
+                  <a:extLst>
+                    <a:ext uri="{9D8B030D-6E8A-4147-A177-3AD203B41FA5}">
+                      <a16:colId xmlns:a16="http://schemas.microsoft.com/office/drawing/2014/main" val="47625740"/>
+                    </a:ext>
+                  </a:extLst>
+                </a:gridCol>
+                <a:gridCol w="1288856">
+                  <a:extLst>
+                    <a:ext uri="{9D8B030D-6E8A-4147-A177-3AD203B41FA5}">
+                      <a16:colId xmlns:a16="http://schemas.microsoft.com/office/drawing/2014/main" val="138887147"/>
+                    </a:ext>
+                  </a:extLst>
+                </a:gridCol>
+              </a:tblGrid>
+              <a:tr h="161735">
+                <a:tc gridSpan="2">
+                  <a:txBody>
+                    <a:bodyPr/>
+                    <a:lstStyle/>
+                    <a:p>
+                      <a:pPr algn="ctr" fontAlgn="b"/>
+                      <a:r>
+                        <a:rPr lang="en-US" sz="900" u="none" strike="noStrike">
+                          <a:effectLst/>
+                        </a:rPr>
+                        <a:t>Anchor</a:t>
+                      </a:r>
+                      <a:endParaRPr lang="en-US" sz="900" b="1" i="0" u="none" strike="noStrike">
+                        <a:solidFill>
+                          <a:srgbClr val="000000"/>
+                        </a:solidFill>
+                        <a:effectLst/>
+                        <a:latin typeface="Arial" panose="020B0604020202020204" pitchFamily="34" charset="0"/>
+                        <a:ea typeface="宋体" panose="02010600030101010101" pitchFamily="2" charset="-122"/>
+                      </a:endParaRPr>
+                    </a:p>
+                  </a:txBody>
+                  <a:tcPr marL="9525" marR="9525" marT="9525" marB="0" anchor="b"/>
+                </a:tc>
+                <a:tc hMerge="1">
+                  <a:txBody>
+                    <a:bodyPr/>
+                    <a:lstStyle/>
+                    <a:p>
+                      <a:endParaRPr lang="zh-CN" altLang="en-US"/>
+                    </a:p>
+                  </a:txBody>
+                  <a:tcPr/>
+                </a:tc>
+                <a:tc gridSpan="2">
+                  <a:txBody>
+                    <a:bodyPr/>
+                    <a:lstStyle/>
+                    <a:p>
+                      <a:pPr algn="ctr" fontAlgn="b"/>
+                      <a:r>
+                        <a:rPr lang="en-US" sz="900" u="none" strike="noStrike">
+                          <a:effectLst/>
+                        </a:rPr>
+                        <a:t>Proposed</a:t>
+                      </a:r>
+                      <a:endParaRPr lang="en-US" sz="900" b="1" i="0" u="none" strike="noStrike">
+                        <a:solidFill>
+                          <a:srgbClr val="000000"/>
+                        </a:solidFill>
+                        <a:effectLst/>
+                        <a:latin typeface="Arial" panose="020B0604020202020204" pitchFamily="34" charset="0"/>
+                        <a:ea typeface="宋体" panose="02010600030101010101" pitchFamily="2" charset="-122"/>
+                      </a:endParaRPr>
+                    </a:p>
+                  </a:txBody>
+                  <a:tcPr marL="9525" marR="9525" marT="9525" marB="0" anchor="b"/>
+                </a:tc>
+                <a:tc hMerge="1">
+                  <a:txBody>
+                    <a:bodyPr/>
+                    <a:lstStyle/>
+                    <a:p>
+                      <a:endParaRPr lang="zh-CN" altLang="en-US"/>
+                    </a:p>
+                  </a:txBody>
+                  <a:tcPr/>
+                </a:tc>
+                <a:tc>
+                  <a:txBody>
+                    <a:bodyPr/>
+                    <a:lstStyle/>
+                    <a:p>
+                      <a:pPr algn="ctr" fontAlgn="b"/>
+                      <a:r>
+                        <a:rPr lang="zh-CN" altLang="en-US" sz="900" u="none" strike="noStrike" dirty="0">
+                          <a:effectLst/>
+                        </a:rPr>
+                        <a:t>　</a:t>
+                      </a:r>
+                      <a:endParaRPr lang="zh-CN" altLang="en-US" sz="900" b="1" i="0" u="none" strike="noStrike" dirty="0">
+                        <a:solidFill>
+                          <a:srgbClr val="000000"/>
+                        </a:solidFill>
+                        <a:effectLst/>
+                        <a:latin typeface="Arial" panose="020B0604020202020204" pitchFamily="34" charset="0"/>
+                        <a:ea typeface="宋体" panose="02010600030101010101" pitchFamily="2" charset="-122"/>
+                      </a:endParaRPr>
+                    </a:p>
+                  </a:txBody>
+                  <a:tcPr marL="9525" marR="9525" marT="9525" marB="0" anchor="b"/>
+                </a:tc>
+                <a:extLst>
+                  <a:ext uri="{0D108BD9-81ED-4DB2-BD59-A6C34878D82A}">
+                    <a16:rowId xmlns:a16="http://schemas.microsoft.com/office/drawing/2014/main" val="2237229667"/>
+                  </a:ext>
+                </a:extLst>
+              </a:tr>
+              <a:tr h="161735">
+                <a:tc>
+                  <a:txBody>
+                    <a:bodyPr/>
+                    <a:lstStyle/>
+                    <a:p>
+                      <a:pPr algn="ctr" fontAlgn="b"/>
+                      <a:r>
+                        <a:rPr lang="en-US" sz="900" u="none" strike="noStrike">
+                          <a:effectLst/>
+                        </a:rPr>
+                        <a:t>Bitrate(kbps)</a:t>
+                      </a:r>
+                      <a:endParaRPr lang="en-US" sz="900" b="0" i="0" u="none" strike="noStrike">
+                        <a:solidFill>
+                          <a:srgbClr val="000000"/>
+                        </a:solidFill>
+                        <a:effectLst/>
+                        <a:latin typeface="Arial" panose="020B0604020202020204" pitchFamily="34" charset="0"/>
+                        <a:ea typeface="宋体" panose="02010600030101010101" pitchFamily="2" charset="-122"/>
+                      </a:endParaRPr>
+                    </a:p>
+                  </a:txBody>
+                  <a:tcPr marL="9525" marR="9525" marT="9525" marB="0" anchor="b"/>
+                </a:tc>
+                <a:tc>
+                  <a:txBody>
+                    <a:bodyPr/>
+                    <a:lstStyle/>
+                    <a:p>
+                      <a:pPr algn="ctr" fontAlgn="b"/>
+                      <a:r>
+                        <a:rPr lang="en-US" sz="900" u="none" strike="noStrike">
+                          <a:effectLst/>
+                        </a:rPr>
+                        <a:t>psnr</a:t>
+                      </a:r>
+                      <a:endParaRPr lang="en-US" sz="900" b="0" i="0" u="none" strike="noStrike">
+                        <a:solidFill>
+                          <a:srgbClr val="000000"/>
+                        </a:solidFill>
+                        <a:effectLst/>
+                        <a:latin typeface="Arial" panose="020B0604020202020204" pitchFamily="34" charset="0"/>
+                        <a:ea typeface="宋体" panose="02010600030101010101" pitchFamily="2" charset="-122"/>
+                      </a:endParaRPr>
+                    </a:p>
+                  </a:txBody>
+                  <a:tcPr marL="9525" marR="9525" marT="9525" marB="0" anchor="b"/>
+                </a:tc>
+                <a:tc>
+                  <a:txBody>
+                    <a:bodyPr/>
+                    <a:lstStyle/>
+                    <a:p>
+                      <a:pPr algn="ctr" fontAlgn="b"/>
+                      <a:r>
+                        <a:rPr lang="en-US" sz="900" u="none" strike="noStrike" dirty="0">
+                          <a:effectLst/>
+                        </a:rPr>
+                        <a:t>Bitrate(kbps)</a:t>
+                      </a:r>
+                      <a:endParaRPr lang="en-US" sz="900" b="0" i="0" u="none" strike="noStrike" dirty="0">
+                        <a:solidFill>
+                          <a:srgbClr val="000000"/>
+                        </a:solidFill>
+                        <a:effectLst/>
+                        <a:latin typeface="Arial" panose="020B0604020202020204" pitchFamily="34" charset="0"/>
+                        <a:ea typeface="宋体" panose="02010600030101010101" pitchFamily="2" charset="-122"/>
+                      </a:endParaRPr>
+                    </a:p>
+                  </a:txBody>
+                  <a:tcPr marL="9525" marR="9525" marT="9525" marB="0" anchor="b"/>
+                </a:tc>
+                <a:tc>
+                  <a:txBody>
+                    <a:bodyPr/>
+                    <a:lstStyle/>
+                    <a:p>
+                      <a:pPr algn="ctr" fontAlgn="b"/>
+                      <a:r>
+                        <a:rPr lang="en-US" sz="900" u="none" strike="noStrike">
+                          <a:effectLst/>
+                        </a:rPr>
+                        <a:t>psnr</a:t>
+                      </a:r>
+                      <a:endParaRPr lang="en-US" sz="900" b="0" i="0" u="none" strike="noStrike">
+                        <a:solidFill>
+                          <a:srgbClr val="000000"/>
+                        </a:solidFill>
+                        <a:effectLst/>
+                        <a:latin typeface="Arial" panose="020B0604020202020204" pitchFamily="34" charset="0"/>
+                        <a:ea typeface="宋体" panose="02010600030101010101" pitchFamily="2" charset="-122"/>
+                      </a:endParaRPr>
+                    </a:p>
+                  </a:txBody>
+                  <a:tcPr marL="9525" marR="9525" marT="9525" marB="0" anchor="b"/>
+                </a:tc>
+                <a:tc>
+                  <a:txBody>
+                    <a:bodyPr/>
+                    <a:lstStyle/>
+                    <a:p>
+                      <a:pPr algn="ctr" fontAlgn="b"/>
+                      <a:r>
+                        <a:rPr lang="en-US" sz="900" u="none" strike="noStrike">
+                          <a:effectLst/>
+                        </a:rPr>
+                        <a:t>BD-rate(%)</a:t>
+                      </a:r>
+                      <a:endParaRPr lang="en-US" sz="900" b="0" i="0" u="none" strike="noStrike">
+                        <a:solidFill>
+                          <a:srgbClr val="000000"/>
+                        </a:solidFill>
+                        <a:effectLst/>
+                        <a:latin typeface="Arial" panose="020B0604020202020204" pitchFamily="34" charset="0"/>
+                        <a:ea typeface="宋体" panose="02010600030101010101" pitchFamily="2" charset="-122"/>
+                      </a:endParaRPr>
+                    </a:p>
+                  </a:txBody>
+                  <a:tcPr marL="9525" marR="9525" marT="9525" marB="0" anchor="b"/>
+                </a:tc>
+                <a:extLst>
+                  <a:ext uri="{0D108BD9-81ED-4DB2-BD59-A6C34878D82A}">
+                    <a16:rowId xmlns:a16="http://schemas.microsoft.com/office/drawing/2014/main" val="2069755229"/>
+                  </a:ext>
+                </a:extLst>
+              </a:tr>
+              <a:tr h="184840">
+                <a:tc>
+                  <a:txBody>
+                    <a:bodyPr/>
+                    <a:lstStyle/>
+                    <a:p>
+                      <a:pPr algn="r" rtl="0" fontAlgn="b"/>
+                      <a:r>
+                        <a:rPr lang="en-US" altLang="zh-CN" sz="900" u="none" strike="noStrike">
+                          <a:effectLst/>
+                        </a:rPr>
+                        <a:t>73235</a:t>
+                      </a:r>
+                      <a:endParaRPr lang="en-US" altLang="zh-CN" sz="900" b="0" i="0" u="none" strike="noStrike">
+                        <a:solidFill>
+                          <a:srgbClr val="000000"/>
+                        </a:solidFill>
+                        <a:effectLst/>
+                        <a:latin typeface="Trebuchet MS" panose="020B0603020202020204" pitchFamily="34" charset="0"/>
+                        <a:ea typeface="宋体" panose="02010600030101010101" pitchFamily="2" charset="-122"/>
+                      </a:endParaRPr>
+                    </a:p>
+                  </a:txBody>
+                  <a:tcPr marL="9525" marR="9525" marT="9525" marB="0" anchor="b"/>
+                </a:tc>
+                <a:tc>
+                  <a:txBody>
+                    <a:bodyPr/>
+                    <a:lstStyle/>
+                    <a:p>
+                      <a:pPr algn="r" rtl="0" fontAlgn="b"/>
+                      <a:r>
+                        <a:rPr lang="en-US" altLang="zh-CN" sz="900" u="none" strike="noStrike">
+                          <a:effectLst/>
+                        </a:rPr>
+                        <a:t>40.7585</a:t>
+                      </a:r>
+                      <a:endParaRPr lang="en-US" altLang="zh-CN" sz="900" b="0" i="0" u="none" strike="noStrike">
+                        <a:solidFill>
+                          <a:srgbClr val="000000"/>
+                        </a:solidFill>
+                        <a:effectLst/>
+                        <a:latin typeface="Trebuchet MS" panose="020B0603020202020204" pitchFamily="34" charset="0"/>
+                        <a:ea typeface="宋体" panose="02010600030101010101" pitchFamily="2" charset="-122"/>
+                      </a:endParaRPr>
+                    </a:p>
+                  </a:txBody>
+                  <a:tcPr marL="9525" marR="9525" marT="9525" marB="0" anchor="b"/>
+                </a:tc>
+                <a:tc>
+                  <a:txBody>
+                    <a:bodyPr/>
+                    <a:lstStyle/>
+                    <a:p>
+                      <a:pPr algn="r" rtl="0" fontAlgn="b"/>
+                      <a:r>
+                        <a:rPr lang="en-US" altLang="zh-CN" sz="900" u="none" strike="noStrike">
+                          <a:effectLst/>
+                        </a:rPr>
+                        <a:t>78233</a:t>
+                      </a:r>
+                      <a:endParaRPr lang="en-US" altLang="zh-CN" sz="900" b="0" i="0" u="none" strike="noStrike">
+                        <a:solidFill>
+                          <a:srgbClr val="000000"/>
+                        </a:solidFill>
+                        <a:effectLst/>
+                        <a:latin typeface="Trebuchet MS" panose="020B0603020202020204" pitchFamily="34" charset="0"/>
+                        <a:ea typeface="宋体" panose="02010600030101010101" pitchFamily="2" charset="-122"/>
+                      </a:endParaRPr>
+                    </a:p>
+                  </a:txBody>
+                  <a:tcPr marL="9525" marR="9525" marT="9525" marB="0" anchor="b"/>
+                </a:tc>
+                <a:tc>
+                  <a:txBody>
+                    <a:bodyPr/>
+                    <a:lstStyle/>
+                    <a:p>
+                      <a:pPr algn="r" rtl="0" fontAlgn="b"/>
+                      <a:r>
+                        <a:rPr lang="en-US" altLang="zh-CN" sz="900" u="none" strike="noStrike" dirty="0">
+                          <a:effectLst/>
+                        </a:rPr>
+                        <a:t>41.0444</a:t>
+                      </a:r>
+                      <a:endParaRPr lang="en-US" altLang="zh-CN" sz="900" b="0" i="0" u="none" strike="noStrike" dirty="0">
+                        <a:solidFill>
+                          <a:srgbClr val="000000"/>
+                        </a:solidFill>
+                        <a:effectLst/>
+                        <a:latin typeface="Trebuchet MS" panose="020B0603020202020204" pitchFamily="34" charset="0"/>
+                        <a:ea typeface="宋体" panose="02010600030101010101" pitchFamily="2" charset="-122"/>
+                      </a:endParaRPr>
+                    </a:p>
+                  </a:txBody>
+                  <a:tcPr marL="9525" marR="9525" marT="9525" marB="0" anchor="b"/>
+                </a:tc>
+                <a:tc>
+                  <a:txBody>
+                    <a:bodyPr/>
+                    <a:lstStyle/>
+                    <a:p>
+                      <a:pPr algn="ctr" fontAlgn="b"/>
+                      <a:r>
+                        <a:rPr lang="en-US" altLang="zh-CN" sz="900" u="none" strike="noStrike">
+                          <a:effectLst/>
+                        </a:rPr>
+                        <a:t>-2.4%</a:t>
+                      </a:r>
+                      <a:endParaRPr lang="en-US" altLang="zh-CN" sz="900" b="0" i="0" u="none" strike="noStrike">
+                        <a:solidFill>
+                          <a:srgbClr val="000000"/>
+                        </a:solidFill>
+                        <a:effectLst/>
+                        <a:latin typeface="Arial" panose="020B0604020202020204" pitchFamily="34" charset="0"/>
+                        <a:ea typeface="宋体" panose="02010600030101010101" pitchFamily="2" charset="-122"/>
+                      </a:endParaRPr>
+                    </a:p>
+                  </a:txBody>
+                  <a:tcPr marL="9525" marR="9525" marT="9525" marB="0" anchor="b"/>
+                </a:tc>
+                <a:extLst>
+                  <a:ext uri="{0D108BD9-81ED-4DB2-BD59-A6C34878D82A}">
+                    <a16:rowId xmlns:a16="http://schemas.microsoft.com/office/drawing/2014/main" val="553602053"/>
+                  </a:ext>
+                </a:extLst>
+              </a:tr>
+              <a:tr h="184840">
+                <a:tc>
+                  <a:txBody>
+                    <a:bodyPr/>
+                    <a:lstStyle/>
+                    <a:p>
+                      <a:pPr algn="r" rtl="0" fontAlgn="b"/>
+                      <a:r>
+                        <a:rPr lang="en-US" altLang="zh-CN" sz="900" u="none" strike="noStrike">
+                          <a:effectLst/>
+                        </a:rPr>
+                        <a:t>57901</a:t>
+                      </a:r>
+                      <a:endParaRPr lang="en-US" altLang="zh-CN" sz="900" b="0" i="0" u="none" strike="noStrike">
+                        <a:solidFill>
+                          <a:srgbClr val="000000"/>
+                        </a:solidFill>
+                        <a:effectLst/>
+                        <a:latin typeface="Trebuchet MS" panose="020B0603020202020204" pitchFamily="34" charset="0"/>
+                        <a:ea typeface="宋体" panose="02010600030101010101" pitchFamily="2" charset="-122"/>
+                      </a:endParaRPr>
+                    </a:p>
+                  </a:txBody>
+                  <a:tcPr marL="9525" marR="9525" marT="9525" marB="0" anchor="b"/>
+                </a:tc>
+                <a:tc>
+                  <a:txBody>
+                    <a:bodyPr/>
+                    <a:lstStyle/>
+                    <a:p>
+                      <a:pPr algn="r" rtl="0" fontAlgn="b"/>
+                      <a:r>
+                        <a:rPr lang="en-US" altLang="zh-CN" sz="900" u="none" strike="noStrike">
+                          <a:effectLst/>
+                        </a:rPr>
+                        <a:t>34.6671</a:t>
+                      </a:r>
+                      <a:endParaRPr lang="en-US" altLang="zh-CN" sz="900" b="0" i="0" u="none" strike="noStrike">
+                        <a:solidFill>
+                          <a:srgbClr val="000000"/>
+                        </a:solidFill>
+                        <a:effectLst/>
+                        <a:latin typeface="Trebuchet MS" panose="020B0603020202020204" pitchFamily="34" charset="0"/>
+                        <a:ea typeface="宋体" panose="02010600030101010101" pitchFamily="2" charset="-122"/>
+                      </a:endParaRPr>
+                    </a:p>
+                  </a:txBody>
+                  <a:tcPr marL="9525" marR="9525" marT="9525" marB="0" anchor="b"/>
+                </a:tc>
+                <a:tc>
+                  <a:txBody>
+                    <a:bodyPr/>
+                    <a:lstStyle/>
+                    <a:p>
+                      <a:pPr algn="r" rtl="0" fontAlgn="b"/>
+                      <a:r>
+                        <a:rPr lang="en-US" altLang="zh-CN" sz="900" u="none" strike="noStrike">
+                          <a:effectLst/>
+                        </a:rPr>
+                        <a:t>63446</a:t>
+                      </a:r>
+                      <a:endParaRPr lang="en-US" altLang="zh-CN" sz="900" b="0" i="0" u="none" strike="noStrike">
+                        <a:solidFill>
+                          <a:srgbClr val="000000"/>
+                        </a:solidFill>
+                        <a:effectLst/>
+                        <a:latin typeface="Trebuchet MS" panose="020B0603020202020204" pitchFamily="34" charset="0"/>
+                        <a:ea typeface="宋体" panose="02010600030101010101" pitchFamily="2" charset="-122"/>
+                      </a:endParaRPr>
+                    </a:p>
+                  </a:txBody>
+                  <a:tcPr marL="9525" marR="9525" marT="9525" marB="0" anchor="b"/>
+                </a:tc>
+                <a:tc>
+                  <a:txBody>
+                    <a:bodyPr/>
+                    <a:lstStyle/>
+                    <a:p>
+                      <a:pPr algn="r" rtl="0" fontAlgn="b"/>
+                      <a:r>
+                        <a:rPr lang="en-US" altLang="zh-CN" sz="900" u="none" strike="noStrike">
+                          <a:effectLst/>
+                        </a:rPr>
+                        <a:t>36.8405</a:t>
+                      </a:r>
+                      <a:endParaRPr lang="en-US" altLang="zh-CN" sz="900" b="0" i="0" u="none" strike="noStrike">
+                        <a:solidFill>
+                          <a:srgbClr val="000000"/>
+                        </a:solidFill>
+                        <a:effectLst/>
+                        <a:latin typeface="Trebuchet MS" panose="020B0603020202020204" pitchFamily="34" charset="0"/>
+                        <a:ea typeface="宋体" panose="02010600030101010101" pitchFamily="2" charset="-122"/>
+                      </a:endParaRPr>
+                    </a:p>
+                  </a:txBody>
+                  <a:tcPr marL="9525" marR="9525" marT="9525" marB="0" anchor="b"/>
+                </a:tc>
+                <a:tc>
+                  <a:txBody>
+                    <a:bodyPr/>
+                    <a:lstStyle/>
+                    <a:p>
+                      <a:pPr algn="l" fontAlgn="b"/>
+                      <a:r>
+                        <a:rPr lang="zh-CN" altLang="en-US" sz="900" u="none" strike="noStrike">
+                          <a:effectLst/>
+                        </a:rPr>
+                        <a:t>　</a:t>
+                      </a:r>
+                      <a:endParaRPr lang="zh-CN" altLang="en-US" sz="900" b="0" i="0" u="none" strike="noStrike">
+                        <a:solidFill>
+                          <a:srgbClr val="000000"/>
+                        </a:solidFill>
+                        <a:effectLst/>
+                        <a:latin typeface="Arial" panose="020B0604020202020204" pitchFamily="34" charset="0"/>
+                        <a:ea typeface="宋体" panose="02010600030101010101" pitchFamily="2" charset="-122"/>
+                      </a:endParaRPr>
+                    </a:p>
+                  </a:txBody>
+                  <a:tcPr marL="9525" marR="9525" marT="9525" marB="0" anchor="b"/>
+                </a:tc>
+                <a:extLst>
+                  <a:ext uri="{0D108BD9-81ED-4DB2-BD59-A6C34878D82A}">
+                    <a16:rowId xmlns:a16="http://schemas.microsoft.com/office/drawing/2014/main" val="3152500946"/>
+                  </a:ext>
+                </a:extLst>
+              </a:tr>
+              <a:tr h="184840">
+                <a:tc>
+                  <a:txBody>
+                    <a:bodyPr/>
+                    <a:lstStyle/>
+                    <a:p>
+                      <a:pPr algn="r" rtl="0" fontAlgn="b"/>
+                      <a:r>
+                        <a:rPr lang="en-US" altLang="zh-CN" sz="900" u="none" strike="noStrike">
+                          <a:effectLst/>
+                        </a:rPr>
+                        <a:t>42585</a:t>
+                      </a:r>
+                      <a:endParaRPr lang="en-US" altLang="zh-CN" sz="900" b="0" i="0" u="none" strike="noStrike">
+                        <a:solidFill>
+                          <a:srgbClr val="000000"/>
+                        </a:solidFill>
+                        <a:effectLst/>
+                        <a:latin typeface="Trebuchet MS" panose="020B0603020202020204" pitchFamily="34" charset="0"/>
+                        <a:ea typeface="宋体" panose="02010600030101010101" pitchFamily="2" charset="-122"/>
+                      </a:endParaRPr>
+                    </a:p>
+                  </a:txBody>
+                  <a:tcPr marL="9525" marR="9525" marT="9525" marB="0" anchor="b"/>
+                </a:tc>
+                <a:tc>
+                  <a:txBody>
+                    <a:bodyPr/>
+                    <a:lstStyle/>
+                    <a:p>
+                      <a:pPr algn="r" rtl="0" fontAlgn="b"/>
+                      <a:r>
+                        <a:rPr lang="en-US" altLang="zh-CN" sz="900" u="none" strike="noStrike">
+                          <a:effectLst/>
+                        </a:rPr>
+                        <a:t>28.8881</a:t>
+                      </a:r>
+                      <a:endParaRPr lang="en-US" altLang="zh-CN" sz="900" b="0" i="0" u="none" strike="noStrike">
+                        <a:solidFill>
+                          <a:srgbClr val="000000"/>
+                        </a:solidFill>
+                        <a:effectLst/>
+                        <a:latin typeface="Trebuchet MS" panose="020B0603020202020204" pitchFamily="34" charset="0"/>
+                        <a:ea typeface="宋体" panose="02010600030101010101" pitchFamily="2" charset="-122"/>
+                      </a:endParaRPr>
+                    </a:p>
+                  </a:txBody>
+                  <a:tcPr marL="9525" marR="9525" marT="9525" marB="0" anchor="b"/>
+                </a:tc>
+                <a:tc>
+                  <a:txBody>
+                    <a:bodyPr/>
+                    <a:lstStyle/>
+                    <a:p>
+                      <a:pPr algn="r" rtl="0" fontAlgn="b"/>
+                      <a:r>
+                        <a:rPr lang="en-US" altLang="zh-CN" sz="900" u="none" strike="noStrike">
+                          <a:effectLst/>
+                        </a:rPr>
+                        <a:t>48343</a:t>
+                      </a:r>
+                      <a:endParaRPr lang="en-US" altLang="zh-CN" sz="900" b="0" i="0" u="none" strike="noStrike">
+                        <a:solidFill>
+                          <a:srgbClr val="000000"/>
+                        </a:solidFill>
+                        <a:effectLst/>
+                        <a:latin typeface="Trebuchet MS" panose="020B0603020202020204" pitchFamily="34" charset="0"/>
+                        <a:ea typeface="宋体" panose="02010600030101010101" pitchFamily="2" charset="-122"/>
+                      </a:endParaRPr>
+                    </a:p>
+                  </a:txBody>
+                  <a:tcPr marL="9525" marR="9525" marT="9525" marB="0" anchor="b"/>
+                </a:tc>
+                <a:tc>
+                  <a:txBody>
+                    <a:bodyPr/>
+                    <a:lstStyle/>
+                    <a:p>
+                      <a:pPr algn="r" rtl="0" fontAlgn="b"/>
+                      <a:r>
+                        <a:rPr lang="en-US" altLang="zh-CN" sz="900" u="none" strike="noStrike">
+                          <a:effectLst/>
+                        </a:rPr>
+                        <a:t>31.7578</a:t>
+                      </a:r>
+                      <a:endParaRPr lang="en-US" altLang="zh-CN" sz="900" b="0" i="0" u="none" strike="noStrike">
+                        <a:solidFill>
+                          <a:srgbClr val="000000"/>
+                        </a:solidFill>
+                        <a:effectLst/>
+                        <a:latin typeface="Trebuchet MS" panose="020B0603020202020204" pitchFamily="34" charset="0"/>
+                        <a:ea typeface="宋体" panose="02010600030101010101" pitchFamily="2" charset="-122"/>
+                      </a:endParaRPr>
+                    </a:p>
+                  </a:txBody>
+                  <a:tcPr marL="9525" marR="9525" marT="9525" marB="0" anchor="b"/>
+                </a:tc>
+                <a:tc>
+                  <a:txBody>
+                    <a:bodyPr/>
+                    <a:lstStyle/>
+                    <a:p>
+                      <a:pPr algn="l" fontAlgn="b"/>
+                      <a:r>
+                        <a:rPr lang="zh-CN" altLang="en-US" sz="900" u="none" strike="noStrike">
+                          <a:effectLst/>
+                        </a:rPr>
+                        <a:t>　</a:t>
+                      </a:r>
+                      <a:endParaRPr lang="zh-CN" altLang="en-US" sz="900" b="0" i="0" u="none" strike="noStrike">
+                        <a:solidFill>
+                          <a:srgbClr val="000000"/>
+                        </a:solidFill>
+                        <a:effectLst/>
+                        <a:latin typeface="Arial" panose="020B0604020202020204" pitchFamily="34" charset="0"/>
+                        <a:ea typeface="宋体" panose="02010600030101010101" pitchFamily="2" charset="-122"/>
+                      </a:endParaRPr>
+                    </a:p>
+                  </a:txBody>
+                  <a:tcPr marL="9525" marR="9525" marT="9525" marB="0" anchor="b"/>
+                </a:tc>
+                <a:extLst>
+                  <a:ext uri="{0D108BD9-81ED-4DB2-BD59-A6C34878D82A}">
+                    <a16:rowId xmlns:a16="http://schemas.microsoft.com/office/drawing/2014/main" val="646777123"/>
+                  </a:ext>
+                </a:extLst>
+              </a:tr>
+              <a:tr h="184840">
+                <a:tc>
+                  <a:txBody>
+                    <a:bodyPr/>
+                    <a:lstStyle/>
+                    <a:p>
+                      <a:pPr algn="r" rtl="0" fontAlgn="b"/>
+                      <a:r>
+                        <a:rPr lang="en-US" altLang="zh-CN" sz="900" u="none" strike="noStrike">
+                          <a:effectLst/>
+                        </a:rPr>
+                        <a:t>30033</a:t>
+                      </a:r>
+                      <a:endParaRPr lang="en-US" altLang="zh-CN" sz="900" b="0" i="0" u="none" strike="noStrike">
+                        <a:solidFill>
+                          <a:srgbClr val="000000"/>
+                        </a:solidFill>
+                        <a:effectLst/>
+                        <a:latin typeface="Trebuchet MS" panose="020B0603020202020204" pitchFamily="34" charset="0"/>
+                        <a:ea typeface="宋体" panose="02010600030101010101" pitchFamily="2" charset="-122"/>
+                      </a:endParaRPr>
+                    </a:p>
+                  </a:txBody>
+                  <a:tcPr marL="9525" marR="9525" marT="9525" marB="0" anchor="b"/>
+                </a:tc>
+                <a:tc>
+                  <a:txBody>
+                    <a:bodyPr/>
+                    <a:lstStyle/>
+                    <a:p>
+                      <a:pPr algn="r" rtl="0" fontAlgn="b"/>
+                      <a:r>
+                        <a:rPr lang="en-US" altLang="zh-CN" sz="900" u="none" strike="noStrike">
+                          <a:effectLst/>
+                        </a:rPr>
+                        <a:t>22.8477</a:t>
+                      </a:r>
+                      <a:endParaRPr lang="en-US" altLang="zh-CN" sz="900" b="0" i="0" u="none" strike="noStrike">
+                        <a:solidFill>
+                          <a:srgbClr val="000000"/>
+                        </a:solidFill>
+                        <a:effectLst/>
+                        <a:latin typeface="Trebuchet MS" panose="020B0603020202020204" pitchFamily="34" charset="0"/>
+                        <a:ea typeface="宋体" panose="02010600030101010101" pitchFamily="2" charset="-122"/>
+                      </a:endParaRPr>
+                    </a:p>
+                  </a:txBody>
+                  <a:tcPr marL="9525" marR="9525" marT="9525" marB="0" anchor="b"/>
+                </a:tc>
+                <a:tc>
+                  <a:txBody>
+                    <a:bodyPr/>
+                    <a:lstStyle/>
+                    <a:p>
+                      <a:pPr algn="r" rtl="0" fontAlgn="b"/>
+                      <a:r>
+                        <a:rPr lang="en-US" altLang="zh-CN" sz="900" u="none" strike="noStrike">
+                          <a:effectLst/>
+                        </a:rPr>
+                        <a:t>32768</a:t>
+                      </a:r>
+                      <a:endParaRPr lang="en-US" altLang="zh-CN" sz="900" b="0" i="0" u="none" strike="noStrike">
+                        <a:solidFill>
+                          <a:srgbClr val="000000"/>
+                        </a:solidFill>
+                        <a:effectLst/>
+                        <a:latin typeface="Trebuchet MS" panose="020B0603020202020204" pitchFamily="34" charset="0"/>
+                        <a:ea typeface="宋体" panose="02010600030101010101" pitchFamily="2" charset="-122"/>
+                      </a:endParaRPr>
+                    </a:p>
+                  </a:txBody>
+                  <a:tcPr marL="9525" marR="9525" marT="9525" marB="0" anchor="b"/>
+                </a:tc>
+                <a:tc>
+                  <a:txBody>
+                    <a:bodyPr/>
+                    <a:lstStyle/>
+                    <a:p>
+                      <a:pPr algn="r" rtl="0" fontAlgn="b"/>
+                      <a:r>
+                        <a:rPr lang="en-US" altLang="zh-CN" sz="900" u="none" strike="noStrike">
+                          <a:effectLst/>
+                        </a:rPr>
+                        <a:t>26.0822</a:t>
+                      </a:r>
+                      <a:endParaRPr lang="en-US" altLang="zh-CN" sz="900" b="0" i="0" u="none" strike="noStrike">
+                        <a:solidFill>
+                          <a:srgbClr val="000000"/>
+                        </a:solidFill>
+                        <a:effectLst/>
+                        <a:latin typeface="Trebuchet MS" panose="020B0603020202020204" pitchFamily="34" charset="0"/>
+                        <a:ea typeface="宋体" panose="02010600030101010101" pitchFamily="2" charset="-122"/>
+                      </a:endParaRPr>
+                    </a:p>
+                  </a:txBody>
+                  <a:tcPr marL="9525" marR="9525" marT="9525" marB="0" anchor="b"/>
+                </a:tc>
+                <a:tc>
+                  <a:txBody>
+                    <a:bodyPr/>
+                    <a:lstStyle/>
+                    <a:p>
+                      <a:pPr algn="l" fontAlgn="b"/>
+                      <a:r>
+                        <a:rPr lang="zh-CN" altLang="en-US" sz="900" u="none" strike="noStrike">
+                          <a:effectLst/>
+                        </a:rPr>
+                        <a:t>　</a:t>
+                      </a:r>
+                      <a:endParaRPr lang="zh-CN" altLang="en-US" sz="900" b="0" i="0" u="none" strike="noStrike">
+                        <a:solidFill>
+                          <a:srgbClr val="000000"/>
+                        </a:solidFill>
+                        <a:effectLst/>
+                        <a:latin typeface="Arial" panose="020B0604020202020204" pitchFamily="34" charset="0"/>
+                        <a:ea typeface="宋体" panose="02010600030101010101" pitchFamily="2" charset="-122"/>
+                      </a:endParaRPr>
+                    </a:p>
+                  </a:txBody>
+                  <a:tcPr marL="9525" marR="9525" marT="9525" marB="0" anchor="b"/>
+                </a:tc>
+                <a:extLst>
+                  <a:ext uri="{0D108BD9-81ED-4DB2-BD59-A6C34878D82A}">
+                    <a16:rowId xmlns:a16="http://schemas.microsoft.com/office/drawing/2014/main" val="1016121758"/>
+                  </a:ext>
+                </a:extLst>
+              </a:tr>
+              <a:tr h="184840">
+                <a:tc>
+                  <a:txBody>
+                    <a:bodyPr/>
+                    <a:lstStyle/>
+                    <a:p>
+                      <a:pPr algn="r" rtl="0" fontAlgn="b"/>
+                      <a:r>
+                        <a:rPr lang="en-US" altLang="zh-CN" sz="900" u="none" strike="noStrike">
+                          <a:effectLst/>
+                        </a:rPr>
+                        <a:t>73235</a:t>
+                      </a:r>
+                      <a:endParaRPr lang="en-US" altLang="zh-CN" sz="900" b="0" i="0" u="none" strike="noStrike">
+                        <a:solidFill>
+                          <a:srgbClr val="000000"/>
+                        </a:solidFill>
+                        <a:effectLst/>
+                        <a:latin typeface="Trebuchet MS" panose="020B0603020202020204" pitchFamily="34" charset="0"/>
+                        <a:ea typeface="宋体" panose="02010600030101010101" pitchFamily="2" charset="-122"/>
+                      </a:endParaRPr>
+                    </a:p>
+                  </a:txBody>
+                  <a:tcPr marL="9525" marR="9525" marT="9525" marB="0" anchor="b"/>
+                </a:tc>
+                <a:tc>
+                  <a:txBody>
+                    <a:bodyPr/>
+                    <a:lstStyle/>
+                    <a:p>
+                      <a:pPr algn="r" rtl="0" fontAlgn="b"/>
+                      <a:r>
+                        <a:rPr lang="en-US" altLang="zh-CN" sz="900" u="none" strike="noStrike">
+                          <a:effectLst/>
+                        </a:rPr>
+                        <a:t>40.7585</a:t>
+                      </a:r>
+                      <a:endParaRPr lang="en-US" altLang="zh-CN" sz="900" b="0" i="0" u="none" strike="noStrike">
+                        <a:solidFill>
+                          <a:srgbClr val="000000"/>
+                        </a:solidFill>
+                        <a:effectLst/>
+                        <a:latin typeface="Trebuchet MS" panose="020B0603020202020204" pitchFamily="34" charset="0"/>
+                        <a:ea typeface="宋体" panose="02010600030101010101" pitchFamily="2" charset="-122"/>
+                      </a:endParaRPr>
+                    </a:p>
+                  </a:txBody>
+                  <a:tcPr marL="9525" marR="9525" marT="9525" marB="0" anchor="b"/>
+                </a:tc>
+                <a:tc>
+                  <a:txBody>
+                    <a:bodyPr/>
+                    <a:lstStyle/>
+                    <a:p>
+                      <a:pPr algn="r" rtl="0" fontAlgn="b"/>
+                      <a:r>
+                        <a:rPr lang="en-US" altLang="zh-CN" sz="900" u="none" strike="noStrike">
+                          <a:effectLst/>
+                        </a:rPr>
+                        <a:t>75800</a:t>
+                      </a:r>
+                      <a:endParaRPr lang="en-US" altLang="zh-CN" sz="900" b="0" i="0" u="none" strike="noStrike">
+                        <a:solidFill>
+                          <a:srgbClr val="000000"/>
+                        </a:solidFill>
+                        <a:effectLst/>
+                        <a:latin typeface="Trebuchet MS" panose="020B0603020202020204" pitchFamily="34" charset="0"/>
+                        <a:ea typeface="宋体" panose="02010600030101010101" pitchFamily="2" charset="-122"/>
+                      </a:endParaRPr>
+                    </a:p>
+                  </a:txBody>
+                  <a:tcPr marL="9525" marR="9525" marT="9525" marB="0" anchor="b"/>
+                </a:tc>
+                <a:tc>
+                  <a:txBody>
+                    <a:bodyPr/>
+                    <a:lstStyle/>
+                    <a:p>
+                      <a:pPr algn="r" rtl="0" fontAlgn="b"/>
+                      <a:r>
+                        <a:rPr lang="en-US" altLang="zh-CN" sz="900" u="none" strike="noStrike">
+                          <a:effectLst/>
+                        </a:rPr>
+                        <a:t>44.7596</a:t>
+                      </a:r>
+                      <a:endParaRPr lang="en-US" altLang="zh-CN" sz="900" b="0" i="0" u="none" strike="noStrike">
+                        <a:solidFill>
+                          <a:srgbClr val="000000"/>
+                        </a:solidFill>
+                        <a:effectLst/>
+                        <a:latin typeface="Trebuchet MS" panose="020B0603020202020204" pitchFamily="34" charset="0"/>
+                        <a:ea typeface="宋体" panose="02010600030101010101" pitchFamily="2" charset="-122"/>
+                      </a:endParaRPr>
+                    </a:p>
+                  </a:txBody>
+                  <a:tcPr marL="9525" marR="9525" marT="9525" marB="0" anchor="b"/>
+                </a:tc>
+                <a:tc>
+                  <a:txBody>
+                    <a:bodyPr/>
+                    <a:lstStyle/>
+                    <a:p>
+                      <a:pPr algn="ctr" fontAlgn="b"/>
+                      <a:r>
+                        <a:rPr lang="en-US" altLang="zh-CN" sz="900" u="none" strike="noStrike">
+                          <a:effectLst/>
+                        </a:rPr>
+                        <a:t>-15.2%</a:t>
+                      </a:r>
+                      <a:endParaRPr lang="en-US" altLang="zh-CN" sz="900" b="0" i="0" u="none" strike="noStrike">
+                        <a:solidFill>
+                          <a:srgbClr val="000000"/>
+                        </a:solidFill>
+                        <a:effectLst/>
+                        <a:latin typeface="Arial" panose="020B0604020202020204" pitchFamily="34" charset="0"/>
+                        <a:ea typeface="宋体" panose="02010600030101010101" pitchFamily="2" charset="-122"/>
+                      </a:endParaRPr>
+                    </a:p>
+                  </a:txBody>
+                  <a:tcPr marL="9525" marR="9525" marT="9525" marB="0" anchor="b"/>
+                </a:tc>
+                <a:extLst>
+                  <a:ext uri="{0D108BD9-81ED-4DB2-BD59-A6C34878D82A}">
+                    <a16:rowId xmlns:a16="http://schemas.microsoft.com/office/drawing/2014/main" val="3999910280"/>
+                  </a:ext>
+                </a:extLst>
+              </a:tr>
+              <a:tr h="184840">
+                <a:tc>
+                  <a:txBody>
+                    <a:bodyPr/>
+                    <a:lstStyle/>
+                    <a:p>
+                      <a:pPr algn="r" rtl="0" fontAlgn="b"/>
+                      <a:r>
+                        <a:rPr lang="en-US" altLang="zh-CN" sz="900" u="none" strike="noStrike">
+                          <a:effectLst/>
+                        </a:rPr>
+                        <a:t>57901</a:t>
+                      </a:r>
+                      <a:endParaRPr lang="en-US" altLang="zh-CN" sz="900" b="0" i="0" u="none" strike="noStrike">
+                        <a:solidFill>
+                          <a:srgbClr val="000000"/>
+                        </a:solidFill>
+                        <a:effectLst/>
+                        <a:latin typeface="Trebuchet MS" panose="020B0603020202020204" pitchFamily="34" charset="0"/>
+                        <a:ea typeface="宋体" panose="02010600030101010101" pitchFamily="2" charset="-122"/>
+                      </a:endParaRPr>
+                    </a:p>
+                  </a:txBody>
+                  <a:tcPr marL="9525" marR="9525" marT="9525" marB="0" anchor="b"/>
+                </a:tc>
+                <a:tc>
+                  <a:txBody>
+                    <a:bodyPr/>
+                    <a:lstStyle/>
+                    <a:p>
+                      <a:pPr algn="r" rtl="0" fontAlgn="b"/>
+                      <a:r>
+                        <a:rPr lang="en-US" altLang="zh-CN" sz="900" u="none" strike="noStrike">
+                          <a:effectLst/>
+                        </a:rPr>
+                        <a:t>34.6671</a:t>
+                      </a:r>
+                      <a:endParaRPr lang="en-US" altLang="zh-CN" sz="900" b="0" i="0" u="none" strike="noStrike">
+                        <a:solidFill>
+                          <a:srgbClr val="000000"/>
+                        </a:solidFill>
+                        <a:effectLst/>
+                        <a:latin typeface="Trebuchet MS" panose="020B0603020202020204" pitchFamily="34" charset="0"/>
+                        <a:ea typeface="宋体" panose="02010600030101010101" pitchFamily="2" charset="-122"/>
+                      </a:endParaRPr>
+                    </a:p>
+                  </a:txBody>
+                  <a:tcPr marL="9525" marR="9525" marT="9525" marB="0" anchor="b"/>
+                </a:tc>
+                <a:tc>
+                  <a:txBody>
+                    <a:bodyPr/>
+                    <a:lstStyle/>
+                    <a:p>
+                      <a:pPr algn="r" rtl="0" fontAlgn="b"/>
+                      <a:r>
+                        <a:rPr lang="en-US" altLang="zh-CN" sz="900" u="none" strike="noStrike">
+                          <a:effectLst/>
+                        </a:rPr>
+                        <a:t>63812</a:t>
+                      </a:r>
+                      <a:endParaRPr lang="en-US" altLang="zh-CN" sz="900" b="0" i="0" u="none" strike="noStrike">
+                        <a:solidFill>
+                          <a:srgbClr val="000000"/>
+                        </a:solidFill>
+                        <a:effectLst/>
+                        <a:latin typeface="Trebuchet MS" panose="020B0603020202020204" pitchFamily="34" charset="0"/>
+                        <a:ea typeface="宋体" panose="02010600030101010101" pitchFamily="2" charset="-122"/>
+                      </a:endParaRPr>
+                    </a:p>
+                  </a:txBody>
+                  <a:tcPr marL="9525" marR="9525" marT="9525" marB="0" anchor="b"/>
+                </a:tc>
+                <a:tc>
+                  <a:txBody>
+                    <a:bodyPr/>
+                    <a:lstStyle/>
+                    <a:p>
+                      <a:pPr algn="r" rtl="0" fontAlgn="b"/>
+                      <a:r>
+                        <a:rPr lang="en-US" altLang="zh-CN" sz="900" u="none" strike="noStrike">
+                          <a:effectLst/>
+                        </a:rPr>
+                        <a:t>39.8321</a:t>
+                      </a:r>
+                      <a:endParaRPr lang="en-US" altLang="zh-CN" sz="900" b="0" i="0" u="none" strike="noStrike">
+                        <a:solidFill>
+                          <a:srgbClr val="000000"/>
+                        </a:solidFill>
+                        <a:effectLst/>
+                        <a:latin typeface="Trebuchet MS" panose="020B0603020202020204" pitchFamily="34" charset="0"/>
+                        <a:ea typeface="宋体" panose="02010600030101010101" pitchFamily="2" charset="-122"/>
+                      </a:endParaRPr>
+                    </a:p>
+                  </a:txBody>
+                  <a:tcPr marL="9525" marR="9525" marT="9525" marB="0" anchor="b"/>
+                </a:tc>
+                <a:tc>
+                  <a:txBody>
+                    <a:bodyPr/>
+                    <a:lstStyle/>
+                    <a:p>
+                      <a:pPr algn="l" fontAlgn="b"/>
+                      <a:r>
+                        <a:rPr lang="zh-CN" altLang="en-US" sz="900" u="none" strike="noStrike">
+                          <a:effectLst/>
+                        </a:rPr>
+                        <a:t>　</a:t>
+                      </a:r>
+                      <a:endParaRPr lang="zh-CN" altLang="en-US" sz="900" b="0" i="0" u="none" strike="noStrike">
+                        <a:solidFill>
+                          <a:srgbClr val="000000"/>
+                        </a:solidFill>
+                        <a:effectLst/>
+                        <a:latin typeface="Arial" panose="020B0604020202020204" pitchFamily="34" charset="0"/>
+                        <a:ea typeface="宋体" panose="02010600030101010101" pitchFamily="2" charset="-122"/>
+                      </a:endParaRPr>
+                    </a:p>
+                  </a:txBody>
+                  <a:tcPr marL="9525" marR="9525" marT="9525" marB="0" anchor="b"/>
+                </a:tc>
+                <a:extLst>
+                  <a:ext uri="{0D108BD9-81ED-4DB2-BD59-A6C34878D82A}">
+                    <a16:rowId xmlns:a16="http://schemas.microsoft.com/office/drawing/2014/main" val="971880977"/>
+                  </a:ext>
+                </a:extLst>
+              </a:tr>
+              <a:tr h="184840">
+                <a:tc>
+                  <a:txBody>
+                    <a:bodyPr/>
+                    <a:lstStyle/>
+                    <a:p>
+                      <a:pPr algn="r" rtl="0" fontAlgn="b"/>
+                      <a:r>
+                        <a:rPr lang="en-US" altLang="zh-CN" sz="900" u="none" strike="noStrike">
+                          <a:effectLst/>
+                        </a:rPr>
+                        <a:t>42585</a:t>
+                      </a:r>
+                      <a:endParaRPr lang="en-US" altLang="zh-CN" sz="900" b="0" i="0" u="none" strike="noStrike">
+                        <a:solidFill>
+                          <a:srgbClr val="000000"/>
+                        </a:solidFill>
+                        <a:effectLst/>
+                        <a:latin typeface="Trebuchet MS" panose="020B0603020202020204" pitchFamily="34" charset="0"/>
+                        <a:ea typeface="宋体" panose="02010600030101010101" pitchFamily="2" charset="-122"/>
+                      </a:endParaRPr>
+                    </a:p>
+                  </a:txBody>
+                  <a:tcPr marL="9525" marR="9525" marT="9525" marB="0" anchor="b"/>
+                </a:tc>
+                <a:tc>
+                  <a:txBody>
+                    <a:bodyPr/>
+                    <a:lstStyle/>
+                    <a:p>
+                      <a:pPr algn="r" rtl="0" fontAlgn="b"/>
+                      <a:r>
+                        <a:rPr lang="en-US" altLang="zh-CN" sz="900" u="none" strike="noStrike">
+                          <a:effectLst/>
+                        </a:rPr>
+                        <a:t>28.8881</a:t>
+                      </a:r>
+                      <a:endParaRPr lang="en-US" altLang="zh-CN" sz="900" b="0" i="0" u="none" strike="noStrike">
+                        <a:solidFill>
+                          <a:srgbClr val="000000"/>
+                        </a:solidFill>
+                        <a:effectLst/>
+                        <a:latin typeface="Trebuchet MS" panose="020B0603020202020204" pitchFamily="34" charset="0"/>
+                        <a:ea typeface="宋体" panose="02010600030101010101" pitchFamily="2" charset="-122"/>
+                      </a:endParaRPr>
+                    </a:p>
+                  </a:txBody>
+                  <a:tcPr marL="9525" marR="9525" marT="9525" marB="0" anchor="b"/>
+                </a:tc>
+                <a:tc>
+                  <a:txBody>
+                    <a:bodyPr/>
+                    <a:lstStyle/>
+                    <a:p>
+                      <a:pPr algn="r" rtl="0" fontAlgn="b"/>
+                      <a:r>
+                        <a:rPr lang="en-US" altLang="zh-CN" sz="900" u="none" strike="noStrike">
+                          <a:effectLst/>
+                        </a:rPr>
+                        <a:t>50498</a:t>
+                      </a:r>
+                      <a:endParaRPr lang="en-US" altLang="zh-CN" sz="900" b="0" i="0" u="none" strike="noStrike">
+                        <a:solidFill>
+                          <a:srgbClr val="000000"/>
+                        </a:solidFill>
+                        <a:effectLst/>
+                        <a:latin typeface="Trebuchet MS" panose="020B0603020202020204" pitchFamily="34" charset="0"/>
+                        <a:ea typeface="宋体" panose="02010600030101010101" pitchFamily="2" charset="-122"/>
+                      </a:endParaRPr>
+                    </a:p>
+                  </a:txBody>
+                  <a:tcPr marL="9525" marR="9525" marT="9525" marB="0" anchor="b"/>
+                </a:tc>
+                <a:tc>
+                  <a:txBody>
+                    <a:bodyPr/>
+                    <a:lstStyle/>
+                    <a:p>
+                      <a:pPr algn="r" rtl="0" fontAlgn="b"/>
+                      <a:r>
+                        <a:rPr lang="en-US" altLang="zh-CN" sz="900" u="none" strike="noStrike">
+                          <a:effectLst/>
+                        </a:rPr>
+                        <a:t>35.261</a:t>
+                      </a:r>
+                      <a:endParaRPr lang="en-US" altLang="zh-CN" sz="900" b="0" i="0" u="none" strike="noStrike">
+                        <a:solidFill>
+                          <a:srgbClr val="000000"/>
+                        </a:solidFill>
+                        <a:effectLst/>
+                        <a:latin typeface="Trebuchet MS" panose="020B0603020202020204" pitchFamily="34" charset="0"/>
+                        <a:ea typeface="宋体" panose="02010600030101010101" pitchFamily="2" charset="-122"/>
+                      </a:endParaRPr>
+                    </a:p>
+                  </a:txBody>
+                  <a:tcPr marL="9525" marR="9525" marT="9525" marB="0" anchor="b"/>
+                </a:tc>
+                <a:tc>
+                  <a:txBody>
+                    <a:bodyPr/>
+                    <a:lstStyle/>
+                    <a:p>
+                      <a:pPr algn="l" fontAlgn="b"/>
+                      <a:r>
+                        <a:rPr lang="zh-CN" altLang="en-US" sz="900" u="none" strike="noStrike">
+                          <a:effectLst/>
+                        </a:rPr>
+                        <a:t>　</a:t>
+                      </a:r>
+                      <a:endParaRPr lang="zh-CN" altLang="en-US" sz="900" b="0" i="0" u="none" strike="noStrike">
+                        <a:solidFill>
+                          <a:srgbClr val="000000"/>
+                        </a:solidFill>
+                        <a:effectLst/>
+                        <a:latin typeface="Arial" panose="020B0604020202020204" pitchFamily="34" charset="0"/>
+                        <a:ea typeface="宋体" panose="02010600030101010101" pitchFamily="2" charset="-122"/>
+                      </a:endParaRPr>
+                    </a:p>
+                  </a:txBody>
+                  <a:tcPr marL="9525" marR="9525" marT="9525" marB="0" anchor="b"/>
+                </a:tc>
+                <a:extLst>
+                  <a:ext uri="{0D108BD9-81ED-4DB2-BD59-A6C34878D82A}">
+                    <a16:rowId xmlns:a16="http://schemas.microsoft.com/office/drawing/2014/main" val="173811699"/>
+                  </a:ext>
+                </a:extLst>
+              </a:tr>
+              <a:tr h="184840">
+                <a:tc>
+                  <a:txBody>
+                    <a:bodyPr/>
+                    <a:lstStyle/>
+                    <a:p>
+                      <a:pPr algn="r" rtl="0" fontAlgn="b"/>
+                      <a:r>
+                        <a:rPr lang="en-US" altLang="zh-CN" sz="900" u="none" strike="noStrike">
+                          <a:effectLst/>
+                        </a:rPr>
+                        <a:t>30033</a:t>
+                      </a:r>
+                      <a:endParaRPr lang="en-US" altLang="zh-CN" sz="900" b="0" i="0" u="none" strike="noStrike">
+                        <a:solidFill>
+                          <a:srgbClr val="000000"/>
+                        </a:solidFill>
+                        <a:effectLst/>
+                        <a:latin typeface="Trebuchet MS" panose="020B0603020202020204" pitchFamily="34" charset="0"/>
+                        <a:ea typeface="宋体" panose="02010600030101010101" pitchFamily="2" charset="-122"/>
+                      </a:endParaRPr>
+                    </a:p>
+                  </a:txBody>
+                  <a:tcPr marL="9525" marR="9525" marT="9525" marB="0" anchor="b"/>
+                </a:tc>
+                <a:tc>
+                  <a:txBody>
+                    <a:bodyPr/>
+                    <a:lstStyle/>
+                    <a:p>
+                      <a:pPr algn="r" rtl="0" fontAlgn="b"/>
+                      <a:r>
+                        <a:rPr lang="en-US" altLang="zh-CN" sz="900" u="none" strike="noStrike">
+                          <a:effectLst/>
+                        </a:rPr>
+                        <a:t>22.8477</a:t>
+                      </a:r>
+                      <a:endParaRPr lang="en-US" altLang="zh-CN" sz="900" b="0" i="0" u="none" strike="noStrike">
+                        <a:solidFill>
+                          <a:srgbClr val="000000"/>
+                        </a:solidFill>
+                        <a:effectLst/>
+                        <a:latin typeface="Trebuchet MS" panose="020B0603020202020204" pitchFamily="34" charset="0"/>
+                        <a:ea typeface="宋体" panose="02010600030101010101" pitchFamily="2" charset="-122"/>
+                      </a:endParaRPr>
+                    </a:p>
+                  </a:txBody>
+                  <a:tcPr marL="9525" marR="9525" marT="9525" marB="0" anchor="b"/>
+                </a:tc>
+                <a:tc>
+                  <a:txBody>
+                    <a:bodyPr/>
+                    <a:lstStyle/>
+                    <a:p>
+                      <a:pPr algn="r" rtl="0" fontAlgn="b"/>
+                      <a:r>
+                        <a:rPr lang="en-US" altLang="zh-CN" sz="900" u="none" strike="noStrike">
+                          <a:effectLst/>
+                        </a:rPr>
+                        <a:t>35590</a:t>
+                      </a:r>
+                      <a:endParaRPr lang="en-US" altLang="zh-CN" sz="900" b="0" i="0" u="none" strike="noStrike">
+                        <a:solidFill>
+                          <a:srgbClr val="000000"/>
+                        </a:solidFill>
+                        <a:effectLst/>
+                        <a:latin typeface="Trebuchet MS" panose="020B0603020202020204" pitchFamily="34" charset="0"/>
+                        <a:ea typeface="宋体" panose="02010600030101010101" pitchFamily="2" charset="-122"/>
+                      </a:endParaRPr>
+                    </a:p>
+                  </a:txBody>
+                  <a:tcPr marL="9525" marR="9525" marT="9525" marB="0" anchor="b"/>
+                </a:tc>
+                <a:tc>
+                  <a:txBody>
+                    <a:bodyPr/>
+                    <a:lstStyle/>
+                    <a:p>
+                      <a:pPr algn="r" rtl="0" fontAlgn="b"/>
+                      <a:r>
+                        <a:rPr lang="en-US" altLang="zh-CN" sz="900" u="none" strike="noStrike">
+                          <a:effectLst/>
+                        </a:rPr>
+                        <a:t>30.2561</a:t>
+                      </a:r>
+                      <a:endParaRPr lang="en-US" altLang="zh-CN" sz="900" b="0" i="0" u="none" strike="noStrike">
+                        <a:solidFill>
+                          <a:srgbClr val="000000"/>
+                        </a:solidFill>
+                        <a:effectLst/>
+                        <a:latin typeface="Trebuchet MS" panose="020B0603020202020204" pitchFamily="34" charset="0"/>
+                        <a:ea typeface="宋体" panose="02010600030101010101" pitchFamily="2" charset="-122"/>
+                      </a:endParaRPr>
+                    </a:p>
+                  </a:txBody>
+                  <a:tcPr marL="9525" marR="9525" marT="9525" marB="0" anchor="b"/>
+                </a:tc>
+                <a:tc>
+                  <a:txBody>
+                    <a:bodyPr/>
+                    <a:lstStyle/>
+                    <a:p>
+                      <a:pPr algn="l" fontAlgn="b"/>
+                      <a:r>
+                        <a:rPr lang="zh-CN" altLang="en-US" sz="900" u="none" strike="noStrike" dirty="0">
+                          <a:effectLst/>
+                        </a:rPr>
+                        <a:t>　</a:t>
+                      </a:r>
+                      <a:endParaRPr lang="zh-CN" altLang="en-US" sz="900" b="0" i="0" u="none" strike="noStrike" dirty="0">
+                        <a:solidFill>
+                          <a:srgbClr val="000000"/>
+                        </a:solidFill>
+                        <a:effectLst/>
+                        <a:latin typeface="Arial" panose="020B0604020202020204" pitchFamily="34" charset="0"/>
+                        <a:ea typeface="宋体" panose="02010600030101010101" pitchFamily="2" charset="-122"/>
+                      </a:endParaRPr>
+                    </a:p>
+                  </a:txBody>
+                  <a:tcPr marL="9525" marR="9525" marT="9525" marB="0" anchor="b"/>
+                </a:tc>
+                <a:extLst>
+                  <a:ext uri="{0D108BD9-81ED-4DB2-BD59-A6C34878D82A}">
+                    <a16:rowId xmlns:a16="http://schemas.microsoft.com/office/drawing/2014/main" val="1923632370"/>
+                  </a:ext>
+                </a:extLst>
+              </a:tr>
+            </a:tbl>
+          </a:graphicData>
+        </a:graphic>
+      </p:graphicFrame>
+      <p:pic>
+        <p:nvPicPr>
+          <p:cNvPr id="6" name="图片 5"/>
+          <p:cNvPicPr>
+            <a:picLocks noChangeAspect="1"/>
+          </p:cNvPicPr>
+          <p:nvPr/>
+        </p:nvPicPr>
+        <p:blipFill>
+          <a:blip r:embed="rId2"/>
+          <a:stretch>
+            <a:fillRect/>
+          </a:stretch>
+        </p:blipFill>
+        <p:spPr>
+          <a:xfrm>
+            <a:off x="534066" y="3339930"/>
+            <a:ext cx="5611467" cy="3518070"/>
+          </a:xfrm>
+          <a:prstGeom prst="rect">
+            <a:avLst/>
+          </a:prstGeom>
+        </p:spPr>
+      </p:pic>
     </p:spTree>
     <p:extLst>
       <p:ext uri="{BB962C8B-B14F-4D97-AF65-F5344CB8AC3E}">
-        <p14:creationId xmlns:p14="http://schemas.microsoft.com/office/powerpoint/2010/main" val="3705577710"/>
+        <p14:creationId xmlns:p14="http://schemas.microsoft.com/office/powerpoint/2010/main" val="2360577127"/>
       </p:ext>
     </p:extLst>
   </p:cSld>
   <p:clrMapOvr>
     <a:masterClrMapping/>
   </p:clrMapOvr>
-  <p:timing>
-    <p:tnLst>
-      <p:par>
-        <p:cTn id="1" dur="indefinite" restart="never" nodeType="tmRoot"/>
-      </p:par>
-    </p:tnLst>
-  </p:timing>
 </p:sld>
 </file>
 
@@ -16169,15 +17794,20 @@
         </p:spPr>
         <p:txBody>
           <a:bodyPr>
-            <a:normAutofit fontScale="90000"/>
+            <a:normAutofit/>
           </a:bodyPr>
           <a:lstStyle/>
           <a:p>
             <a:pPr algn="ctr"/>
             <a:r>
               <a:rPr lang="zh-CN" altLang="en-US" sz="6600" dirty="0"/>
-              <a:t>三、信源和信道编码联合调试</a:t>
-            </a:r>
+              <a:t>二</a:t>
+            </a:r>
+            <a:r>
+              <a:rPr lang="zh-CN" altLang="en-US" sz="6600" dirty="0" smtClean="0"/>
+              <a:t>、熵编码</a:t>
+            </a:r>
+            <a:endParaRPr lang="zh-CN" altLang="en-US" sz="6600" dirty="0"/>
           </a:p>
         </p:txBody>
       </p:sp>
@@ -16231,7 +17861,7 @@
     </p:spTree>
     <p:extLst>
       <p:ext uri="{BB962C8B-B14F-4D97-AF65-F5344CB8AC3E}">
-        <p14:creationId xmlns:p14="http://schemas.microsoft.com/office/powerpoint/2010/main" val="3676168633"/>
+        <p14:creationId xmlns:p14="http://schemas.microsoft.com/office/powerpoint/2010/main" val="1473342038"/>
       </p:ext>
     </p:extLst>
   </p:cSld>
@@ -16305,7 +17935,7 @@
       </p:sp>
       <p:sp>
         <p:nvSpPr>
-          <p:cNvPr id="2" name="灯片编号占位符 1"/>
+          <p:cNvPr id="6" name="灯片编号占位符 5"/>
           <p:cNvSpPr>
             <a:spLocks noGrp="1"/>
           </p:cNvSpPr>
@@ -16329,7 +17959,7 @@
     </p:spTree>
     <p:extLst>
       <p:ext uri="{BB962C8B-B14F-4D97-AF65-F5344CB8AC3E}">
-        <p14:creationId xmlns:p14="http://schemas.microsoft.com/office/powerpoint/2010/main" val="4033480467"/>
+        <p14:creationId xmlns:p14="http://schemas.microsoft.com/office/powerpoint/2010/main" val="3705577710"/>
       </p:ext>
     </p:extLst>
   </p:cSld>
@@ -16381,16 +18011,15 @@
         </p:spPr>
         <p:txBody>
           <a:bodyPr>
-            <a:normAutofit/>
+            <a:normAutofit fontScale="90000"/>
           </a:bodyPr>
           <a:lstStyle/>
           <a:p>
             <a:pPr algn="ctr"/>
             <a:r>
-              <a:rPr lang="zh-CN" altLang="en-US" sz="6600" dirty="0" smtClean="0"/>
-              <a:t>四、选做题</a:t>
-            </a:r>
-            <a:endParaRPr lang="zh-CN" altLang="en-US" sz="6600" dirty="0"/>
+              <a:rPr lang="zh-CN" altLang="en-US" sz="6600" dirty="0"/>
+              <a:t>三、信源和信道编码联合调试</a:t>
+            </a:r>
           </a:p>
         </p:txBody>
       </p:sp>
@@ -16444,7 +18073,7 @@
     </p:spTree>
     <p:extLst>
       <p:ext uri="{BB962C8B-B14F-4D97-AF65-F5344CB8AC3E}">
-        <p14:creationId xmlns:p14="http://schemas.microsoft.com/office/powerpoint/2010/main" val="1675817713"/>
+        <p14:creationId xmlns:p14="http://schemas.microsoft.com/office/powerpoint/2010/main" val="3676168633"/>
       </p:ext>
     </p:extLst>
   </p:cSld>
@@ -16542,7 +18171,7 @@
     </p:spTree>
     <p:extLst>
       <p:ext uri="{BB962C8B-B14F-4D97-AF65-F5344CB8AC3E}">
-        <p14:creationId xmlns:p14="http://schemas.microsoft.com/office/powerpoint/2010/main" val="4086110525"/>
+        <p14:creationId xmlns:p14="http://schemas.microsoft.com/office/powerpoint/2010/main" val="4033480467"/>
       </p:ext>
     </p:extLst>
   </p:cSld>
@@ -16578,6 +18207,121 @@
       </p:grpSpPr>
       <p:sp>
         <p:nvSpPr>
+          <p:cNvPr id="8" name="标题 7"/>
+          <p:cNvSpPr>
+            <a:spLocks noGrp="1"/>
+          </p:cNvSpPr>
+          <p:nvPr>
+            <p:ph type="title"/>
+          </p:nvPr>
+        </p:nvSpPr>
+        <p:spPr>
+          <a:xfrm>
+            <a:off x="677335" y="2030307"/>
+            <a:ext cx="8596668" cy="1826581"/>
+          </a:xfrm>
+        </p:spPr>
+        <p:txBody>
+          <a:bodyPr>
+            <a:normAutofit/>
+          </a:bodyPr>
+          <a:lstStyle/>
+          <a:p>
+            <a:pPr algn="ctr"/>
+            <a:r>
+              <a:rPr lang="zh-CN" altLang="en-US" sz="6600" dirty="0" smtClean="0"/>
+              <a:t>四、选做题</a:t>
+            </a:r>
+            <a:endParaRPr lang="zh-CN" altLang="en-US" sz="6600" dirty="0"/>
+          </a:p>
+        </p:txBody>
+      </p:sp>
+      <p:sp>
+        <p:nvSpPr>
+          <p:cNvPr id="9" name="文本占位符 8"/>
+          <p:cNvSpPr>
+            <a:spLocks noGrp="1"/>
+          </p:cNvSpPr>
+          <p:nvPr>
+            <p:ph type="body" idx="1"/>
+          </p:nvPr>
+        </p:nvSpPr>
+        <p:spPr>
+          <a:xfrm>
+            <a:off x="677335" y="4307992"/>
+            <a:ext cx="8596668" cy="860400"/>
+          </a:xfrm>
+        </p:spPr>
+        <p:txBody>
+          <a:bodyPr/>
+          <a:lstStyle/>
+          <a:p>
+            <a:endParaRPr lang="zh-CN" altLang="en-US" dirty="0"/>
+          </a:p>
+        </p:txBody>
+      </p:sp>
+      <p:sp>
+        <p:nvSpPr>
+          <p:cNvPr id="2" name="灯片编号占位符 1"/>
+          <p:cNvSpPr>
+            <a:spLocks noGrp="1"/>
+          </p:cNvSpPr>
+          <p:nvPr>
+            <p:ph type="sldNum" sz="quarter" idx="12"/>
+          </p:nvPr>
+        </p:nvSpPr>
+        <p:spPr/>
+        <p:txBody>
+          <a:bodyPr/>
+          <a:lstStyle/>
+          <a:p>
+            <a:fld id="{AFD96F87-9EEA-4173-B560-4ADE20BAA8CF}" type="slidenum">
+              <a:rPr lang="zh-CN" altLang="en-US" smtClean="0"/>
+              <a:t>25</a:t>
+            </a:fld>
+            <a:endParaRPr lang="zh-CN" altLang="en-US"/>
+          </a:p>
+        </p:txBody>
+      </p:sp>
+    </p:spTree>
+    <p:extLst>
+      <p:ext uri="{BB962C8B-B14F-4D97-AF65-F5344CB8AC3E}">
+        <p14:creationId xmlns:p14="http://schemas.microsoft.com/office/powerpoint/2010/main" val="1675817713"/>
+      </p:ext>
+    </p:extLst>
+  </p:cSld>
+  <p:clrMapOvr>
+    <a:masterClrMapping/>
+  </p:clrMapOvr>
+  <p:timing>
+    <p:tnLst>
+      <p:par>
+        <p:cTn id="1" dur="indefinite" restart="never" nodeType="tmRoot"/>
+      </p:par>
+    </p:tnLst>
+  </p:timing>
+</p:sld>
+</file>
+
+<file path=ppt/slides/slide26.xml><?xml version="1.0" encoding="utf-8"?>
+<p:sld xmlns:a="http://schemas.openxmlformats.org/drawingml/2006/main" xmlns:r="http://schemas.openxmlformats.org/officeDocument/2006/relationships" xmlns:p="http://schemas.openxmlformats.org/presentationml/2006/main">
+  <p:cSld>
+    <p:spTree>
+      <p:nvGrpSpPr>
+        <p:cNvPr id="1" name=""/>
+        <p:cNvGrpSpPr/>
+        <p:nvPr/>
+      </p:nvGrpSpPr>
+      <p:grpSpPr>
+        <a:xfrm>
+          <a:off x="0" y="0"/>
+          <a:ext cx="0" cy="0"/>
+          <a:chOff x="0" y="0"/>
+          <a:chExt cx="0" cy="0"/>
+        </a:xfrm>
+      </p:grpSpPr>
+      <p:sp>
+        <p:nvSpPr>
           <p:cNvPr id="4" name="标题 3"/>
           <p:cNvSpPr>
             <a:spLocks noGrp="1"/>
@@ -16586,6 +18330,104 @@
             <p:ph type="title"/>
           </p:nvPr>
         </p:nvSpPr>
+        <p:spPr/>
+        <p:txBody>
+          <a:bodyPr/>
+          <a:lstStyle/>
+          <a:p>
+            <a:endParaRPr lang="zh-CN" altLang="en-US"/>
+          </a:p>
+        </p:txBody>
+      </p:sp>
+      <p:sp>
+        <p:nvSpPr>
+          <p:cNvPr id="5" name="内容占位符 4"/>
+          <p:cNvSpPr>
+            <a:spLocks noGrp="1"/>
+          </p:cNvSpPr>
+          <p:nvPr>
+            <p:ph idx="1"/>
+          </p:nvPr>
+        </p:nvSpPr>
+        <p:spPr/>
+        <p:txBody>
+          <a:bodyPr/>
+          <a:lstStyle/>
+          <a:p>
+            <a:endParaRPr lang="zh-CN" altLang="en-US"/>
+          </a:p>
+        </p:txBody>
+      </p:sp>
+      <p:sp>
+        <p:nvSpPr>
+          <p:cNvPr id="2" name="灯片编号占位符 1"/>
+          <p:cNvSpPr>
+            <a:spLocks noGrp="1"/>
+          </p:cNvSpPr>
+          <p:nvPr>
+            <p:ph type="sldNum" sz="quarter" idx="12"/>
+          </p:nvPr>
+        </p:nvSpPr>
+        <p:spPr/>
+        <p:txBody>
+          <a:bodyPr/>
+          <a:lstStyle/>
+          <a:p>
+            <a:fld id="{AFD96F87-9EEA-4173-B560-4ADE20BAA8CF}" type="slidenum">
+              <a:rPr lang="zh-CN" altLang="en-US" smtClean="0"/>
+              <a:t>26</a:t>
+            </a:fld>
+            <a:endParaRPr lang="zh-CN" altLang="en-US"/>
+          </a:p>
+        </p:txBody>
+      </p:sp>
+    </p:spTree>
+    <p:extLst>
+      <p:ext uri="{BB962C8B-B14F-4D97-AF65-F5344CB8AC3E}">
+        <p14:creationId xmlns:p14="http://schemas.microsoft.com/office/powerpoint/2010/main" val="4086110525"/>
+      </p:ext>
+    </p:extLst>
+  </p:cSld>
+  <p:clrMapOvr>
+    <a:masterClrMapping/>
+  </p:clrMapOvr>
+  <p:timing>
+    <p:tnLst>
+      <p:par>
+        <p:cTn id="1" dur="indefinite" restart="never" nodeType="tmRoot"/>
+      </p:par>
+    </p:tnLst>
+  </p:timing>
+</p:sld>
+</file>
+
+<file path=ppt/slides/slide27.xml><?xml version="1.0" encoding="utf-8"?>
+<p:sld xmlns:a="http://schemas.openxmlformats.org/drawingml/2006/main" xmlns:r="http://schemas.openxmlformats.org/officeDocument/2006/relationships" xmlns:p="http://schemas.openxmlformats.org/presentationml/2006/main">
+  <p:cSld>
+    <p:spTree>
+      <p:nvGrpSpPr>
+        <p:cNvPr id="1" name=""/>
+        <p:cNvGrpSpPr/>
+        <p:nvPr/>
+      </p:nvGrpSpPr>
+      <p:grpSpPr>
+        <a:xfrm>
+          <a:off x="0" y="0"/>
+          <a:ext cx="0" cy="0"/>
+          <a:chOff x="0" y="0"/>
+          <a:chExt cx="0" cy="0"/>
+        </a:xfrm>
+      </p:grpSpPr>
+      <p:sp>
+        <p:nvSpPr>
+          <p:cNvPr id="4" name="标题 3"/>
+          <p:cNvSpPr>
+            <a:spLocks noGrp="1"/>
+          </p:cNvSpPr>
+          <p:nvPr>
+            <p:ph type="title"/>
+          </p:nvPr>
+        </p:nvSpPr>
         <p:spPr>
           <a:xfrm>
             <a:off x="762679" y="2225379"/>
@@ -16643,7 +18485,7 @@
           <a:p>
             <a:fld id="{AFD96F87-9EEA-4173-B560-4ADE20BAA8CF}" type="slidenum">
               <a:rPr lang="zh-CN" altLang="en-US" smtClean="0"/>
-              <a:t>25</a:t>
+              <a:t>27</a:t>
             </a:fld>
             <a:endParaRPr lang="zh-CN" altLang="en-US"/>
           </a:p>

--- a/展示报告.pptx
+++ b/展示报告.pptx
@@ -5,7 +5,7 @@
     <p:sldMasterId id="2147483660" r:id="rId1"/>
   </p:sldMasterIdLst>
   <p:notesMasterIdLst>
-    <p:notesMasterId r:id="rId27"/>
+    <p:notesMasterId r:id="rId33"/>
   </p:notesMasterIdLst>
   <p:sldIdLst>
     <p:sldId id="256" r:id="rId2"/>
@@ -28,11 +28,17 @@
     <p:sldId id="287" r:id="rId19"/>
     <p:sldId id="279" r:id="rId20"/>
     <p:sldId id="282" r:id="rId21"/>
-    <p:sldId id="280" r:id="rId22"/>
-    <p:sldId id="283" r:id="rId23"/>
-    <p:sldId id="281" r:id="rId24"/>
-    <p:sldId id="284" r:id="rId25"/>
-    <p:sldId id="285" r:id="rId26"/>
+    <p:sldId id="288" r:id="rId22"/>
+    <p:sldId id="290" r:id="rId23"/>
+    <p:sldId id="291" r:id="rId24"/>
+    <p:sldId id="293" r:id="rId25"/>
+    <p:sldId id="294" r:id="rId26"/>
+    <p:sldId id="292" r:id="rId27"/>
+    <p:sldId id="280" r:id="rId28"/>
+    <p:sldId id="283" r:id="rId29"/>
+    <p:sldId id="281" r:id="rId30"/>
+    <p:sldId id="284" r:id="rId31"/>
+    <p:sldId id="285" r:id="rId32"/>
   </p:sldIdLst>
   <p:sldSz cx="12192000" cy="6858000"/>
   <p:notesSz cx="6858000" cy="9144000"/>
@@ -4240,7 +4246,7 @@
           <a:p>
             <a:fld id="{AC7511CB-7838-4DA9-8D0A-8063DCD6F0E4}" type="datetimeFigureOut">
               <a:rPr lang="zh-CN" altLang="en-US" smtClean="0"/>
-              <a:t>2019/12/10</a:t>
+              <a:t>2019/12/13</a:t>
             </a:fld>
             <a:endParaRPr lang="zh-CN" altLang="en-US"/>
           </a:p>
@@ -5361,7 +5367,7 @@
           <a:p>
             <a:fld id="{AA939DFE-D595-40AF-886F-1BF791D9B48B}" type="slidenum">
               <a:rPr lang="zh-CN" altLang="en-US" smtClean="0"/>
-              <a:t>25</a:t>
+              <a:t>31</a:t>
             </a:fld>
             <a:endParaRPr lang="zh-CN" altLang="en-US"/>
           </a:p>
@@ -6102,7 +6108,7 @@
           <a:p>
             <a:fld id="{4824F541-18F5-4701-89AE-6B256C55A962}" type="datetime1">
               <a:rPr lang="zh-CN" altLang="en-US" smtClean="0"/>
-              <a:t>2019/12/10</a:t>
+              <a:t>2019/12/13</a:t>
             </a:fld>
             <a:endParaRPr lang="zh-CN" altLang="en-US"/>
           </a:p>
@@ -6360,7 +6366,7 @@
           <a:p>
             <a:fld id="{8F2F461D-E948-413D-BE19-47E55A14B4F4}" type="datetime1">
               <a:rPr lang="zh-CN" altLang="en-US" smtClean="0"/>
-              <a:t>2019/12/10</a:t>
+              <a:t>2019/12/13</a:t>
             </a:fld>
             <a:endParaRPr lang="zh-CN" altLang="en-US"/>
           </a:p>
@@ -6674,7 +6680,7 @@
           <a:p>
             <a:fld id="{6B5C60FD-CC31-4737-AB08-13C4BC91C074}" type="datetime1">
               <a:rPr lang="zh-CN" altLang="en-US" smtClean="0"/>
-              <a:t>2019/12/10</a:t>
+              <a:t>2019/12/13</a:t>
             </a:fld>
             <a:endParaRPr lang="zh-CN" altLang="en-US"/>
           </a:p>
@@ -7015,7 +7021,7 @@
           <a:p>
             <a:fld id="{4FDE90A2-4407-4108-B6B4-57FDFE192315}" type="datetime1">
               <a:rPr lang="zh-CN" altLang="en-US" smtClean="0"/>
-              <a:t>2019/12/10</a:t>
+              <a:t>2019/12/13</a:t>
             </a:fld>
             <a:endParaRPr lang="zh-CN" altLang="en-US"/>
           </a:p>
@@ -7329,7 +7335,7 @@
           <a:p>
             <a:fld id="{62A00C36-9794-4826-AC96-336D98EAC623}" type="datetime1">
               <a:rPr lang="zh-CN" altLang="en-US" smtClean="0"/>
-              <a:t>2019/12/10</a:t>
+              <a:t>2019/12/13</a:t>
             </a:fld>
             <a:endParaRPr lang="zh-CN" altLang="en-US"/>
           </a:p>
@@ -7722,7 +7728,7 @@
           <a:p>
             <a:fld id="{1BCD8EB6-6260-4A3D-BEA0-A9FE54947318}" type="datetime1">
               <a:rPr lang="zh-CN" altLang="en-US" smtClean="0"/>
-              <a:t>2019/12/10</a:t>
+              <a:t>2019/12/13</a:t>
             </a:fld>
             <a:endParaRPr lang="zh-CN" altLang="en-US"/>
           </a:p>
@@ -7892,7 +7898,7 @@
           <a:p>
             <a:fld id="{E4C896E0-A95A-4B08-9A10-8275D39E031F}" type="datetime1">
               <a:rPr lang="zh-CN" altLang="en-US" smtClean="0"/>
-              <a:t>2019/12/10</a:t>
+              <a:t>2019/12/13</a:t>
             </a:fld>
             <a:endParaRPr lang="zh-CN" altLang="en-US"/>
           </a:p>
@@ -8072,7 +8078,7 @@
           <a:p>
             <a:fld id="{A2A3E8A0-2094-44A9-AD37-DA03F0D733DB}" type="datetime1">
               <a:rPr lang="zh-CN" altLang="en-US" smtClean="0"/>
-              <a:t>2019/12/10</a:t>
+              <a:t>2019/12/13</a:t>
             </a:fld>
             <a:endParaRPr lang="zh-CN" altLang="en-US"/>
           </a:p>
@@ -8248,7 +8254,7 @@
           <a:p>
             <a:fld id="{7CF17A34-ADBF-4A54-8939-8528E3CA1D92}" type="datetime1">
               <a:rPr lang="zh-CN" altLang="en-US" smtClean="0"/>
-              <a:t>2019/12/10</a:t>
+              <a:t>2019/12/13</a:t>
             </a:fld>
             <a:endParaRPr lang="zh-CN" altLang="en-US"/>
           </a:p>
@@ -8495,7 +8501,7 @@
           <a:p>
             <a:fld id="{E03D4BDE-3574-4A7D-9032-5CCC8CC109D9}" type="datetime1">
               <a:rPr lang="zh-CN" altLang="en-US" smtClean="0"/>
-              <a:t>2019/12/10</a:t>
+              <a:t>2019/12/13</a:t>
             </a:fld>
             <a:endParaRPr lang="zh-CN" altLang="en-US"/>
           </a:p>
@@ -8727,7 +8733,7 @@
           <a:p>
             <a:fld id="{E1FADEA2-8BD2-45D2-947F-DBD8AE4AEC4C}" type="datetime1">
               <a:rPr lang="zh-CN" altLang="en-US" smtClean="0"/>
-              <a:t>2019/12/10</a:t>
+              <a:t>2019/12/13</a:t>
             </a:fld>
             <a:endParaRPr lang="zh-CN" altLang="en-US"/>
           </a:p>
@@ -9101,7 +9107,7 @@
           <a:p>
             <a:fld id="{89EE281B-B563-4E50-A19E-E386F55E3ADE}" type="datetime1">
               <a:rPr lang="zh-CN" altLang="en-US" smtClean="0"/>
-              <a:t>2019/12/10</a:t>
+              <a:t>2019/12/13</a:t>
             </a:fld>
             <a:endParaRPr lang="zh-CN" altLang="en-US"/>
           </a:p>
@@ -9224,7 +9230,7 @@
           <a:p>
             <a:fld id="{9A202A17-04A7-4989-9B97-FB467D164329}" type="datetime1">
               <a:rPr lang="zh-CN" altLang="en-US" smtClean="0"/>
-              <a:t>2019/12/10</a:t>
+              <a:t>2019/12/13</a:t>
             </a:fld>
             <a:endParaRPr lang="zh-CN" altLang="en-US"/>
           </a:p>
@@ -9319,7 +9325,7 @@
           <a:p>
             <a:fld id="{A1089A26-2FFC-4EE6-B6B9-C28BAC9610FA}" type="datetime1">
               <a:rPr lang="zh-CN" altLang="en-US" smtClean="0"/>
-              <a:t>2019/12/10</a:t>
+              <a:t>2019/12/13</a:t>
             </a:fld>
             <a:endParaRPr lang="zh-CN" altLang="en-US"/>
           </a:p>
@@ -9574,7 +9580,7 @@
           <a:p>
             <a:fld id="{448AA64E-BC60-49AC-8818-38834AD8A737}" type="datetime1">
               <a:rPr lang="zh-CN" altLang="en-US" smtClean="0"/>
-              <a:t>2019/12/10</a:t>
+              <a:t>2019/12/13</a:t>
             </a:fld>
             <a:endParaRPr lang="zh-CN" altLang="en-US"/>
           </a:p>
@@ -9837,7 +9843,7 @@
           <a:p>
             <a:fld id="{64B4BE6D-082A-4178-8141-4EF24795ED7C}" type="datetime1">
               <a:rPr lang="zh-CN" altLang="en-US" smtClean="0"/>
-              <a:t>2019/12/10</a:t>
+              <a:t>2019/12/13</a:t>
             </a:fld>
             <a:endParaRPr lang="zh-CN" altLang="en-US"/>
           </a:p>
@@ -10580,7 +10586,7 @@
           <a:p>
             <a:fld id="{3AA9FF94-EACC-41AE-8B1F-E4CE9DC41648}" type="datetime1">
               <a:rPr lang="zh-CN" altLang="en-US" smtClean="0"/>
-              <a:t>2019/12/10</a:t>
+              <a:t>2019/12/13</a:t>
             </a:fld>
             <a:endParaRPr lang="zh-CN" altLang="en-US"/>
           </a:p>
@@ -14584,8 +14590,8 @@
           </a:p>
         </p:txBody>
       </p:sp>
-      <mc:AlternateContent xmlns:mc="http://schemas.openxmlformats.org/markup-compatibility/2006">
-        <mc:Choice xmlns:a14="http://schemas.microsoft.com/office/drawing/2010/main" Requires="a14">
+      <mc:AlternateContent xmlns:mc="http://schemas.openxmlformats.org/markup-compatibility/2006" xmlns:a14="http://schemas.microsoft.com/office/drawing/2010/main">
+        <mc:Choice Requires="a14">
           <p:sp>
             <p:nvSpPr>
               <p:cNvPr id="3" name="内容占位符 2"/>
@@ -14743,7 +14749,7 @@
                         <m:begChr m:val="{"/>
                         <m:endChr m:val="}"/>
                         <m:ctrlPr>
-                          <a:rPr lang="en-US" altLang="zh-CN" b="0" i="0" smtClean="0">
+                          <a:rPr lang="en-US" altLang="zh-CN" b="0" i="1" smtClean="0">
                             <a:latin typeface="Cambria Math" panose="02040503050406030204" pitchFamily="18" charset="0"/>
                           </a:rPr>
                         </m:ctrlPr>
@@ -14776,7 +14782,7 @@
                         <m:d>
                           <m:dPr>
                             <m:ctrlPr>
-                              <a:rPr lang="en-US" altLang="zh-CN" b="0" i="0" smtClean="0">
+                              <a:rPr lang="en-US" altLang="zh-CN" b="0" i="1" smtClean="0">
                                 <a:latin typeface="Cambria Math" panose="02040503050406030204" pitchFamily="18" charset="0"/>
                               </a:rPr>
                             </m:ctrlPr>
@@ -14842,7 +14848,7 @@
                         <m:d>
                           <m:dPr>
                             <m:ctrlPr>
-                              <a:rPr lang="en-US" altLang="zh-CN" b="0" i="0" smtClean="0">
+                              <a:rPr lang="en-US" altLang="zh-CN" b="0" i="1" smtClean="0">
                                 <a:latin typeface="Cambria Math" panose="02040503050406030204" pitchFamily="18" charset="0"/>
                               </a:rPr>
                             </m:ctrlPr>
@@ -15218,7 +15224,7 @@
             </p:txBody>
           </p:sp>
         </mc:Choice>
-        <mc:Fallback>
+        <mc:Fallback xmlns="">
           <p:sp>
             <p:nvSpPr>
               <p:cNvPr id="3" name="内容占位符 2"/>
@@ -15642,29 +15648,43 @@
           <a:bodyPr/>
           <a:lstStyle/>
           <a:p>
-            <a:endParaRPr lang="zh-CN" altLang="en-US"/>
-          </a:p>
-        </p:txBody>
-      </p:sp>
-      <p:sp>
-        <p:nvSpPr>
-          <p:cNvPr id="5" name="内容占位符 4"/>
-          <p:cNvSpPr>
-            <a:spLocks noGrp="1"/>
-          </p:cNvSpPr>
+            <a:r>
+              <a:rPr lang="zh-CN" altLang="en-US" dirty="0" smtClean="0"/>
+              <a:t>测试平台提供的码表</a:t>
+            </a:r>
+            <a:endParaRPr lang="zh-CN" altLang="en-US" dirty="0"/>
+          </a:p>
+        </p:txBody>
+      </p:sp>
+      <p:pic>
+        <p:nvPicPr>
+          <p:cNvPr id="2" name="内容占位符 1" descr="屏幕剪辑"/>
+          <p:cNvPicPr>
+            <a:picLocks noGrp="1" noChangeAspect="1"/>
+          </p:cNvPicPr>
           <p:nvPr>
             <p:ph idx="1"/>
           </p:nvPr>
-        </p:nvSpPr>
-        <p:spPr/>
-        <p:txBody>
-          <a:bodyPr/>
-          <a:lstStyle/>
-          <a:p>
-            <a:endParaRPr lang="zh-CN" altLang="en-US"/>
-          </a:p>
-        </p:txBody>
-      </p:sp>
+        </p:nvPicPr>
+        <p:blipFill>
+          <a:blip r:embed="rId2">
+            <a:extLst>
+              <a:ext uri="{28A0092B-C50C-407E-A947-70E740481C1C}">
+                <a14:useLocalDpi xmlns:a14="http://schemas.microsoft.com/office/drawing/2010/main" val="0"/>
+              </a:ext>
+            </a:extLst>
+          </a:blip>
+          <a:stretch>
+            <a:fillRect/>
+          </a:stretch>
+        </p:blipFill>
+        <p:spPr>
+          <a:xfrm>
+            <a:off x="677334" y="1133811"/>
+            <a:ext cx="791544" cy="2985923"/>
+          </a:xfrm>
+        </p:spPr>
+      </p:pic>
       <p:sp>
         <p:nvSpPr>
           <p:cNvPr id="6" name="灯片编号占位符 5"/>
@@ -15688,6 +15708,212 @@
           </a:p>
         </p:txBody>
       </p:sp>
+      <p:sp>
+        <p:nvSpPr>
+          <p:cNvPr id="3" name="文本框 2"/>
+          <p:cNvSpPr txBox="1"/>
+          <p:nvPr/>
+        </p:nvSpPr>
+        <p:spPr>
+          <a:xfrm>
+            <a:off x="2966936" y="1270000"/>
+            <a:ext cx="6686445" cy="4801314"/>
+          </a:xfrm>
+          <a:prstGeom prst="rect">
+            <a:avLst/>
+          </a:prstGeom>
+          <a:noFill/>
+        </p:spPr>
+        <p:txBody>
+          <a:bodyPr wrap="square" rtlCol="0">
+            <a:spAutoFit/>
+          </a:bodyPr>
+          <a:lstStyle/>
+          <a:p>
+            <a:r>
+              <a:rPr lang="zh-CN" altLang="en-US" dirty="0" smtClean="0"/>
+              <a:t>平台提供的单符号码表是量化间隔为</a:t>
+            </a:r>
+            <a:r>
+              <a:rPr lang="en-US" altLang="zh-CN" dirty="0" smtClean="0"/>
+              <a:t>20</a:t>
+            </a:r>
+            <a:r>
+              <a:rPr lang="zh-CN" altLang="en-US" dirty="0" smtClean="0"/>
+              <a:t>的等长编码，因此我们在量化阶段选择步长为</a:t>
+            </a:r>
+            <a:r>
+              <a:rPr lang="en-US" altLang="zh-CN" dirty="0" smtClean="0"/>
+              <a:t>20</a:t>
+            </a:r>
+            <a:r>
+              <a:rPr lang="zh-CN" altLang="en-US" dirty="0" smtClean="0"/>
+              <a:t>的均匀量化进行实验，编码后的总长度为</a:t>
+            </a:r>
+            <a:r>
+              <a:rPr lang="en-US" altLang="zh-CN" dirty="0" smtClean="0"/>
+              <a:t>65716 bits,</a:t>
+            </a:r>
+            <a:r>
+              <a:rPr lang="zh-CN" altLang="en-US" dirty="0" smtClean="0"/>
+              <a:t>比理论值</a:t>
+            </a:r>
+            <a:r>
+              <a:rPr lang="en-US" altLang="zh-CN" dirty="0" smtClean="0"/>
+              <a:t>4×128×128=65536 bits</a:t>
+            </a:r>
+            <a:r>
+              <a:rPr lang="zh-CN" altLang="en-US" dirty="0" smtClean="0"/>
+              <a:t>略多的原因可能是有条带起始码和码表也被记入等。</a:t>
+            </a:r>
+            <a:endParaRPr lang="en-US" altLang="zh-CN" dirty="0" smtClean="0"/>
+          </a:p>
+          <a:p>
+            <a:endParaRPr lang="en-US" altLang="zh-CN" dirty="0"/>
+          </a:p>
+          <a:p>
+            <a:endParaRPr lang="en-US" altLang="zh-CN" dirty="0" smtClean="0"/>
+          </a:p>
+          <a:p>
+            <a:endParaRPr lang="en-US" altLang="zh-CN" dirty="0" smtClean="0"/>
+          </a:p>
+          <a:p>
+            <a:r>
+              <a:rPr lang="zh-CN" altLang="en-US" dirty="0"/>
+              <a:t>平台提供</a:t>
+            </a:r>
+            <a:r>
+              <a:rPr lang="zh-CN" altLang="en-US" dirty="0" smtClean="0"/>
+              <a:t>的双符号码表对上述量化图像进行编码，发现使用了</a:t>
+            </a:r>
+            <a:r>
+              <a:rPr lang="en-US" altLang="zh-CN" dirty="0" smtClean="0"/>
+              <a:t>163963 bits,</a:t>
+            </a:r>
+            <a:r>
+              <a:rPr lang="zh-CN" altLang="en-US" dirty="0"/>
+              <a:t>这</a:t>
+            </a:r>
+            <a:r>
+              <a:rPr lang="zh-CN" altLang="en-US" dirty="0" smtClean="0"/>
+              <a:t>是因为虽然</a:t>
+            </a:r>
+            <a:r>
+              <a:rPr lang="zh-CN" altLang="en-US" dirty="0"/>
+              <a:t>双符号码</a:t>
+            </a:r>
+            <a:r>
+              <a:rPr lang="zh-CN" altLang="en-US" dirty="0" smtClean="0"/>
+              <a:t>表看上去是针对量化间隔为</a:t>
+            </a:r>
+            <a:r>
+              <a:rPr lang="en-US" altLang="zh-CN" dirty="0" smtClean="0"/>
+              <a:t>20</a:t>
+            </a:r>
+            <a:r>
+              <a:rPr lang="zh-CN" altLang="en-US" dirty="0" smtClean="0"/>
+              <a:t>的情况的，但码表不仅不完善，甚至其中进行编码的灰度值与输入量化图像的灰度值也无法对应。因此实际上所有的灰度值都以逃逸码的形式进行编码，平均编码长度为</a:t>
+            </a:r>
+            <a:r>
+              <a:rPr lang="en-US" altLang="zh-CN" dirty="0" smtClean="0"/>
+              <a:t>8+8+4=20 bits, </a:t>
+            </a:r>
+            <a:r>
+              <a:rPr lang="zh-CN" altLang="en-US" dirty="0" smtClean="0"/>
+              <a:t>因此理论上使用的</a:t>
+            </a:r>
+            <a:r>
+              <a:rPr lang="en-US" altLang="zh-CN" dirty="0" smtClean="0"/>
+              <a:t>bit</a:t>
+            </a:r>
+            <a:r>
+              <a:rPr lang="zh-CN" altLang="en-US" dirty="0" smtClean="0"/>
+              <a:t>数为</a:t>
+            </a:r>
+            <a:r>
+              <a:rPr lang="en-US" altLang="zh-CN" dirty="0" smtClean="0"/>
+              <a:t>20×128×128=163840bit</a:t>
+            </a:r>
+            <a:r>
+              <a:rPr lang="zh-CN" altLang="en-US" dirty="0" smtClean="0"/>
+              <a:t>。</a:t>
+            </a:r>
+            <a:endParaRPr lang="en-US" altLang="zh-CN" dirty="0" smtClean="0"/>
+          </a:p>
+          <a:p>
+            <a:r>
+              <a:rPr lang="zh-CN" altLang="en-US" dirty="0" smtClean="0"/>
+              <a:t>而假如我们采用合理的</a:t>
+            </a:r>
+            <a:r>
+              <a:rPr lang="zh-CN" altLang="en-US" dirty="0"/>
+              <a:t>双</a:t>
+            </a:r>
+            <a:r>
+              <a:rPr lang="zh-CN" altLang="en-US" dirty="0" smtClean="0"/>
+              <a:t>符号等长编码，则码长为</a:t>
+            </a:r>
+            <a:r>
+              <a:rPr lang="en-US" altLang="zh-CN" dirty="0" smtClean="0"/>
+              <a:t>8</a:t>
+            </a:r>
+            <a:r>
+              <a:rPr lang="zh-CN" altLang="en-US" dirty="0" smtClean="0"/>
+              <a:t>，总的</a:t>
+            </a:r>
+            <a:r>
+              <a:rPr lang="en-US" altLang="zh-CN" dirty="0" smtClean="0"/>
+              <a:t>bit</a:t>
+            </a:r>
+            <a:r>
+              <a:rPr lang="zh-CN" altLang="en-US" dirty="0" smtClean="0"/>
+              <a:t>数为</a:t>
+            </a:r>
+            <a:r>
+              <a:rPr lang="en-US" altLang="zh-CN" dirty="0" smtClean="0"/>
+              <a:t>8×64×128=65536</a:t>
+            </a:r>
+            <a:r>
+              <a:rPr lang="zh-CN" altLang="en-US" dirty="0" smtClean="0"/>
+              <a:t>。可见码表与实际量化情况不匹配虽然不会造成编解码错误，但会造成编码长度大幅增加。</a:t>
+            </a:r>
+            <a:endParaRPr lang="en-US" altLang="zh-CN" dirty="0"/>
+          </a:p>
+          <a:p>
+            <a:endParaRPr lang="zh-CN" altLang="en-US" dirty="0"/>
+          </a:p>
+        </p:txBody>
+      </p:sp>
+      <p:pic>
+        <p:nvPicPr>
+          <p:cNvPr id="7" name="图片 6" descr="屏幕剪辑"/>
+          <p:cNvPicPr>
+            <a:picLocks noChangeAspect="1"/>
+          </p:cNvPicPr>
+          <p:nvPr/>
+        </p:nvPicPr>
+        <p:blipFill>
+          <a:blip r:embed="rId3">
+            <a:extLst>
+              <a:ext uri="{28A0092B-C50C-407E-A947-70E740481C1C}">
+                <a14:useLocalDpi xmlns:a14="http://schemas.microsoft.com/office/drawing/2010/main" val="0"/>
+              </a:ext>
+            </a:extLst>
+          </a:blip>
+          <a:stretch>
+            <a:fillRect/>
+          </a:stretch>
+        </p:blipFill>
+        <p:spPr>
+          <a:xfrm>
+            <a:off x="677334" y="4119734"/>
+            <a:ext cx="1418838" cy="2383277"/>
+          </a:xfrm>
+          <a:prstGeom prst="rect">
+            <a:avLst/>
+          </a:prstGeom>
+        </p:spPr>
+      </p:pic>
     </p:spTree>
     <p:extLst>
       <p:ext uri="{BB962C8B-B14F-4D97-AF65-F5344CB8AC3E}">
@@ -15727,6 +15953,1027 @@
       </p:grpSpPr>
       <p:sp>
         <p:nvSpPr>
+          <p:cNvPr id="2" name="标题 1"/>
+          <p:cNvSpPr>
+            <a:spLocks noGrp="1"/>
+          </p:cNvSpPr>
+          <p:nvPr>
+            <p:ph type="title"/>
+          </p:nvPr>
+        </p:nvSpPr>
+        <p:spPr/>
+        <p:txBody>
+          <a:bodyPr/>
+          <a:lstStyle/>
+          <a:p>
+            <a:r>
+              <a:rPr lang="zh-CN" altLang="en-US" dirty="0" smtClean="0"/>
+              <a:t>霍夫曼编码</a:t>
+            </a:r>
+            <a:endParaRPr lang="zh-CN" altLang="en-US" dirty="0"/>
+          </a:p>
+        </p:txBody>
+      </p:sp>
+      <p:sp>
+        <p:nvSpPr>
+          <p:cNvPr id="3" name="内容占位符 2"/>
+          <p:cNvSpPr>
+            <a:spLocks noGrp="1"/>
+          </p:cNvSpPr>
+          <p:nvPr>
+            <p:ph idx="1"/>
+          </p:nvPr>
+        </p:nvSpPr>
+        <p:spPr/>
+        <p:txBody>
+          <a:bodyPr>
+            <a:normAutofit lnSpcReduction="10000"/>
+          </a:bodyPr>
+          <a:lstStyle/>
+          <a:p>
+            <a:r>
+              <a:rPr lang="zh-CN" altLang="en-US" dirty="0" smtClean="0"/>
+              <a:t>统计量化图片的各个灰度值的出现频次，算出其频率</a:t>
+            </a:r>
+            <a:endParaRPr lang="en-US" altLang="zh-CN" dirty="0" smtClean="0"/>
+          </a:p>
+          <a:p>
+            <a:endParaRPr lang="en-US" altLang="zh-CN" dirty="0" smtClean="0"/>
+          </a:p>
+          <a:p>
+            <a:r>
+              <a:rPr lang="zh-CN" altLang="en-US" dirty="0" smtClean="0"/>
+              <a:t>根据其频率进行霍夫曼编码（将频率当作概率其实是有问题的）</a:t>
+            </a:r>
+            <a:endParaRPr lang="en-US" altLang="zh-CN" dirty="0" smtClean="0"/>
+          </a:p>
+          <a:p>
+            <a:endParaRPr lang="en-US" altLang="zh-CN" dirty="0" smtClean="0"/>
+          </a:p>
+          <a:p>
+            <a:r>
+              <a:rPr lang="zh-CN" altLang="en-US" dirty="0" smtClean="0"/>
+              <a:t>逃逸码在正常情况下不会用到，因此看做出现频率为</a:t>
+            </a:r>
+            <a:r>
+              <a:rPr lang="en-US" altLang="zh-CN" dirty="0" smtClean="0"/>
+              <a:t>0</a:t>
+            </a:r>
+            <a:r>
+              <a:rPr lang="zh-CN" altLang="en-US" dirty="0" smtClean="0"/>
+              <a:t>，也加入霍夫曼树中</a:t>
+            </a:r>
+            <a:endParaRPr lang="en-US" altLang="zh-CN" dirty="0" smtClean="0"/>
+          </a:p>
+          <a:p>
+            <a:endParaRPr lang="en-US" altLang="zh-CN" dirty="0" smtClean="0"/>
+          </a:p>
+          <a:p>
+            <a:r>
+              <a:rPr lang="zh-CN" altLang="en-US" dirty="0" smtClean="0"/>
+              <a:t>相比最优霍夫曼编码频率最低的灰度值编码长度长了一位，但几乎不影响平均编码长度。</a:t>
+            </a:r>
+            <a:endParaRPr lang="en-US" altLang="zh-CN" dirty="0" smtClean="0"/>
+          </a:p>
+          <a:p>
+            <a:endParaRPr lang="en-US" altLang="zh-CN" dirty="0"/>
+          </a:p>
+          <a:p>
+            <a:r>
+              <a:rPr lang="zh-CN" altLang="en-US" dirty="0"/>
+              <a:t>两个连续两个</a:t>
+            </a:r>
+            <a:r>
+              <a:rPr lang="zh-CN" altLang="en-US" dirty="0" smtClean="0"/>
+              <a:t>符号可以通过将第一个符号作为整数部分，第二个符号作为小数部分处理。</a:t>
+            </a:r>
+            <a:endParaRPr lang="zh-CN" altLang="en-US" dirty="0"/>
+          </a:p>
+        </p:txBody>
+      </p:sp>
+      <p:sp>
+        <p:nvSpPr>
+          <p:cNvPr id="4" name="灯片编号占位符 3"/>
+          <p:cNvSpPr>
+            <a:spLocks noGrp="1"/>
+          </p:cNvSpPr>
+          <p:nvPr>
+            <p:ph type="sldNum" sz="quarter" idx="12"/>
+          </p:nvPr>
+        </p:nvSpPr>
+        <p:spPr/>
+        <p:txBody>
+          <a:bodyPr/>
+          <a:lstStyle/>
+          <a:p>
+            <a:fld id="{AFD96F87-9EEA-4173-B560-4ADE20BAA8CF}" type="slidenum">
+              <a:rPr lang="zh-CN" altLang="en-US" smtClean="0"/>
+              <a:t>21</a:t>
+            </a:fld>
+            <a:endParaRPr lang="zh-CN" altLang="en-US"/>
+          </a:p>
+        </p:txBody>
+      </p:sp>
+    </p:spTree>
+    <p:extLst>
+      <p:ext uri="{BB962C8B-B14F-4D97-AF65-F5344CB8AC3E}">
+        <p14:creationId xmlns:p14="http://schemas.microsoft.com/office/powerpoint/2010/main" val="755817604"/>
+      </p:ext>
+    </p:extLst>
+  </p:cSld>
+  <p:clrMapOvr>
+    <a:masterClrMapping/>
+  </p:clrMapOvr>
+</p:sld>
+</file>
+
+<file path=ppt/slides/slide22.xml><?xml version="1.0" encoding="utf-8"?>
+<p:sld xmlns:a="http://schemas.openxmlformats.org/drawingml/2006/main" xmlns:r="http://schemas.openxmlformats.org/officeDocument/2006/relationships" xmlns:p="http://schemas.openxmlformats.org/presentationml/2006/main">
+  <p:cSld>
+    <p:spTree>
+      <p:nvGrpSpPr>
+        <p:cNvPr id="1" name=""/>
+        <p:cNvGrpSpPr/>
+        <p:nvPr/>
+      </p:nvGrpSpPr>
+      <p:grpSpPr>
+        <a:xfrm>
+          <a:off x="0" y="0"/>
+          <a:ext cx="0" cy="0"/>
+          <a:chOff x="0" y="0"/>
+          <a:chExt cx="0" cy="0"/>
+        </a:xfrm>
+      </p:grpSpPr>
+      <p:sp>
+        <p:nvSpPr>
+          <p:cNvPr id="2" name="标题 1"/>
+          <p:cNvSpPr>
+            <a:spLocks noGrp="1"/>
+          </p:cNvSpPr>
+          <p:nvPr>
+            <p:ph type="title"/>
+          </p:nvPr>
+        </p:nvSpPr>
+        <p:spPr/>
+        <p:txBody>
+          <a:bodyPr/>
+          <a:lstStyle/>
+          <a:p>
+            <a:r>
+              <a:rPr lang="zh-CN" altLang="en-US" dirty="0"/>
+              <a:t>霍夫曼</a:t>
+            </a:r>
+            <a:r>
+              <a:rPr lang="zh-CN" altLang="en-US" dirty="0" smtClean="0"/>
+              <a:t>编码（单符号）</a:t>
+            </a:r>
+            <a:endParaRPr lang="zh-CN" altLang="en-US" dirty="0"/>
+          </a:p>
+        </p:txBody>
+      </p:sp>
+      <p:sp>
+        <p:nvSpPr>
+          <p:cNvPr id="3" name="内容占位符 2"/>
+          <p:cNvSpPr>
+            <a:spLocks noGrp="1"/>
+          </p:cNvSpPr>
+          <p:nvPr>
+            <p:ph idx="1"/>
+          </p:nvPr>
+        </p:nvSpPr>
+        <p:spPr>
+          <a:xfrm>
+            <a:off x="520489" y="3130645"/>
+            <a:ext cx="8596668" cy="3880773"/>
+          </a:xfrm>
+        </p:spPr>
+        <p:txBody>
+          <a:bodyPr/>
+          <a:lstStyle/>
+          <a:p>
+            <a:r>
+              <a:rPr lang="zh-CN" altLang="en-US" dirty="0"/>
+              <a:t>间隔为</a:t>
+            </a:r>
+            <a:r>
+              <a:rPr lang="en-US" altLang="zh-CN" dirty="0"/>
+              <a:t>20</a:t>
+            </a:r>
+            <a:r>
+              <a:rPr lang="zh-CN" altLang="en-US" dirty="0"/>
+              <a:t>的</a:t>
+            </a:r>
+            <a:r>
+              <a:rPr lang="zh-CN" altLang="en-US" dirty="0" smtClean="0"/>
+              <a:t>均匀量化</a:t>
+            </a:r>
+            <a:endParaRPr lang="en-US" altLang="zh-CN" dirty="0" smtClean="0"/>
+          </a:p>
+          <a:p>
+            <a:endParaRPr lang="en-US" altLang="zh-CN" dirty="0"/>
+          </a:p>
+          <a:p>
+            <a:r>
+              <a:rPr lang="zh-CN" altLang="en-US" dirty="0"/>
+              <a:t>平均编码长度为</a:t>
+            </a:r>
+            <a:r>
+              <a:rPr lang="en-US" altLang="zh-CN" dirty="0" smtClean="0"/>
+              <a:t>3.2172 bit</a:t>
+            </a:r>
+            <a:r>
+              <a:rPr lang="zh-CN" altLang="en-US" dirty="0" smtClean="0"/>
+              <a:t>，信息熵为</a:t>
+            </a:r>
+            <a:r>
+              <a:rPr lang="en-US" altLang="zh-CN" dirty="0" smtClean="0"/>
+              <a:t>3.1530 bit</a:t>
+            </a:r>
+            <a:r>
+              <a:rPr lang="zh-CN" altLang="en-US" dirty="0" smtClean="0"/>
+              <a:t>，编码效率</a:t>
+            </a:r>
+            <a:r>
+              <a:rPr lang="en-US" altLang="zh-CN" dirty="0" smtClean="0"/>
+              <a:t>98.00%</a:t>
+            </a:r>
+          </a:p>
+          <a:p>
+            <a:endParaRPr lang="en-US" altLang="zh-CN" dirty="0"/>
+          </a:p>
+          <a:p>
+            <a:r>
+              <a:rPr lang="zh-CN" altLang="en-US" dirty="0"/>
+              <a:t>编码总长度为</a:t>
+            </a:r>
+            <a:r>
+              <a:rPr lang="en-US" altLang="zh-CN" dirty="0" smtClean="0"/>
+              <a:t>52711bit</a:t>
+            </a:r>
+            <a:r>
+              <a:rPr lang="zh-CN" altLang="en-US" dirty="0"/>
+              <a:t>，</a:t>
+            </a:r>
+            <a:r>
+              <a:rPr lang="zh-CN" altLang="en-US" dirty="0" smtClean="0"/>
+              <a:t>平台霍夫曼编码为</a:t>
+            </a:r>
+            <a:r>
+              <a:rPr lang="en-US" altLang="zh-CN" dirty="0" smtClean="0"/>
+              <a:t>52710bit</a:t>
+            </a:r>
+            <a:r>
+              <a:rPr lang="zh-CN" altLang="en-US" dirty="0" smtClean="0"/>
+              <a:t>，区别在于是否加入逃逸码</a:t>
+            </a:r>
+            <a:endParaRPr lang="en-US" altLang="zh-CN" dirty="0" smtClean="0"/>
+          </a:p>
+          <a:p>
+            <a:endParaRPr lang="en-US" altLang="zh-CN" dirty="0"/>
+          </a:p>
+          <a:p>
+            <a:r>
+              <a:rPr lang="zh-CN" altLang="en-US" dirty="0" smtClean="0"/>
+              <a:t>与平台自带的定长编码（</a:t>
+            </a:r>
+            <a:r>
+              <a:rPr lang="en-US" altLang="zh-CN" dirty="0" smtClean="0"/>
+              <a:t>65536 bit</a:t>
+            </a:r>
+            <a:r>
+              <a:rPr lang="zh-CN" altLang="en-US" dirty="0" smtClean="0"/>
+              <a:t>）相比编码长度缩短了很多</a:t>
+            </a:r>
+            <a:endParaRPr lang="en-US" altLang="zh-CN" dirty="0" smtClean="0"/>
+          </a:p>
+          <a:p>
+            <a:endParaRPr lang="en-US" altLang="zh-CN" dirty="0"/>
+          </a:p>
+          <a:p>
+            <a:endParaRPr lang="zh-CN" altLang="en-US" dirty="0"/>
+          </a:p>
+        </p:txBody>
+      </p:sp>
+      <p:sp>
+        <p:nvSpPr>
+          <p:cNvPr id="4" name="灯片编号占位符 3"/>
+          <p:cNvSpPr>
+            <a:spLocks noGrp="1"/>
+          </p:cNvSpPr>
+          <p:nvPr>
+            <p:ph type="sldNum" sz="quarter" idx="12"/>
+          </p:nvPr>
+        </p:nvSpPr>
+        <p:spPr/>
+        <p:txBody>
+          <a:bodyPr/>
+          <a:lstStyle/>
+          <a:p>
+            <a:fld id="{AFD96F87-9EEA-4173-B560-4ADE20BAA8CF}" type="slidenum">
+              <a:rPr lang="zh-CN" altLang="en-US" smtClean="0"/>
+              <a:t>22</a:t>
+            </a:fld>
+            <a:endParaRPr lang="zh-CN" altLang="en-US"/>
+          </a:p>
+        </p:txBody>
+      </p:sp>
+      <p:pic>
+        <p:nvPicPr>
+          <p:cNvPr id="5" name="图片 4" descr="屏幕剪辑"/>
+          <p:cNvPicPr>
+            <a:picLocks noChangeAspect="1"/>
+          </p:cNvPicPr>
+          <p:nvPr/>
+        </p:nvPicPr>
+        <p:blipFill>
+          <a:blip r:embed="rId2">
+            <a:extLst>
+              <a:ext uri="{28A0092B-C50C-407E-A947-70E740481C1C}">
+                <a14:useLocalDpi xmlns:a14="http://schemas.microsoft.com/office/drawing/2010/main" val="0"/>
+              </a:ext>
+            </a:extLst>
+          </a:blip>
+          <a:stretch>
+            <a:fillRect/>
+          </a:stretch>
+        </p:blipFill>
+        <p:spPr>
+          <a:xfrm>
+            <a:off x="6108007" y="289862"/>
+            <a:ext cx="1599843" cy="3497587"/>
+          </a:xfrm>
+          <a:prstGeom prst="rect">
+            <a:avLst/>
+          </a:prstGeom>
+        </p:spPr>
+      </p:pic>
+    </p:spTree>
+    <p:extLst>
+      <p:ext uri="{BB962C8B-B14F-4D97-AF65-F5344CB8AC3E}">
+        <p14:creationId xmlns:p14="http://schemas.microsoft.com/office/powerpoint/2010/main" val="1672537485"/>
+      </p:ext>
+    </p:extLst>
+  </p:cSld>
+  <p:clrMapOvr>
+    <a:masterClrMapping/>
+  </p:clrMapOvr>
+</p:sld>
+</file>
+
+<file path=ppt/slides/slide23.xml><?xml version="1.0" encoding="utf-8"?>
+<p:sld xmlns:a="http://schemas.openxmlformats.org/drawingml/2006/main" xmlns:r="http://schemas.openxmlformats.org/officeDocument/2006/relationships" xmlns:p="http://schemas.openxmlformats.org/presentationml/2006/main">
+  <p:cSld>
+    <p:spTree>
+      <p:nvGrpSpPr>
+        <p:cNvPr id="1" name=""/>
+        <p:cNvGrpSpPr/>
+        <p:nvPr/>
+      </p:nvGrpSpPr>
+      <p:grpSpPr>
+        <a:xfrm>
+          <a:off x="0" y="0"/>
+          <a:ext cx="0" cy="0"/>
+          <a:chOff x="0" y="0"/>
+          <a:chExt cx="0" cy="0"/>
+        </a:xfrm>
+      </p:grpSpPr>
+      <p:sp>
+        <p:nvSpPr>
+          <p:cNvPr id="2" name="标题 1"/>
+          <p:cNvSpPr>
+            <a:spLocks noGrp="1"/>
+          </p:cNvSpPr>
+          <p:nvPr>
+            <p:ph type="title"/>
+          </p:nvPr>
+        </p:nvSpPr>
+        <p:spPr/>
+        <p:txBody>
+          <a:bodyPr/>
+          <a:lstStyle/>
+          <a:p>
+            <a:r>
+              <a:rPr lang="zh-CN" altLang="en-US" dirty="0" smtClean="0"/>
+              <a:t>霍夫曼编码（双符号</a:t>
+            </a:r>
+            <a:r>
+              <a:rPr lang="zh-CN" altLang="en-US" dirty="0"/>
+              <a:t>）</a:t>
+            </a:r>
+          </a:p>
+        </p:txBody>
+      </p:sp>
+      <p:sp>
+        <p:nvSpPr>
+          <p:cNvPr id="3" name="内容占位符 2"/>
+          <p:cNvSpPr>
+            <a:spLocks noGrp="1"/>
+          </p:cNvSpPr>
+          <p:nvPr>
+            <p:ph idx="1"/>
+          </p:nvPr>
+        </p:nvSpPr>
+        <p:spPr/>
+        <p:txBody>
+          <a:bodyPr>
+            <a:normAutofit fontScale="92500" lnSpcReduction="20000"/>
+          </a:bodyPr>
+          <a:lstStyle/>
+          <a:p>
+            <a:r>
+              <a:rPr lang="zh-CN" altLang="en-US" dirty="0" smtClean="0"/>
+              <a:t>同样选取间隔</a:t>
+            </a:r>
+            <a:r>
+              <a:rPr lang="zh-CN" altLang="en-US" dirty="0"/>
+              <a:t>为</a:t>
+            </a:r>
+            <a:r>
+              <a:rPr lang="en-US" altLang="zh-CN" dirty="0"/>
+              <a:t>20</a:t>
+            </a:r>
+            <a:r>
+              <a:rPr lang="zh-CN" altLang="en-US" dirty="0"/>
+              <a:t>的</a:t>
+            </a:r>
+            <a:r>
+              <a:rPr lang="zh-CN" altLang="en-US" dirty="0" smtClean="0"/>
+              <a:t>均匀量化</a:t>
+            </a:r>
+            <a:endParaRPr lang="en-US" altLang="zh-CN" dirty="0" smtClean="0"/>
+          </a:p>
+          <a:p>
+            <a:endParaRPr lang="en-US" altLang="zh-CN" dirty="0"/>
+          </a:p>
+          <a:p>
+            <a:r>
+              <a:rPr lang="zh-CN" altLang="en-US" dirty="0" smtClean="0"/>
+              <a:t>平均编码长度</a:t>
+            </a:r>
+            <a:r>
+              <a:rPr lang="en-US" altLang="zh-CN" dirty="0" smtClean="0"/>
+              <a:t>5.0587 bit</a:t>
+            </a:r>
+            <a:r>
+              <a:rPr lang="zh-CN" altLang="en-US" dirty="0" smtClean="0"/>
+              <a:t>，信息熵为</a:t>
+            </a:r>
+            <a:r>
+              <a:rPr lang="en-US" altLang="zh-CN" dirty="0" smtClean="0"/>
+              <a:t>5.0216 bit,</a:t>
+            </a:r>
+            <a:r>
+              <a:rPr lang="zh-CN" altLang="en-US" dirty="0" smtClean="0"/>
+              <a:t>编码效率</a:t>
+            </a:r>
+            <a:r>
+              <a:rPr lang="en-US" altLang="zh-CN" dirty="0" smtClean="0"/>
+              <a:t>99.27%</a:t>
+            </a:r>
+          </a:p>
+          <a:p>
+            <a:endParaRPr lang="en-US" altLang="zh-CN" dirty="0" smtClean="0"/>
+          </a:p>
+          <a:p>
+            <a:r>
+              <a:rPr lang="zh-CN" altLang="en-US" dirty="0" smtClean="0"/>
+              <a:t>编码总长度</a:t>
+            </a:r>
+            <a:r>
+              <a:rPr lang="en-US" altLang="zh-CN" dirty="0" smtClean="0"/>
+              <a:t>41441 bit</a:t>
+            </a:r>
+          </a:p>
+          <a:p>
+            <a:endParaRPr lang="en-US" altLang="zh-CN" dirty="0"/>
+          </a:p>
+          <a:p>
+            <a:r>
+              <a:rPr lang="zh-CN" altLang="en-US" dirty="0" smtClean="0"/>
+              <a:t>相比单符号的霍夫曼编码（</a:t>
+            </a:r>
+            <a:r>
+              <a:rPr lang="en-US" altLang="zh-CN" dirty="0" smtClean="0"/>
+              <a:t>52711 bit</a:t>
+            </a:r>
+            <a:r>
+              <a:rPr lang="zh-CN" altLang="en-US" dirty="0" smtClean="0"/>
+              <a:t>），编码总长度进一步缩短</a:t>
+            </a:r>
+            <a:endParaRPr lang="en-US" altLang="zh-CN" dirty="0" smtClean="0"/>
+          </a:p>
+          <a:p>
+            <a:endParaRPr lang="en-US" altLang="zh-CN" dirty="0"/>
+          </a:p>
+          <a:p>
+            <a:r>
+              <a:rPr lang="zh-CN" altLang="en-US" dirty="0" smtClean="0"/>
+              <a:t>原因：</a:t>
+            </a:r>
+            <a:r>
+              <a:rPr lang="en-US" altLang="zh-CN" dirty="0" smtClean="0"/>
+              <a:t>1.</a:t>
+            </a:r>
+            <a:r>
+              <a:rPr lang="zh-CN" altLang="en-US" dirty="0"/>
+              <a:t>两个</a:t>
+            </a:r>
+            <a:r>
+              <a:rPr lang="zh-CN" altLang="en-US" dirty="0" smtClean="0"/>
+              <a:t>符号进行</a:t>
+            </a:r>
+            <a:r>
+              <a:rPr lang="zh-CN" altLang="en-US" dirty="0"/>
+              <a:t>联合</a:t>
+            </a:r>
+            <a:r>
+              <a:rPr lang="zh-CN" altLang="en-US" dirty="0" smtClean="0"/>
+              <a:t>编码的情况下总信息熵降低了</a:t>
+            </a:r>
+            <a:endParaRPr lang="en-US" altLang="zh-CN" dirty="0" smtClean="0"/>
+          </a:p>
+          <a:p>
+            <a:pPr marL="0" indent="0">
+              <a:buNone/>
+            </a:pPr>
+            <a:r>
+              <a:rPr lang="en-US" altLang="zh-CN" dirty="0"/>
+              <a:t> </a:t>
+            </a:r>
+            <a:r>
+              <a:rPr lang="en-US" altLang="zh-CN" dirty="0" smtClean="0"/>
+              <a:t>                  </a:t>
+            </a:r>
+            <a:r>
+              <a:rPr lang="zh-CN" altLang="en-US" dirty="0" smtClean="0"/>
+              <a:t>两个符号联合编码扩展了信源。</a:t>
+            </a:r>
+            <a:endParaRPr lang="en-US" altLang="zh-CN" dirty="0" smtClean="0"/>
+          </a:p>
+          <a:p>
+            <a:pPr marL="0" indent="0">
+              <a:buNone/>
+            </a:pPr>
+            <a:r>
+              <a:rPr lang="en-US" altLang="zh-CN" dirty="0" smtClean="0"/>
+              <a:t>               2.</a:t>
+            </a:r>
+            <a:r>
+              <a:rPr lang="zh-CN" altLang="en-US" dirty="0" smtClean="0"/>
+              <a:t>编码效率也有小幅提高（次要）</a:t>
+            </a:r>
+            <a:endParaRPr lang="en-US" altLang="zh-CN" dirty="0" smtClean="0"/>
+          </a:p>
+          <a:p>
+            <a:endParaRPr lang="en-US" altLang="zh-CN" dirty="0" smtClean="0"/>
+          </a:p>
+          <a:p>
+            <a:endParaRPr lang="en-US" altLang="zh-CN" dirty="0"/>
+          </a:p>
+          <a:p>
+            <a:endParaRPr lang="en-US" altLang="zh-CN" dirty="0"/>
+          </a:p>
+          <a:p>
+            <a:endParaRPr lang="en-US" altLang="zh-CN" dirty="0" smtClean="0"/>
+          </a:p>
+          <a:p>
+            <a:endParaRPr lang="zh-CN" altLang="en-US" dirty="0"/>
+          </a:p>
+        </p:txBody>
+      </p:sp>
+      <p:sp>
+        <p:nvSpPr>
+          <p:cNvPr id="4" name="灯片编号占位符 3"/>
+          <p:cNvSpPr>
+            <a:spLocks noGrp="1"/>
+          </p:cNvSpPr>
+          <p:nvPr>
+            <p:ph type="sldNum" sz="quarter" idx="12"/>
+          </p:nvPr>
+        </p:nvSpPr>
+        <p:spPr/>
+        <p:txBody>
+          <a:bodyPr/>
+          <a:lstStyle/>
+          <a:p>
+            <a:fld id="{AFD96F87-9EEA-4173-B560-4ADE20BAA8CF}" type="slidenum">
+              <a:rPr lang="zh-CN" altLang="en-US" smtClean="0"/>
+              <a:t>23</a:t>
+            </a:fld>
+            <a:endParaRPr lang="zh-CN" altLang="en-US"/>
+          </a:p>
+        </p:txBody>
+      </p:sp>
+    </p:spTree>
+    <p:extLst>
+      <p:ext uri="{BB962C8B-B14F-4D97-AF65-F5344CB8AC3E}">
+        <p14:creationId xmlns:p14="http://schemas.microsoft.com/office/powerpoint/2010/main" val="3832588403"/>
+      </p:ext>
+    </p:extLst>
+  </p:cSld>
+  <p:clrMapOvr>
+    <a:masterClrMapping/>
+  </p:clrMapOvr>
+</p:sld>
+</file>
+
+<file path=ppt/slides/slide24.xml><?xml version="1.0" encoding="utf-8"?>
+<p:sld xmlns:a="http://schemas.openxmlformats.org/drawingml/2006/main" xmlns:r="http://schemas.openxmlformats.org/officeDocument/2006/relationships" xmlns:p="http://schemas.openxmlformats.org/presentationml/2006/main">
+  <p:cSld>
+    <p:spTree>
+      <p:nvGrpSpPr>
+        <p:cNvPr id="1" name=""/>
+        <p:cNvGrpSpPr/>
+        <p:nvPr/>
+      </p:nvGrpSpPr>
+      <p:grpSpPr>
+        <a:xfrm>
+          <a:off x="0" y="0"/>
+          <a:ext cx="0" cy="0"/>
+          <a:chOff x="0" y="0"/>
+          <a:chExt cx="0" cy="0"/>
+        </a:xfrm>
+      </p:grpSpPr>
+      <p:sp>
+        <p:nvSpPr>
+          <p:cNvPr id="2" name="标题 1"/>
+          <p:cNvSpPr>
+            <a:spLocks noGrp="1"/>
+          </p:cNvSpPr>
+          <p:nvPr>
+            <p:ph type="title"/>
+          </p:nvPr>
+        </p:nvSpPr>
+        <p:spPr/>
+        <p:txBody>
+          <a:bodyPr/>
+          <a:lstStyle/>
+          <a:p>
+            <a:r>
+              <a:rPr lang="zh-CN" altLang="en-US" dirty="0" smtClean="0"/>
+              <a:t>单符号编码不理想的原因</a:t>
+            </a:r>
+            <a:endParaRPr lang="zh-CN" altLang="en-US" dirty="0"/>
+          </a:p>
+        </p:txBody>
+      </p:sp>
+      <p:sp>
+        <p:nvSpPr>
+          <p:cNvPr id="3" name="内容占位符 2"/>
+          <p:cNvSpPr>
+            <a:spLocks noGrp="1"/>
+          </p:cNvSpPr>
+          <p:nvPr>
+            <p:ph idx="1"/>
+          </p:nvPr>
+        </p:nvSpPr>
+        <p:spPr>
+          <a:xfrm>
+            <a:off x="589785" y="1557474"/>
+            <a:ext cx="8596668" cy="4775232"/>
+          </a:xfrm>
+        </p:spPr>
+        <p:txBody>
+          <a:bodyPr>
+            <a:normAutofit/>
+          </a:bodyPr>
+          <a:lstStyle/>
+          <a:p>
+            <a:r>
+              <a:rPr lang="zh-CN" altLang="en-US" dirty="0" smtClean="0"/>
+              <a:t>问题在于我们将符号频率当作概率时默认符号间是独立的</a:t>
+            </a:r>
+            <a:endParaRPr lang="en-US" altLang="zh-CN" dirty="0" smtClean="0"/>
+          </a:p>
+          <a:p>
+            <a:endParaRPr lang="en-US" altLang="zh-CN" dirty="0"/>
+          </a:p>
+          <a:p>
+            <a:r>
+              <a:rPr lang="zh-CN" altLang="en-US" dirty="0" smtClean="0"/>
+              <a:t>事实上图像的两个相邻像素之间不是独立的，因此我们没有充分利用图像像素之间相关性的信息</a:t>
+            </a:r>
+            <a:endParaRPr lang="en-US" altLang="zh-CN" dirty="0" smtClean="0"/>
+          </a:p>
+          <a:p>
+            <a:endParaRPr lang="en-US" altLang="zh-CN" dirty="0"/>
+          </a:p>
+          <a:p>
+            <a:r>
+              <a:rPr lang="zh-CN" altLang="en-US" dirty="0" smtClean="0"/>
+              <a:t>两个相邻像素符号联合编码利用了一部分图像间的相关关系，因此所需的信息就相比单符号编码要少很多</a:t>
+            </a:r>
+            <a:endParaRPr lang="en-US" altLang="zh-CN" dirty="0" smtClean="0"/>
+          </a:p>
+          <a:p>
+            <a:endParaRPr lang="en-US" altLang="zh-CN" dirty="0"/>
+          </a:p>
+          <a:p>
+            <a:r>
+              <a:rPr lang="zh-CN" altLang="en-US" dirty="0" smtClean="0"/>
+              <a:t>同时单符号编码时信源符号的维数较小，编码效率不够高，两个相邻像素符号联合编码合并了信源符号，编码效率会有一定的提升。</a:t>
+            </a:r>
+            <a:endParaRPr lang="en-US" altLang="zh-CN" dirty="0" smtClean="0"/>
+          </a:p>
+          <a:p>
+            <a:endParaRPr lang="en-US" altLang="zh-CN" dirty="0"/>
+          </a:p>
+          <a:p>
+            <a:r>
+              <a:rPr lang="zh-CN" altLang="en-US" dirty="0" smtClean="0"/>
+              <a:t>但是信源扩展的阶次越高，系统的延时越长，存储量越大，码表也越长。</a:t>
+            </a:r>
+            <a:endParaRPr lang="zh-CN" altLang="en-US" dirty="0"/>
+          </a:p>
+        </p:txBody>
+      </p:sp>
+      <p:sp>
+        <p:nvSpPr>
+          <p:cNvPr id="4" name="灯片编号占位符 3"/>
+          <p:cNvSpPr>
+            <a:spLocks noGrp="1"/>
+          </p:cNvSpPr>
+          <p:nvPr>
+            <p:ph type="sldNum" sz="quarter" idx="12"/>
+          </p:nvPr>
+        </p:nvSpPr>
+        <p:spPr/>
+        <p:txBody>
+          <a:bodyPr/>
+          <a:lstStyle/>
+          <a:p>
+            <a:fld id="{AFD96F87-9EEA-4173-B560-4ADE20BAA8CF}" type="slidenum">
+              <a:rPr lang="zh-CN" altLang="en-US" smtClean="0"/>
+              <a:t>24</a:t>
+            </a:fld>
+            <a:endParaRPr lang="zh-CN" altLang="en-US"/>
+          </a:p>
+        </p:txBody>
+      </p:sp>
+    </p:spTree>
+    <p:extLst>
+      <p:ext uri="{BB962C8B-B14F-4D97-AF65-F5344CB8AC3E}">
+        <p14:creationId xmlns:p14="http://schemas.microsoft.com/office/powerpoint/2010/main" val="541264427"/>
+      </p:ext>
+    </p:extLst>
+  </p:cSld>
+  <p:clrMapOvr>
+    <a:masterClrMapping/>
+  </p:clrMapOvr>
+</p:sld>
+</file>
+
+<file path=ppt/slides/slide25.xml><?xml version="1.0" encoding="utf-8"?>
+<p:sld xmlns:a="http://schemas.openxmlformats.org/drawingml/2006/main" xmlns:r="http://schemas.openxmlformats.org/officeDocument/2006/relationships" xmlns:p="http://schemas.openxmlformats.org/presentationml/2006/main">
+  <p:cSld>
+    <p:spTree>
+      <p:nvGrpSpPr>
+        <p:cNvPr id="1" name=""/>
+        <p:cNvGrpSpPr/>
+        <p:nvPr/>
+      </p:nvGrpSpPr>
+      <p:grpSpPr>
+        <a:xfrm>
+          <a:off x="0" y="0"/>
+          <a:ext cx="0" cy="0"/>
+          <a:chOff x="0" y="0"/>
+          <a:chExt cx="0" cy="0"/>
+        </a:xfrm>
+      </p:grpSpPr>
+      <p:sp>
+        <p:nvSpPr>
+          <p:cNvPr id="2" name="标题 1"/>
+          <p:cNvSpPr>
+            <a:spLocks noGrp="1"/>
+          </p:cNvSpPr>
+          <p:nvPr>
+            <p:ph type="title"/>
+          </p:nvPr>
+        </p:nvSpPr>
+        <p:spPr/>
+        <p:txBody>
+          <a:bodyPr/>
+          <a:lstStyle/>
+          <a:p>
+            <a:r>
+              <a:rPr lang="zh-CN" altLang="en-US" dirty="0" smtClean="0"/>
+              <a:t>去除符号间相关</a:t>
+            </a:r>
+            <a:endParaRPr lang="zh-CN" altLang="en-US" dirty="0"/>
+          </a:p>
+        </p:txBody>
+      </p:sp>
+      <p:sp>
+        <p:nvSpPr>
+          <p:cNvPr id="3" name="内容占位符 2"/>
+          <p:cNvSpPr>
+            <a:spLocks noGrp="1"/>
+          </p:cNvSpPr>
+          <p:nvPr>
+            <p:ph idx="1"/>
+          </p:nvPr>
+        </p:nvSpPr>
+        <p:spPr/>
+        <p:txBody>
+          <a:bodyPr/>
+          <a:lstStyle/>
+          <a:p>
+            <a:r>
+              <a:rPr lang="zh-CN" altLang="en-US" dirty="0" smtClean="0"/>
+              <a:t>可以通过线性变换的方式去除符号之间的相关</a:t>
+            </a:r>
+            <a:endParaRPr lang="zh-CN" altLang="en-US" dirty="0"/>
+          </a:p>
+        </p:txBody>
+      </p:sp>
+      <p:sp>
+        <p:nvSpPr>
+          <p:cNvPr id="4" name="灯片编号占位符 3"/>
+          <p:cNvSpPr>
+            <a:spLocks noGrp="1"/>
+          </p:cNvSpPr>
+          <p:nvPr>
+            <p:ph type="sldNum" sz="quarter" idx="12"/>
+          </p:nvPr>
+        </p:nvSpPr>
+        <p:spPr/>
+        <p:txBody>
+          <a:bodyPr/>
+          <a:lstStyle/>
+          <a:p>
+            <a:fld id="{AFD96F87-9EEA-4173-B560-4ADE20BAA8CF}" type="slidenum">
+              <a:rPr lang="zh-CN" altLang="en-US" smtClean="0"/>
+              <a:t>25</a:t>
+            </a:fld>
+            <a:endParaRPr lang="zh-CN" altLang="en-US"/>
+          </a:p>
+        </p:txBody>
+      </p:sp>
+    </p:spTree>
+    <p:extLst>
+      <p:ext uri="{BB962C8B-B14F-4D97-AF65-F5344CB8AC3E}">
+        <p14:creationId xmlns:p14="http://schemas.microsoft.com/office/powerpoint/2010/main" val="4143070737"/>
+      </p:ext>
+    </p:extLst>
+  </p:cSld>
+  <p:clrMapOvr>
+    <a:masterClrMapping/>
+  </p:clrMapOvr>
+</p:sld>
+</file>
+
+<file path=ppt/slides/slide26.xml><?xml version="1.0" encoding="utf-8"?>
+<p:sld xmlns:a="http://schemas.openxmlformats.org/drawingml/2006/main" xmlns:r="http://schemas.openxmlformats.org/officeDocument/2006/relationships" xmlns:p="http://schemas.openxmlformats.org/presentationml/2006/main">
+  <p:cSld>
+    <p:spTree>
+      <p:nvGrpSpPr>
+        <p:cNvPr id="1" name=""/>
+        <p:cNvGrpSpPr/>
+        <p:nvPr/>
+      </p:nvGrpSpPr>
+      <p:grpSpPr>
+        <a:xfrm>
+          <a:off x="0" y="0"/>
+          <a:ext cx="0" cy="0"/>
+          <a:chOff x="0" y="0"/>
+          <a:chExt cx="0" cy="0"/>
+        </a:xfrm>
+      </p:grpSpPr>
+      <p:sp>
+        <p:nvSpPr>
+          <p:cNvPr id="2" name="标题 1"/>
+          <p:cNvSpPr>
+            <a:spLocks noGrp="1"/>
+          </p:cNvSpPr>
+          <p:nvPr>
+            <p:ph type="title"/>
+          </p:nvPr>
+        </p:nvSpPr>
+        <p:spPr/>
+        <p:txBody>
+          <a:bodyPr/>
+          <a:lstStyle/>
+          <a:p>
+            <a:r>
+              <a:rPr lang="zh-CN" altLang="en-US" dirty="0"/>
+              <a:t>霍夫曼</a:t>
+            </a:r>
+            <a:r>
+              <a:rPr lang="zh-CN" altLang="en-US" dirty="0" smtClean="0"/>
+              <a:t>编码的评价</a:t>
+            </a:r>
+            <a:endParaRPr lang="zh-CN" altLang="en-US" dirty="0"/>
+          </a:p>
+        </p:txBody>
+      </p:sp>
+      <p:sp>
+        <p:nvSpPr>
+          <p:cNvPr id="3" name="内容占位符 2"/>
+          <p:cNvSpPr>
+            <a:spLocks noGrp="1"/>
+          </p:cNvSpPr>
+          <p:nvPr>
+            <p:ph idx="1"/>
+          </p:nvPr>
+        </p:nvSpPr>
+        <p:spPr/>
+        <p:txBody>
+          <a:bodyPr/>
+          <a:lstStyle/>
+          <a:p>
+            <a:r>
+              <a:rPr lang="zh-CN" altLang="en-US" dirty="0" smtClean="0"/>
+              <a:t>熵编码，平均码长最短、最佳码。</a:t>
+            </a:r>
+            <a:endParaRPr lang="en-US" altLang="zh-CN" dirty="0" smtClean="0"/>
+          </a:p>
+          <a:p>
+            <a:endParaRPr lang="en-US" altLang="zh-CN" dirty="0"/>
+          </a:p>
+          <a:p>
+            <a:r>
+              <a:rPr lang="zh-CN" altLang="en-US" dirty="0" smtClean="0"/>
+              <a:t>异前缀码、即时码，方便解码</a:t>
+            </a:r>
+            <a:endParaRPr lang="en-US" altLang="zh-CN" dirty="0" smtClean="0"/>
+          </a:p>
+          <a:p>
+            <a:endParaRPr lang="en-US" altLang="zh-CN" dirty="0"/>
+          </a:p>
+          <a:p>
+            <a:r>
+              <a:rPr lang="zh-CN" altLang="en-US" dirty="0" smtClean="0"/>
+              <a:t>实现简单</a:t>
+            </a:r>
+            <a:endParaRPr lang="en-US" altLang="zh-CN" dirty="0" smtClean="0"/>
+          </a:p>
+          <a:p>
+            <a:endParaRPr lang="en-US" altLang="zh-CN" dirty="0"/>
+          </a:p>
+          <a:p>
+            <a:r>
+              <a:rPr lang="zh-CN" altLang="en-US" dirty="0" smtClean="0"/>
+              <a:t>容易扩展：逃逸码、多元霍夫曼编码</a:t>
+            </a:r>
+            <a:endParaRPr lang="zh-CN" altLang="en-US" dirty="0"/>
+          </a:p>
+        </p:txBody>
+      </p:sp>
+      <p:sp>
+        <p:nvSpPr>
+          <p:cNvPr id="4" name="灯片编号占位符 3"/>
+          <p:cNvSpPr>
+            <a:spLocks noGrp="1"/>
+          </p:cNvSpPr>
+          <p:nvPr>
+            <p:ph type="sldNum" sz="quarter" idx="12"/>
+          </p:nvPr>
+        </p:nvSpPr>
+        <p:spPr/>
+        <p:txBody>
+          <a:bodyPr/>
+          <a:lstStyle/>
+          <a:p>
+            <a:fld id="{AFD96F87-9EEA-4173-B560-4ADE20BAA8CF}" type="slidenum">
+              <a:rPr lang="zh-CN" altLang="en-US" smtClean="0"/>
+              <a:t>26</a:t>
+            </a:fld>
+            <a:endParaRPr lang="zh-CN" altLang="en-US"/>
+          </a:p>
+        </p:txBody>
+      </p:sp>
+    </p:spTree>
+    <p:extLst>
+      <p:ext uri="{BB962C8B-B14F-4D97-AF65-F5344CB8AC3E}">
+        <p14:creationId xmlns:p14="http://schemas.microsoft.com/office/powerpoint/2010/main" val="3257378036"/>
+      </p:ext>
+    </p:extLst>
+  </p:cSld>
+  <p:clrMapOvr>
+    <a:masterClrMapping/>
+  </p:clrMapOvr>
+</p:sld>
+</file>
+
+<file path=ppt/slides/slide27.xml><?xml version="1.0" encoding="utf-8"?>
+<p:sld xmlns:a="http://schemas.openxmlformats.org/drawingml/2006/main" xmlns:r="http://schemas.openxmlformats.org/officeDocument/2006/relationships" xmlns:p="http://schemas.openxmlformats.org/presentationml/2006/main">
+  <p:cSld>
+    <p:spTree>
+      <p:nvGrpSpPr>
+        <p:cNvPr id="1" name=""/>
+        <p:cNvGrpSpPr/>
+        <p:nvPr/>
+      </p:nvGrpSpPr>
+      <p:grpSpPr>
+        <a:xfrm>
+          <a:off x="0" y="0"/>
+          <a:ext cx="0" cy="0"/>
+          <a:chOff x="0" y="0"/>
+          <a:chExt cx="0" cy="0"/>
+        </a:xfrm>
+      </p:grpSpPr>
+      <p:sp>
+        <p:nvSpPr>
           <p:cNvPr id="8" name="标题 7"/>
           <p:cNvSpPr>
             <a:spLocks noGrp="1"/>
@@ -15796,7 +17043,7 @@
           <a:p>
             <a:fld id="{AFD96F87-9EEA-4173-B560-4ADE20BAA8CF}" type="slidenum">
               <a:rPr lang="zh-CN" altLang="en-US" smtClean="0"/>
-              <a:t>21</a:t>
+              <a:t>27</a:t>
             </a:fld>
             <a:endParaRPr lang="zh-CN" altLang="en-US"/>
           </a:p>
@@ -15822,7 +17069,7 @@
 </p:sld>
 </file>
 
-<file path=ppt/slides/slide22.xml><?xml version="1.0" encoding="utf-8"?>
+<file path=ppt/slides/slide28.xml><?xml version="1.0" encoding="utf-8"?>
 <p:sld xmlns:a="http://schemas.openxmlformats.org/drawingml/2006/main" xmlns:r="http://schemas.openxmlformats.org/officeDocument/2006/relationships" xmlns:p="http://schemas.openxmlformats.org/presentationml/2006/main">
   <p:cSld>
     <p:spTree>
@@ -15894,7 +17141,7 @@
           <a:p>
             <a:fld id="{AFD96F87-9EEA-4173-B560-4ADE20BAA8CF}" type="slidenum">
               <a:rPr lang="zh-CN" altLang="en-US" smtClean="0"/>
-              <a:t>22</a:t>
+              <a:t>28</a:t>
             </a:fld>
             <a:endParaRPr lang="zh-CN" altLang="en-US"/>
           </a:p>
@@ -15920,7 +17167,7 @@
 </p:sld>
 </file>
 
-<file path=ppt/slides/slide23.xml><?xml version="1.0" encoding="utf-8"?>
+<file path=ppt/slides/slide29.xml><?xml version="1.0" encoding="utf-8"?>
 <p:sld xmlns:a="http://schemas.openxmlformats.org/drawingml/2006/main" xmlns:r="http://schemas.openxmlformats.org/officeDocument/2006/relationships" xmlns:p="http://schemas.openxmlformats.org/presentationml/2006/main">
   <p:cSld>
     <p:spTree>
@@ -16009,7 +17256,7 @@
           <a:p>
             <a:fld id="{AFD96F87-9EEA-4173-B560-4ADE20BAA8CF}" type="slidenum">
               <a:rPr lang="zh-CN" altLang="en-US" smtClean="0"/>
-              <a:t>23</a:t>
+              <a:t>29</a:t>
             </a:fld>
             <a:endParaRPr lang="zh-CN" altLang="en-US"/>
           </a:p>
@@ -16019,214 +17266,6 @@
     <p:extLst>
       <p:ext uri="{BB962C8B-B14F-4D97-AF65-F5344CB8AC3E}">
         <p14:creationId xmlns:p14="http://schemas.microsoft.com/office/powerpoint/2010/main" val="1675817713"/>
-      </p:ext>
-    </p:extLst>
-  </p:cSld>
-  <p:clrMapOvr>
-    <a:masterClrMapping/>
-  </p:clrMapOvr>
-  <p:timing>
-    <p:tnLst>
-      <p:par>
-        <p:cTn id="1" dur="indefinite" restart="never" nodeType="tmRoot"/>
-      </p:par>
-    </p:tnLst>
-  </p:timing>
-</p:sld>
-</file>
-
-<file path=ppt/slides/slide24.xml><?xml version="1.0" encoding="utf-8"?>
-<p:sld xmlns:a="http://schemas.openxmlformats.org/drawingml/2006/main" xmlns:r="http://schemas.openxmlformats.org/officeDocument/2006/relationships" xmlns:p="http://schemas.openxmlformats.org/presentationml/2006/main">
-  <p:cSld>
-    <p:spTree>
-      <p:nvGrpSpPr>
-        <p:cNvPr id="1" name=""/>
-        <p:cNvGrpSpPr/>
-        <p:nvPr/>
-      </p:nvGrpSpPr>
-      <p:grpSpPr>
-        <a:xfrm>
-          <a:off x="0" y="0"/>
-          <a:ext cx="0" cy="0"/>
-          <a:chOff x="0" y="0"/>
-          <a:chExt cx="0" cy="0"/>
-        </a:xfrm>
-      </p:grpSpPr>
-      <p:sp>
-        <p:nvSpPr>
-          <p:cNvPr id="4" name="标题 3"/>
-          <p:cNvSpPr>
-            <a:spLocks noGrp="1"/>
-          </p:cNvSpPr>
-          <p:nvPr>
-            <p:ph type="title"/>
-          </p:nvPr>
-        </p:nvSpPr>
-        <p:spPr/>
-        <p:txBody>
-          <a:bodyPr/>
-          <a:lstStyle/>
-          <a:p>
-            <a:endParaRPr lang="zh-CN" altLang="en-US"/>
-          </a:p>
-        </p:txBody>
-      </p:sp>
-      <p:sp>
-        <p:nvSpPr>
-          <p:cNvPr id="5" name="内容占位符 4"/>
-          <p:cNvSpPr>
-            <a:spLocks noGrp="1"/>
-          </p:cNvSpPr>
-          <p:nvPr>
-            <p:ph idx="1"/>
-          </p:nvPr>
-        </p:nvSpPr>
-        <p:spPr/>
-        <p:txBody>
-          <a:bodyPr/>
-          <a:lstStyle/>
-          <a:p>
-            <a:endParaRPr lang="zh-CN" altLang="en-US"/>
-          </a:p>
-        </p:txBody>
-      </p:sp>
-      <p:sp>
-        <p:nvSpPr>
-          <p:cNvPr id="2" name="灯片编号占位符 1"/>
-          <p:cNvSpPr>
-            <a:spLocks noGrp="1"/>
-          </p:cNvSpPr>
-          <p:nvPr>
-            <p:ph type="sldNum" sz="quarter" idx="12"/>
-          </p:nvPr>
-        </p:nvSpPr>
-        <p:spPr/>
-        <p:txBody>
-          <a:bodyPr/>
-          <a:lstStyle/>
-          <a:p>
-            <a:fld id="{AFD96F87-9EEA-4173-B560-4ADE20BAA8CF}" type="slidenum">
-              <a:rPr lang="zh-CN" altLang="en-US" smtClean="0"/>
-              <a:t>24</a:t>
-            </a:fld>
-            <a:endParaRPr lang="zh-CN" altLang="en-US"/>
-          </a:p>
-        </p:txBody>
-      </p:sp>
-    </p:spTree>
-    <p:extLst>
-      <p:ext uri="{BB962C8B-B14F-4D97-AF65-F5344CB8AC3E}">
-        <p14:creationId xmlns:p14="http://schemas.microsoft.com/office/powerpoint/2010/main" val="4086110525"/>
-      </p:ext>
-    </p:extLst>
-  </p:cSld>
-  <p:clrMapOvr>
-    <a:masterClrMapping/>
-  </p:clrMapOvr>
-  <p:timing>
-    <p:tnLst>
-      <p:par>
-        <p:cTn id="1" dur="indefinite" restart="never" nodeType="tmRoot"/>
-      </p:par>
-    </p:tnLst>
-  </p:timing>
-</p:sld>
-</file>
-
-<file path=ppt/slides/slide25.xml><?xml version="1.0" encoding="utf-8"?>
-<p:sld xmlns:a="http://schemas.openxmlformats.org/drawingml/2006/main" xmlns:r="http://schemas.openxmlformats.org/officeDocument/2006/relationships" xmlns:p="http://schemas.openxmlformats.org/presentationml/2006/main">
-  <p:cSld>
-    <p:spTree>
-      <p:nvGrpSpPr>
-        <p:cNvPr id="1" name=""/>
-        <p:cNvGrpSpPr/>
-        <p:nvPr/>
-      </p:nvGrpSpPr>
-      <p:grpSpPr>
-        <a:xfrm>
-          <a:off x="0" y="0"/>
-          <a:ext cx="0" cy="0"/>
-          <a:chOff x="0" y="0"/>
-          <a:chExt cx="0" cy="0"/>
-        </a:xfrm>
-      </p:grpSpPr>
-      <p:sp>
-        <p:nvSpPr>
-          <p:cNvPr id="4" name="标题 3"/>
-          <p:cNvSpPr>
-            <a:spLocks noGrp="1"/>
-          </p:cNvSpPr>
-          <p:nvPr>
-            <p:ph type="title"/>
-          </p:nvPr>
-        </p:nvSpPr>
-        <p:spPr>
-          <a:xfrm>
-            <a:off x="762679" y="2225379"/>
-            <a:ext cx="8596668" cy="1826581"/>
-          </a:xfrm>
-        </p:spPr>
-        <p:txBody>
-          <a:bodyPr>
-            <a:normAutofit/>
-          </a:bodyPr>
-          <a:lstStyle/>
-          <a:p>
-            <a:pPr algn="ctr"/>
-            <a:r>
-              <a:rPr lang="zh-CN" altLang="en-US" sz="4800" dirty="0" smtClean="0"/>
-              <a:t>感谢聆听，请批评指正！</a:t>
-            </a:r>
-            <a:endParaRPr lang="zh-CN" altLang="en-US" sz="4800" dirty="0"/>
-          </a:p>
-        </p:txBody>
-      </p:sp>
-      <p:sp>
-        <p:nvSpPr>
-          <p:cNvPr id="5" name="文本占位符 4"/>
-          <p:cNvSpPr>
-            <a:spLocks noGrp="1"/>
-          </p:cNvSpPr>
-          <p:nvPr>
-            <p:ph type="body" idx="1"/>
-          </p:nvPr>
-        </p:nvSpPr>
-        <p:spPr/>
-        <p:txBody>
-          <a:bodyPr/>
-          <a:lstStyle/>
-          <a:p>
-            <a:endParaRPr lang="zh-CN" altLang="en-US"/>
-          </a:p>
-        </p:txBody>
-      </p:sp>
-      <p:sp>
-        <p:nvSpPr>
-          <p:cNvPr id="6" name="灯片编号占位符 5"/>
-          <p:cNvSpPr>
-            <a:spLocks noGrp="1"/>
-          </p:cNvSpPr>
-          <p:nvPr>
-            <p:ph type="sldNum" sz="quarter" idx="12"/>
-          </p:nvPr>
-        </p:nvSpPr>
-        <p:spPr/>
-        <p:txBody>
-          <a:bodyPr/>
-          <a:lstStyle/>
-          <a:p>
-            <a:fld id="{AFD96F87-9EEA-4173-B560-4ADE20BAA8CF}" type="slidenum">
-              <a:rPr lang="zh-CN" altLang="en-US" smtClean="0"/>
-              <a:t>25</a:t>
-            </a:fld>
-            <a:endParaRPr lang="zh-CN" altLang="en-US"/>
-          </a:p>
-        </p:txBody>
-      </p:sp>
-    </p:spTree>
-    <p:extLst>
-      <p:ext uri="{BB962C8B-B14F-4D97-AF65-F5344CB8AC3E}">
-        <p14:creationId xmlns:p14="http://schemas.microsoft.com/office/powerpoint/2010/main" val="2833179124"/>
       </p:ext>
     </p:extLst>
   </p:cSld>
@@ -16354,6 +17393,214 @@
     <p:extLst>
       <p:ext uri="{BB962C8B-B14F-4D97-AF65-F5344CB8AC3E}">
         <p14:creationId xmlns:p14="http://schemas.microsoft.com/office/powerpoint/2010/main" val="3183559724"/>
+      </p:ext>
+    </p:extLst>
+  </p:cSld>
+  <p:clrMapOvr>
+    <a:masterClrMapping/>
+  </p:clrMapOvr>
+  <p:timing>
+    <p:tnLst>
+      <p:par>
+        <p:cTn id="1" dur="indefinite" restart="never" nodeType="tmRoot"/>
+      </p:par>
+    </p:tnLst>
+  </p:timing>
+</p:sld>
+</file>
+
+<file path=ppt/slides/slide30.xml><?xml version="1.0" encoding="utf-8"?>
+<p:sld xmlns:a="http://schemas.openxmlformats.org/drawingml/2006/main" xmlns:r="http://schemas.openxmlformats.org/officeDocument/2006/relationships" xmlns:p="http://schemas.openxmlformats.org/presentationml/2006/main">
+  <p:cSld>
+    <p:spTree>
+      <p:nvGrpSpPr>
+        <p:cNvPr id="1" name=""/>
+        <p:cNvGrpSpPr/>
+        <p:nvPr/>
+      </p:nvGrpSpPr>
+      <p:grpSpPr>
+        <a:xfrm>
+          <a:off x="0" y="0"/>
+          <a:ext cx="0" cy="0"/>
+          <a:chOff x="0" y="0"/>
+          <a:chExt cx="0" cy="0"/>
+        </a:xfrm>
+      </p:grpSpPr>
+      <p:sp>
+        <p:nvSpPr>
+          <p:cNvPr id="4" name="标题 3"/>
+          <p:cNvSpPr>
+            <a:spLocks noGrp="1"/>
+          </p:cNvSpPr>
+          <p:nvPr>
+            <p:ph type="title"/>
+          </p:nvPr>
+        </p:nvSpPr>
+        <p:spPr/>
+        <p:txBody>
+          <a:bodyPr/>
+          <a:lstStyle/>
+          <a:p>
+            <a:endParaRPr lang="zh-CN" altLang="en-US"/>
+          </a:p>
+        </p:txBody>
+      </p:sp>
+      <p:sp>
+        <p:nvSpPr>
+          <p:cNvPr id="5" name="内容占位符 4"/>
+          <p:cNvSpPr>
+            <a:spLocks noGrp="1"/>
+          </p:cNvSpPr>
+          <p:nvPr>
+            <p:ph idx="1"/>
+          </p:nvPr>
+        </p:nvSpPr>
+        <p:spPr/>
+        <p:txBody>
+          <a:bodyPr/>
+          <a:lstStyle/>
+          <a:p>
+            <a:endParaRPr lang="zh-CN" altLang="en-US"/>
+          </a:p>
+        </p:txBody>
+      </p:sp>
+      <p:sp>
+        <p:nvSpPr>
+          <p:cNvPr id="2" name="灯片编号占位符 1"/>
+          <p:cNvSpPr>
+            <a:spLocks noGrp="1"/>
+          </p:cNvSpPr>
+          <p:nvPr>
+            <p:ph type="sldNum" sz="quarter" idx="12"/>
+          </p:nvPr>
+        </p:nvSpPr>
+        <p:spPr/>
+        <p:txBody>
+          <a:bodyPr/>
+          <a:lstStyle/>
+          <a:p>
+            <a:fld id="{AFD96F87-9EEA-4173-B560-4ADE20BAA8CF}" type="slidenum">
+              <a:rPr lang="zh-CN" altLang="en-US" smtClean="0"/>
+              <a:t>30</a:t>
+            </a:fld>
+            <a:endParaRPr lang="zh-CN" altLang="en-US"/>
+          </a:p>
+        </p:txBody>
+      </p:sp>
+    </p:spTree>
+    <p:extLst>
+      <p:ext uri="{BB962C8B-B14F-4D97-AF65-F5344CB8AC3E}">
+        <p14:creationId xmlns:p14="http://schemas.microsoft.com/office/powerpoint/2010/main" val="4086110525"/>
+      </p:ext>
+    </p:extLst>
+  </p:cSld>
+  <p:clrMapOvr>
+    <a:masterClrMapping/>
+  </p:clrMapOvr>
+  <p:timing>
+    <p:tnLst>
+      <p:par>
+        <p:cTn id="1" dur="indefinite" restart="never" nodeType="tmRoot"/>
+      </p:par>
+    </p:tnLst>
+  </p:timing>
+</p:sld>
+</file>
+
+<file path=ppt/slides/slide31.xml><?xml version="1.0" encoding="utf-8"?>
+<p:sld xmlns:a="http://schemas.openxmlformats.org/drawingml/2006/main" xmlns:r="http://schemas.openxmlformats.org/officeDocument/2006/relationships" xmlns:p="http://schemas.openxmlformats.org/presentationml/2006/main">
+  <p:cSld>
+    <p:spTree>
+      <p:nvGrpSpPr>
+        <p:cNvPr id="1" name=""/>
+        <p:cNvGrpSpPr/>
+        <p:nvPr/>
+      </p:nvGrpSpPr>
+      <p:grpSpPr>
+        <a:xfrm>
+          <a:off x="0" y="0"/>
+          <a:ext cx="0" cy="0"/>
+          <a:chOff x="0" y="0"/>
+          <a:chExt cx="0" cy="0"/>
+        </a:xfrm>
+      </p:grpSpPr>
+      <p:sp>
+        <p:nvSpPr>
+          <p:cNvPr id="4" name="标题 3"/>
+          <p:cNvSpPr>
+            <a:spLocks noGrp="1"/>
+          </p:cNvSpPr>
+          <p:nvPr>
+            <p:ph type="title"/>
+          </p:nvPr>
+        </p:nvSpPr>
+        <p:spPr>
+          <a:xfrm>
+            <a:off x="762679" y="2225379"/>
+            <a:ext cx="8596668" cy="1826581"/>
+          </a:xfrm>
+        </p:spPr>
+        <p:txBody>
+          <a:bodyPr>
+            <a:normAutofit/>
+          </a:bodyPr>
+          <a:lstStyle/>
+          <a:p>
+            <a:pPr algn="ctr"/>
+            <a:r>
+              <a:rPr lang="zh-CN" altLang="en-US" sz="4800" dirty="0" smtClean="0"/>
+              <a:t>感谢聆听，请批评指正！</a:t>
+            </a:r>
+            <a:endParaRPr lang="zh-CN" altLang="en-US" sz="4800" dirty="0"/>
+          </a:p>
+        </p:txBody>
+      </p:sp>
+      <p:sp>
+        <p:nvSpPr>
+          <p:cNvPr id="5" name="文本占位符 4"/>
+          <p:cNvSpPr>
+            <a:spLocks noGrp="1"/>
+          </p:cNvSpPr>
+          <p:nvPr>
+            <p:ph type="body" idx="1"/>
+          </p:nvPr>
+        </p:nvSpPr>
+        <p:spPr/>
+        <p:txBody>
+          <a:bodyPr/>
+          <a:lstStyle/>
+          <a:p>
+            <a:endParaRPr lang="zh-CN" altLang="en-US"/>
+          </a:p>
+        </p:txBody>
+      </p:sp>
+      <p:sp>
+        <p:nvSpPr>
+          <p:cNvPr id="6" name="灯片编号占位符 5"/>
+          <p:cNvSpPr>
+            <a:spLocks noGrp="1"/>
+          </p:cNvSpPr>
+          <p:nvPr>
+            <p:ph type="sldNum" sz="quarter" idx="12"/>
+          </p:nvPr>
+        </p:nvSpPr>
+        <p:spPr/>
+        <p:txBody>
+          <a:bodyPr/>
+          <a:lstStyle/>
+          <a:p>
+            <a:fld id="{AFD96F87-9EEA-4173-B560-4ADE20BAA8CF}" type="slidenum">
+              <a:rPr lang="zh-CN" altLang="en-US" smtClean="0"/>
+              <a:t>31</a:t>
+            </a:fld>
+            <a:endParaRPr lang="zh-CN" altLang="en-US"/>
+          </a:p>
+        </p:txBody>
+      </p:sp>
+    </p:spTree>
+    <p:extLst>
+      <p:ext uri="{BB962C8B-B14F-4D97-AF65-F5344CB8AC3E}">
+        <p14:creationId xmlns:p14="http://schemas.microsoft.com/office/powerpoint/2010/main" val="2833179124"/>
       </p:ext>
     </p:extLst>
   </p:cSld>
